--- a/src/figures/Bc-structure.pptx
+++ b/src/figures/Bc-structure.pptx
@@ -10,7 +10,7 @@
   <p:sldIdLst>
     <p:sldId id="257" r:id="rId2"/>
   </p:sldIdLst>
-  <p:sldSz cx="2879725" cy="1800225"/>
+  <p:sldSz cx="5759450" cy="2160588"/>
   <p:notesSz cx="6858000" cy="9144000"/>
   <p:defaultTextStyle>
     <a:defPPr>
@@ -215,8 +215,8 @@
         </p:nvSpPr>
         <p:spPr>
           <a:xfrm>
-            <a:off x="960438" y="1143000"/>
-            <a:ext cx="4937125" cy="3086100"/>
+            <a:off x="-684213" y="1143000"/>
+            <a:ext cx="8226426" cy="3086100"/>
           </a:xfrm>
           <a:prstGeom prst="rect">
             <a:avLst/>
@@ -525,8 +525,8 @@
         </p:nvSpPr>
         <p:spPr>
           <a:xfrm>
-            <a:off x="960438" y="1143000"/>
-            <a:ext cx="4937125" cy="3086100"/>
+            <a:off x="-684213" y="1143000"/>
+            <a:ext cx="8226426" cy="3086100"/>
           </a:xfrm>
         </p:spPr>
       </p:sp>
@@ -614,8 +614,8 @@
         </p:nvSpPr>
         <p:spPr>
           <a:xfrm>
-            <a:off x="159987" y="294620"/>
-            <a:ext cx="2583690" cy="626745"/>
+            <a:off x="319974" y="353598"/>
+            <a:ext cx="5167380" cy="752205"/>
           </a:xfrm>
           <a:noFill/>
         </p:spPr>
@@ -655,8 +655,8 @@
         </p:nvSpPr>
         <p:spPr>
           <a:xfrm>
-            <a:off x="159986" y="1035561"/>
-            <a:ext cx="2595562" cy="347167"/>
+            <a:off x="319972" y="1242858"/>
+            <a:ext cx="5191124" cy="416662"/>
           </a:xfrm>
         </p:spPr>
         <p:txBody>
@@ -776,8 +776,8 @@
         </p:nvSpPr>
         <p:spPr>
           <a:xfrm>
-            <a:off x="127991" y="921368"/>
-            <a:ext cx="2751737" cy="65426"/>
+            <a:off x="255983" y="1105804"/>
+            <a:ext cx="5503474" cy="78523"/>
           </a:xfrm>
           <a:prstGeom prst="rect">
             <a:avLst/>
@@ -864,8 +864,8 @@
         </p:nvSpPr>
         <p:spPr>
           <a:xfrm>
-            <a:off x="2" y="0"/>
-            <a:ext cx="2879725" cy="255150"/>
+            <a:off x="5" y="0"/>
+            <a:ext cx="5759450" cy="306225"/>
           </a:xfrm>
         </p:spPr>
         <p:txBody>
@@ -950,8 +950,8 @@
         </p:nvSpPr>
         <p:spPr>
           <a:xfrm>
-            <a:off x="101680" y="340201"/>
-            <a:ext cx="2676365" cy="1266300"/>
+            <a:off x="203361" y="408301"/>
+            <a:ext cx="5352730" cy="1519784"/>
           </a:xfrm>
         </p:spPr>
         <p:txBody>
@@ -1068,8 +1068,8 @@
         </p:nvSpPr>
         <p:spPr>
           <a:xfrm>
-            <a:off x="2" y="0"/>
-            <a:ext cx="2879725" cy="255150"/>
+            <a:off x="5" y="0"/>
+            <a:ext cx="5759450" cy="306225"/>
           </a:xfrm>
         </p:spPr>
         <p:txBody>
@@ -1168,8 +1168,8 @@
         </p:nvSpPr>
         <p:spPr>
           <a:xfrm>
-            <a:off x="2" y="448815"/>
-            <a:ext cx="2879725" cy="748844"/>
+            <a:off x="5" y="538657"/>
+            <a:ext cx="5759450" cy="898745"/>
           </a:xfrm>
         </p:spPr>
         <p:txBody>
@@ -1203,8 +1203,8 @@
         </p:nvSpPr>
         <p:spPr>
           <a:xfrm>
-            <a:off x="196482" y="1241467"/>
-            <a:ext cx="2483763" cy="357072"/>
+            <a:off x="392965" y="1489980"/>
+            <a:ext cx="4967526" cy="428549"/>
           </a:xfrm>
         </p:spPr>
         <p:txBody>
@@ -1474,8 +1474,8 @@
         </p:nvSpPr>
         <p:spPr>
           <a:xfrm>
-            <a:off x="2" y="0"/>
-            <a:ext cx="2879725" cy="255150"/>
+            <a:off x="5" y="0"/>
+            <a:ext cx="5759450" cy="306225"/>
           </a:xfrm>
           <a:prstGeom prst="rect">
             <a:avLst/>
@@ -1512,8 +1512,8 @@
         </p:nvSpPr>
         <p:spPr>
           <a:xfrm>
-            <a:off x="101680" y="340201"/>
-            <a:ext cx="2676365" cy="1266300"/>
+            <a:off x="203361" y="408301"/>
+            <a:ext cx="5352730" cy="1519784"/>
           </a:xfrm>
           <a:prstGeom prst="rect">
             <a:avLst/>
@@ -1607,8 +1607,8 @@
         </p:nvSpPr>
         <p:spPr>
           <a:xfrm>
-            <a:off x="456587" y="1668549"/>
-            <a:ext cx="1966555" cy="95845"/>
+            <a:off x="913175" y="2002555"/>
+            <a:ext cx="3933110" cy="115031"/>
           </a:xfrm>
           <a:prstGeom prst="rect">
             <a:avLst/>
@@ -1646,8 +1646,8 @@
         </p:nvSpPr>
         <p:spPr>
           <a:xfrm>
-            <a:off x="2455528" y="1668549"/>
-            <a:ext cx="322518" cy="95845"/>
+            <a:off x="4911056" y="2002555"/>
+            <a:ext cx="645036" cy="115031"/>
           </a:xfrm>
           <a:prstGeom prst="rect">
             <a:avLst/>
@@ -2049,13 +2049,14 @@
           <p:cNvCxnSpPr>
             <a:cxnSpLocks/>
             <a:stCxn id="146" idx="3"/>
+            <a:endCxn id="150" idx="1"/>
           </p:cNvCxnSpPr>
           <p:nvPr/>
         </p:nvCxnSpPr>
         <p:spPr>
-          <a:xfrm>
-            <a:off x="1398111" y="856024"/>
-            <a:ext cx="137197" cy="345930"/>
+          <a:xfrm flipV="1">
+            <a:off x="2644877" y="1372239"/>
+            <a:ext cx="801370" cy="3267"/>
           </a:xfrm>
           <a:prstGeom prst="straightConnector1">
             <a:avLst/>
@@ -2100,13 +2101,13 @@
               <p:nvPr>
                 <p:extLst>
                   <p:ext uri="{D42A27DB-BD31-4B8C-83A1-F6EECF244321}">
-                    <p14:modId xmlns:p14="http://schemas.microsoft.com/office/powerpoint/2010/main" val="566503281"/>
+                    <p14:modId xmlns:p14="http://schemas.microsoft.com/office/powerpoint/2010/main" val="1149608719"/>
                   </p:ext>
                 </p:extLst>
               </p:nvPr>
             </p:nvGraphicFramePr>
             <p:xfrm>
-              <a:off x="878370" y="578004"/>
+              <a:off x="2125136" y="1097486"/>
               <a:ext cx="519741" cy="556040"/>
             </p:xfrm>
             <a:graphic>
@@ -2429,13 +2430,13 @@
               <p:nvPr>
                 <p:extLst>
                   <p:ext uri="{D42A27DB-BD31-4B8C-83A1-F6EECF244321}">
-                    <p14:modId xmlns:p14="http://schemas.microsoft.com/office/powerpoint/2010/main" val="566503281"/>
+                    <p14:modId xmlns:p14="http://schemas.microsoft.com/office/powerpoint/2010/main" val="1149608719"/>
                   </p:ext>
                 </p:extLst>
               </p:nvPr>
             </p:nvGraphicFramePr>
             <p:xfrm>
-              <a:off x="878370" y="578004"/>
+              <a:off x="2125136" y="1097486"/>
               <a:ext cx="519741" cy="556040"/>
             </p:xfrm>
             <a:graphic>
@@ -2731,13 +2732,13 @@
               <p:nvPr>
                 <p:extLst>
                   <p:ext uri="{D42A27DB-BD31-4B8C-83A1-F6EECF244321}">
-                    <p14:modId xmlns:p14="http://schemas.microsoft.com/office/powerpoint/2010/main" val="2028154348"/>
+                    <p14:modId xmlns:p14="http://schemas.microsoft.com/office/powerpoint/2010/main" val="3921378341"/>
                   </p:ext>
                 </p:extLst>
               </p:nvPr>
             </p:nvGraphicFramePr>
             <p:xfrm>
-              <a:off x="568623" y="1202144"/>
+              <a:off x="1319274" y="1569160"/>
               <a:ext cx="518400" cy="556040"/>
             </p:xfrm>
             <a:graphic>
@@ -3060,13 +3061,13 @@
               <p:nvPr>
                 <p:extLst>
                   <p:ext uri="{D42A27DB-BD31-4B8C-83A1-F6EECF244321}">
-                    <p14:modId xmlns:p14="http://schemas.microsoft.com/office/powerpoint/2010/main" val="2028154348"/>
+                    <p14:modId xmlns:p14="http://schemas.microsoft.com/office/powerpoint/2010/main" val="3921378341"/>
                   </p:ext>
                 </p:extLst>
               </p:nvPr>
             </p:nvGraphicFramePr>
             <p:xfrm>
-              <a:off x="568623" y="1202144"/>
+              <a:off x="1319274" y="1569160"/>
               <a:ext cx="518400" cy="556040"/>
             </p:xfrm>
             <a:graphic>
@@ -3356,14 +3357,15 @@
           </p:cNvPr>
           <p:cNvCxnSpPr>
             <a:cxnSpLocks/>
-            <a:endCxn id="147" idx="0"/>
+            <a:stCxn id="146" idx="2"/>
+            <a:endCxn id="147" idx="3"/>
           </p:cNvCxnSpPr>
           <p:nvPr/>
         </p:nvCxnSpPr>
         <p:spPr>
           <a:xfrm flipH="1">
-            <a:off x="827823" y="1008490"/>
-            <a:ext cx="48602" cy="193654"/>
+            <a:off x="1837674" y="1653526"/>
+            <a:ext cx="547332" cy="193654"/>
           </a:xfrm>
           <a:prstGeom prst="straightConnector1">
             <a:avLst/>
@@ -3407,13 +3409,13 @@
               <p:nvPr>
                 <p:extLst>
                   <p:ext uri="{D42A27DB-BD31-4B8C-83A1-F6EECF244321}">
-                    <p14:modId xmlns:p14="http://schemas.microsoft.com/office/powerpoint/2010/main" val="4053991114"/>
+                    <p14:modId xmlns:p14="http://schemas.microsoft.com/office/powerpoint/2010/main" val="1872253387"/>
                   </p:ext>
                 </p:extLst>
               </p:nvPr>
             </p:nvGraphicFramePr>
             <p:xfrm>
-              <a:off x="1159099" y="1201954"/>
+              <a:off x="3446247" y="1094219"/>
               <a:ext cx="518400" cy="556040"/>
             </p:xfrm>
             <a:graphic>
@@ -3768,13 +3770,13 @@
               <p:nvPr>
                 <p:extLst>
                   <p:ext uri="{D42A27DB-BD31-4B8C-83A1-F6EECF244321}">
-                    <p14:modId xmlns:p14="http://schemas.microsoft.com/office/powerpoint/2010/main" val="4053991114"/>
+                    <p14:modId xmlns:p14="http://schemas.microsoft.com/office/powerpoint/2010/main" val="1872253387"/>
                   </p:ext>
                 </p:extLst>
               </p:nvPr>
             </p:nvGraphicFramePr>
             <p:xfrm>
-              <a:off x="1159099" y="1201954"/>
+              <a:off x="3446247" y="1094219"/>
               <a:ext cx="518400" cy="556040"/>
             </p:xfrm>
             <a:graphic>
@@ -3841,7 +3843,7 @@
                         <a:blipFill>
                           <a:blip r:embed="rId5"/>
                           <a:stretch>
-                            <a:fillRect l="-1163" t="-17391" r="-2326" b="-334783"/>
+                            <a:fillRect l="-1163" t="-17391" r="-2326" b="-339130"/>
                           </a:stretch>
                         </a:blipFill>
                       </a:tcPr>
@@ -4030,7 +4032,7 @@
                         <a:blipFill>
                           <a:blip r:embed="rId5"/>
                           <a:stretch>
-                            <a:fillRect l="-1163" t="-317391" r="-2326" b="-34783"/>
+                            <a:fillRect l="-1163" t="-317391" r="-2326" b="-39130"/>
                           </a:stretch>
                         </a:blipFill>
                       </a:tcPr>
@@ -4064,8 +4066,8 @@
         </p:nvCxnSpPr>
         <p:spPr>
           <a:xfrm flipV="1">
-            <a:off x="538434" y="405418"/>
-            <a:ext cx="1593488" cy="117556"/>
+            <a:off x="982010" y="441402"/>
+            <a:ext cx="2605198" cy="263191"/>
           </a:xfrm>
           <a:prstGeom prst="straightConnector1">
             <a:avLst/>
@@ -4108,9 +4110,9 @@
           <p:nvPr/>
         </p:nvCxnSpPr>
         <p:spPr>
-          <a:xfrm flipV="1">
-            <a:off x="540380" y="856024"/>
-            <a:ext cx="337990" cy="94480"/>
+          <a:xfrm>
+            <a:off x="982010" y="1129352"/>
+            <a:ext cx="1143126" cy="246154"/>
           </a:xfrm>
           <a:prstGeom prst="straightConnector1">
             <a:avLst/>
@@ -4154,13 +4156,13 @@
               <p:nvPr>
                 <p:extLst>
                   <p:ext uri="{D42A27DB-BD31-4B8C-83A1-F6EECF244321}">
-                    <p14:modId xmlns:p14="http://schemas.microsoft.com/office/powerpoint/2010/main" val="4128185274"/>
+                    <p14:modId xmlns:p14="http://schemas.microsoft.com/office/powerpoint/2010/main" val="760811605"/>
                   </p:ext>
                 </p:extLst>
               </p:nvPr>
             </p:nvGraphicFramePr>
             <p:xfrm>
-              <a:off x="2343670" y="1201954"/>
+              <a:off x="4918615" y="1088218"/>
               <a:ext cx="518400" cy="556040"/>
             </p:xfrm>
             <a:graphic>
@@ -4515,13 +4517,13 @@
               <p:nvPr>
                 <p:extLst>
                   <p:ext uri="{D42A27DB-BD31-4B8C-83A1-F6EECF244321}">
-                    <p14:modId xmlns:p14="http://schemas.microsoft.com/office/powerpoint/2010/main" val="4128185274"/>
+                    <p14:modId xmlns:p14="http://schemas.microsoft.com/office/powerpoint/2010/main" val="760811605"/>
                   </p:ext>
                 </p:extLst>
               </p:nvPr>
             </p:nvGraphicFramePr>
             <p:xfrm>
-              <a:off x="2343670" y="1201954"/>
+              <a:off x="4918615" y="1088218"/>
               <a:ext cx="518400" cy="556040"/>
             </p:xfrm>
             <a:graphic>
@@ -4588,7 +4590,7 @@
                         <a:blipFill>
                           <a:blip r:embed="rId6"/>
                           <a:stretch>
-                            <a:fillRect l="-1163" t="-17391" r="-2326" b="-334783"/>
+                            <a:fillRect l="-1163" t="-17391" r="-2326" b="-339130"/>
                           </a:stretch>
                         </a:blipFill>
                       </a:tcPr>
@@ -4777,7 +4779,7 @@
                         <a:blipFill>
                           <a:blip r:embed="rId6"/>
                           <a:stretch>
-                            <a:fillRect l="-1163" t="-317391" r="-2326" b="-34783"/>
+                            <a:fillRect l="-1163" t="-317391" r="-2326" b="-39130"/>
                           </a:stretch>
                         </a:blipFill>
                       </a:tcPr>
@@ -4810,8 +4812,8 @@
         </p:nvCxnSpPr>
         <p:spPr>
           <a:xfrm>
-            <a:off x="1677499" y="1715749"/>
-            <a:ext cx="666171" cy="0"/>
+            <a:off x="3964647" y="1217226"/>
+            <a:ext cx="953968" cy="11416"/>
           </a:xfrm>
           <a:prstGeom prst="straightConnector1">
             <a:avLst/>
@@ -4856,13 +4858,13 @@
               <p:nvPr>
                 <p:extLst>
                   <p:ext uri="{D42A27DB-BD31-4B8C-83A1-F6EECF244321}">
-                    <p14:modId xmlns:p14="http://schemas.microsoft.com/office/powerpoint/2010/main" val="59770197"/>
+                    <p14:modId xmlns:p14="http://schemas.microsoft.com/office/powerpoint/2010/main" val="3846147437"/>
                   </p:ext>
                 </p:extLst>
               </p:nvPr>
             </p:nvGraphicFramePr>
             <p:xfrm>
-              <a:off x="1783100" y="1077574"/>
+              <a:off x="4182431" y="1515836"/>
               <a:ext cx="518400" cy="556040"/>
             </p:xfrm>
             <a:graphic>
@@ -5185,13 +5187,13 @@
               <p:nvPr>
                 <p:extLst>
                   <p:ext uri="{D42A27DB-BD31-4B8C-83A1-F6EECF244321}">
-                    <p14:modId xmlns:p14="http://schemas.microsoft.com/office/powerpoint/2010/main" val="59770197"/>
+                    <p14:modId xmlns:p14="http://schemas.microsoft.com/office/powerpoint/2010/main" val="3846147437"/>
                   </p:ext>
                 </p:extLst>
               </p:nvPr>
             </p:nvGraphicFramePr>
             <p:xfrm>
-              <a:off x="1783100" y="1077574"/>
+              <a:off x="4182431" y="1515836"/>
               <a:ext cx="518400" cy="556040"/>
             </p:xfrm>
             <a:graphic>
@@ -5481,15 +5483,15 @@
           </p:cNvPr>
           <p:cNvCxnSpPr>
             <a:cxnSpLocks/>
-            <a:stCxn id="150" idx="3"/>
+            <a:stCxn id="150" idx="2"/>
             <a:endCxn id="167" idx="1"/>
           </p:cNvCxnSpPr>
           <p:nvPr/>
         </p:nvCxnSpPr>
         <p:spPr>
-          <a:xfrm flipV="1">
-            <a:off x="1677499" y="1355594"/>
-            <a:ext cx="105601" cy="124380"/>
+          <a:xfrm>
+            <a:off x="3705447" y="1650259"/>
+            <a:ext cx="476984" cy="143597"/>
           </a:xfrm>
           <a:prstGeom prst="straightConnector1">
             <a:avLst/>
@@ -5527,14 +5529,15 @@
           </p:cNvPr>
           <p:cNvCxnSpPr>
             <a:cxnSpLocks/>
-            <a:stCxn id="162" idx="0"/>
+            <a:stCxn id="162" idx="2"/>
+            <a:endCxn id="167" idx="3"/>
           </p:cNvCxnSpPr>
           <p:nvPr/>
         </p:nvCxnSpPr>
         <p:spPr>
-          <a:xfrm flipH="1" flipV="1">
-            <a:off x="2301500" y="1105318"/>
-            <a:ext cx="301370" cy="96636"/>
+          <a:xfrm flipH="1">
+            <a:off x="4700831" y="1644258"/>
+            <a:ext cx="476984" cy="149598"/>
           </a:xfrm>
           <a:prstGeom prst="straightConnector1">
             <a:avLst/>
@@ -5575,10 +5578,10 @@
         </p:nvGrpSpPr>
         <p:grpSpPr>
           <a:xfrm>
-            <a:off x="847614" y="42041"/>
-            <a:ext cx="1187165" cy="318313"/>
+            <a:off x="2291987" y="77333"/>
+            <a:ext cx="1187165" cy="297393"/>
             <a:chOff x="860173" y="1557631"/>
-            <a:chExt cx="1030332" cy="411189"/>
+            <a:chExt cx="1030332" cy="384165"/>
           </a:xfrm>
         </p:grpSpPr>
         <p:sp>
@@ -5656,9 +5659,9 @@
           <p:grpSpPr>
             <a:xfrm>
               <a:off x="928906" y="1604705"/>
-              <a:ext cx="921248" cy="364115"/>
+              <a:ext cx="921248" cy="312395"/>
               <a:chOff x="3216913" y="957154"/>
-              <a:chExt cx="921248" cy="364115"/>
+              <a:chExt cx="921248" cy="312395"/>
             </a:xfrm>
           </p:grpSpPr>
           <p:cxnSp>
@@ -5765,7 +5768,7 @@
             <p:spPr>
               <a:xfrm>
                 <a:off x="3419803" y="957154"/>
-                <a:ext cx="718358" cy="364115"/>
+                <a:ext cx="718358" cy="173277"/>
               </a:xfrm>
               <a:prstGeom prst="rect">
                 <a:avLst/>
@@ -5877,13 +5880,13 @@
           <p:nvPr>
             <p:extLst>
               <p:ext uri="{D42A27DB-BD31-4B8C-83A1-F6EECF244321}">
-                <p14:modId xmlns:p14="http://schemas.microsoft.com/office/powerpoint/2010/main" val="2957855836"/>
+                <p14:modId xmlns:p14="http://schemas.microsoft.com/office/powerpoint/2010/main" val="3018550611"/>
               </p:ext>
             </p:extLst>
           </p:nvPr>
         </p:nvGraphicFramePr>
         <p:xfrm>
-          <a:off x="118460" y="190963"/>
+          <a:off x="562036" y="371145"/>
           <a:ext cx="419974" cy="1102942"/>
         </p:xfrm>
         <a:graphic>
@@ -6299,7 +6302,7 @@
         </p:nvCxnSpPr>
         <p:spPr>
           <a:xfrm flipH="1">
-            <a:off x="2010036" y="469058"/>
+            <a:off x="3465322" y="505044"/>
             <a:ext cx="148246" cy="218853"/>
           </a:xfrm>
           <a:prstGeom prst="straightConnector1">
@@ -6340,13 +6343,14 @@
           <p:cNvCxnSpPr>
             <a:cxnSpLocks/>
             <a:stCxn id="45" idx="3"/>
+            <a:endCxn id="146" idx="0"/>
           </p:cNvCxnSpPr>
           <p:nvPr/>
         </p:nvCxnSpPr>
         <p:spPr>
-          <a:xfrm flipH="1" flipV="1">
-            <a:off x="1390025" y="716437"/>
-            <a:ext cx="492731" cy="98754"/>
+          <a:xfrm flipH="1">
+            <a:off x="2385006" y="851175"/>
+            <a:ext cx="953036" cy="246311"/>
           </a:xfrm>
           <a:prstGeom prst="straightConnector1">
             <a:avLst/>
@@ -6386,13 +6390,14 @@
           <p:cNvCxnSpPr>
             <a:cxnSpLocks/>
             <a:stCxn id="45" idx="5"/>
+            <a:endCxn id="150" idx="0"/>
           </p:cNvCxnSpPr>
           <p:nvPr/>
         </p:nvCxnSpPr>
         <p:spPr>
-          <a:xfrm flipH="1">
-            <a:off x="1634359" y="815191"/>
-            <a:ext cx="375677" cy="386763"/>
+          <a:xfrm>
+            <a:off x="3465322" y="851175"/>
+            <a:ext cx="240125" cy="243044"/>
           </a:xfrm>
           <a:prstGeom prst="straightConnector1">
             <a:avLst/>
@@ -6434,7 +6439,7 @@
         </p:nvSpPr>
         <p:spPr>
           <a:xfrm>
-            <a:off x="1856396" y="661551"/>
+            <a:off x="3311682" y="697535"/>
             <a:ext cx="180000" cy="180000"/>
           </a:xfrm>
           <a:prstGeom prst="ellipse">
@@ -6503,7 +6508,7 @@
         </p:nvSpPr>
         <p:spPr>
           <a:xfrm>
-            <a:off x="2407447" y="661954"/>
+            <a:off x="3862733" y="697938"/>
             <a:ext cx="180000" cy="180000"/>
           </a:xfrm>
           <a:prstGeom prst="ellipse">
@@ -6572,7 +6577,7 @@
         </p:nvSpPr>
         <p:spPr>
           <a:xfrm>
-            <a:off x="2131922" y="315418"/>
+            <a:off x="3587208" y="351402"/>
             <a:ext cx="180000" cy="180000"/>
           </a:xfrm>
           <a:prstGeom prst="ellipse">
@@ -6644,7 +6649,7 @@
         </p:nvCxnSpPr>
         <p:spPr>
           <a:xfrm>
-            <a:off x="2221922" y="124161"/>
+            <a:off x="3677208" y="160147"/>
             <a:ext cx="0" cy="191257"/>
           </a:xfrm>
           <a:prstGeom prst="straightConnector1">
@@ -6691,7 +6696,7 @@
         </p:nvCxnSpPr>
         <p:spPr>
           <a:xfrm>
-            <a:off x="2285562" y="469058"/>
+            <a:off x="3740850" y="505042"/>
             <a:ext cx="148245" cy="219256"/>
           </a:xfrm>
           <a:prstGeom prst="straightConnector1">
@@ -6738,7 +6743,7 @@
         </p:nvCxnSpPr>
         <p:spPr>
           <a:xfrm>
-            <a:off x="2036396" y="751551"/>
+            <a:off x="3491684" y="787537"/>
             <a:ext cx="371051" cy="403"/>
           </a:xfrm>
           <a:prstGeom prst="straightConnector1">
@@ -6784,7 +6789,7 @@
         </p:nvCxnSpPr>
         <p:spPr>
           <a:xfrm>
-            <a:off x="2561087" y="815594"/>
+            <a:off x="4016373" y="851578"/>
             <a:ext cx="110246" cy="114056"/>
           </a:xfrm>
           <a:prstGeom prst="straightConnector1">
@@ -6827,7 +6832,7 @@
         </p:nvSpPr>
         <p:spPr>
           <a:xfrm>
-            <a:off x="2668758" y="854275"/>
+            <a:off x="4124044" y="890261"/>
             <a:ext cx="71862" cy="134139"/>
           </a:xfrm>
           <a:prstGeom prst="rect">
@@ -6868,6 +6873,51 @@
           </a:p>
         </p:txBody>
       </p:sp>
+      <p:cxnSp>
+        <p:nvCxnSpPr>
+          <p:cNvPr id="53" name="直線矢印コネクタ 52">
+            <a:extLst>
+              <a:ext uri="{FF2B5EF4-FFF2-40B4-BE49-F238E27FC236}">
+                <a16:creationId xmlns:a16="http://schemas.microsoft.com/office/drawing/2014/main" id="{29446F55-86F3-4267-B0EA-5FD69F2109EA}"/>
+              </a:ext>
+            </a:extLst>
+          </p:cNvPr>
+          <p:cNvCxnSpPr>
+            <a:cxnSpLocks/>
+            <a:endCxn id="45" idx="2"/>
+          </p:cNvCxnSpPr>
+          <p:nvPr/>
+        </p:nvCxnSpPr>
+        <p:spPr>
+          <a:xfrm flipV="1">
+            <a:off x="982010" y="787535"/>
+            <a:ext cx="2329672" cy="16418"/>
+          </a:xfrm>
+          <a:prstGeom prst="straightConnector1">
+            <a:avLst/>
+          </a:prstGeom>
+          <a:ln w="12700">
+            <a:solidFill>
+              <a:schemeClr val="tx1"/>
+            </a:solidFill>
+            <a:tailEnd type="triangle"/>
+          </a:ln>
+        </p:spPr>
+        <p:style>
+          <a:lnRef idx="1">
+            <a:schemeClr val="accent1"/>
+          </a:lnRef>
+          <a:fillRef idx="0">
+            <a:schemeClr val="accent1"/>
+          </a:fillRef>
+          <a:effectRef idx="0">
+            <a:schemeClr val="accent1"/>
+          </a:effectRef>
+          <a:fontRef idx="minor">
+            <a:schemeClr val="tx1"/>
+          </a:fontRef>
+        </p:style>
+      </p:cxnSp>
     </p:spTree>
     <p:extLst>
       <p:ext uri="{BB962C8B-B14F-4D97-AF65-F5344CB8AC3E}">

--- a/src/figures/Bc-structure.pptx
+++ b/src/figures/Bc-structure.pptx
@@ -10,7 +10,7 @@
   <p:sldIdLst>
     <p:sldId id="257" r:id="rId2"/>
   </p:sldIdLst>
-  <p:sldSz cx="5759450" cy="2160588"/>
+  <p:sldSz cx="5759450" cy="2519363"/>
   <p:notesSz cx="6858000" cy="9144000"/>
   <p:defaultTextStyle>
     <a:defPPr>
@@ -197,7 +197,7 @@
           <a:p>
             <a:fld id="{C1C90ABE-C08A-444A-9B97-50985CA7357E}" type="datetimeFigureOut">
               <a:rPr kumimoji="1" lang="ja-JP" altLang="en-US" smtClean="0"/>
-              <a:t>2023/8/8</a:t>
+              <a:t>2023/8/19</a:t>
             </a:fld>
             <a:endParaRPr kumimoji="1" lang="ja-JP" altLang="en-US"/>
           </a:p>
@@ -215,8 +215,8 @@
         </p:nvSpPr>
         <p:spPr>
           <a:xfrm>
-            <a:off x="-684213" y="1143000"/>
-            <a:ext cx="8226426" cy="3086100"/>
+            <a:off x="-98425" y="1143000"/>
+            <a:ext cx="7054850" cy="3086100"/>
           </a:xfrm>
           <a:prstGeom prst="rect">
             <a:avLst/>
@@ -525,8 +525,8 @@
         </p:nvSpPr>
         <p:spPr>
           <a:xfrm>
-            <a:off x="-684213" y="1143000"/>
-            <a:ext cx="8226426" cy="3086100"/>
+            <a:off x="-98425" y="1143000"/>
+            <a:ext cx="7054850" cy="3086100"/>
           </a:xfrm>
         </p:spPr>
       </p:sp>
@@ -614,8 +614,8 @@
         </p:nvSpPr>
         <p:spPr>
           <a:xfrm>
-            <a:off x="319974" y="353598"/>
-            <a:ext cx="5167380" cy="752205"/>
+            <a:off x="319974" y="412315"/>
+            <a:ext cx="5167380" cy="877112"/>
           </a:xfrm>
           <a:noFill/>
         </p:spPr>
@@ -655,8 +655,8 @@
         </p:nvSpPr>
         <p:spPr>
           <a:xfrm>
-            <a:off x="319972" y="1242858"/>
-            <a:ext cx="5191124" cy="416662"/>
+            <a:off x="319972" y="1449242"/>
+            <a:ext cx="5191124" cy="485851"/>
           </a:xfrm>
         </p:spPr>
         <p:txBody>
@@ -672,35 +672,35 @@
                 </a:solidFill>
               </a:defRPr>
             </a:lvl1pPr>
-            <a:lvl2pPr marL="81687" indent="0" algn="ctr">
+            <a:lvl2pPr marL="81695" indent="0" algn="ctr">
               <a:buNone/>
               <a:defRPr sz="358"/>
             </a:lvl2pPr>
-            <a:lvl3pPr marL="163375" indent="0" algn="ctr">
+            <a:lvl3pPr marL="163391" indent="0" algn="ctr">
               <a:buNone/>
               <a:defRPr sz="322"/>
             </a:lvl3pPr>
-            <a:lvl4pPr marL="245063" indent="0" algn="ctr">
+            <a:lvl4pPr marL="245087" indent="0" algn="ctr">
               <a:buNone/>
               <a:defRPr sz="286"/>
             </a:lvl4pPr>
-            <a:lvl5pPr marL="326751" indent="0" algn="ctr">
+            <a:lvl5pPr marL="326782" indent="0" algn="ctr">
               <a:buNone/>
               <a:defRPr sz="286"/>
             </a:lvl5pPr>
-            <a:lvl6pPr marL="408438" indent="0" algn="ctr">
+            <a:lvl6pPr marL="408477" indent="0" algn="ctr">
               <a:buNone/>
               <a:defRPr sz="286"/>
             </a:lvl6pPr>
-            <a:lvl7pPr marL="490125" indent="0" algn="ctr">
+            <a:lvl7pPr marL="490172" indent="0" algn="ctr">
               <a:buNone/>
               <a:defRPr sz="286"/>
             </a:lvl7pPr>
-            <a:lvl8pPr marL="571814" indent="0" algn="ctr">
+            <a:lvl8pPr marL="571868" indent="0" algn="ctr">
               <a:buNone/>
               <a:defRPr sz="286"/>
             </a:lvl8pPr>
-            <a:lvl9pPr marL="653501" indent="0" algn="ctr">
+            <a:lvl9pPr marL="653563" indent="0" algn="ctr">
               <a:buNone/>
               <a:defRPr sz="286"/>
             </a:lvl9pPr>
@@ -776,8 +776,8 @@
         </p:nvSpPr>
         <p:spPr>
           <a:xfrm>
-            <a:off x="255983" y="1105804"/>
-            <a:ext cx="5503474" cy="78523"/>
+            <a:off x="255983" y="1289428"/>
+            <a:ext cx="5503474" cy="91562"/>
           </a:xfrm>
           <a:prstGeom prst="rect">
             <a:avLst/>
@@ -864,8 +864,8 @@
         </p:nvSpPr>
         <p:spPr>
           <a:xfrm>
-            <a:off x="5" y="0"/>
-            <a:ext cx="5759450" cy="306225"/>
+            <a:off x="5" y="4"/>
+            <a:ext cx="5759450" cy="357075"/>
           </a:xfrm>
         </p:spPr>
         <p:txBody>
@@ -950,8 +950,8 @@
         </p:nvSpPr>
         <p:spPr>
           <a:xfrm>
-            <a:off x="203361" y="408301"/>
-            <a:ext cx="5352730" cy="1519784"/>
+            <a:off x="203361" y="476101"/>
+            <a:ext cx="5352730" cy="1772151"/>
           </a:xfrm>
         </p:spPr>
         <p:txBody>
@@ -1068,8 +1068,8 @@
         </p:nvSpPr>
         <p:spPr>
           <a:xfrm>
-            <a:off x="5" y="0"/>
-            <a:ext cx="5759450" cy="306225"/>
+            <a:off x="5" y="4"/>
+            <a:ext cx="5759450" cy="357075"/>
           </a:xfrm>
         </p:spPr>
         <p:txBody>
@@ -1168,8 +1168,8 @@
         </p:nvSpPr>
         <p:spPr>
           <a:xfrm>
-            <a:off x="5" y="538657"/>
-            <a:ext cx="5759450" cy="898745"/>
+            <a:off x="5" y="628107"/>
+            <a:ext cx="5759450" cy="1047986"/>
           </a:xfrm>
         </p:spPr>
         <p:txBody>
@@ -1203,8 +1203,8 @@
         </p:nvSpPr>
         <p:spPr>
           <a:xfrm>
-            <a:off x="392965" y="1489980"/>
-            <a:ext cx="4967526" cy="428549"/>
+            <a:off x="392965" y="1737402"/>
+            <a:ext cx="4967526" cy="499711"/>
           </a:xfrm>
         </p:spPr>
         <p:txBody>
@@ -1220,7 +1220,7 @@
                 </a:solidFill>
               </a:defRPr>
             </a:lvl1pPr>
-            <a:lvl2pPr marL="81687" indent="0">
+            <a:lvl2pPr marL="81695" indent="0">
               <a:buNone/>
               <a:defRPr sz="358">
                 <a:solidFill>
@@ -1230,7 +1230,7 @@
                 </a:solidFill>
               </a:defRPr>
             </a:lvl2pPr>
-            <a:lvl3pPr marL="163375" indent="0">
+            <a:lvl3pPr marL="163391" indent="0">
               <a:buNone/>
               <a:defRPr sz="322">
                 <a:solidFill>
@@ -1240,7 +1240,7 @@
                 </a:solidFill>
               </a:defRPr>
             </a:lvl3pPr>
-            <a:lvl4pPr marL="245063" indent="0">
+            <a:lvl4pPr marL="245087" indent="0">
               <a:buNone/>
               <a:defRPr sz="286">
                 <a:solidFill>
@@ -1250,7 +1250,7 @@
                 </a:solidFill>
               </a:defRPr>
             </a:lvl4pPr>
-            <a:lvl5pPr marL="326751" indent="0">
+            <a:lvl5pPr marL="326782" indent="0">
               <a:buNone/>
               <a:defRPr sz="286">
                 <a:solidFill>
@@ -1260,7 +1260,7 @@
                 </a:solidFill>
               </a:defRPr>
             </a:lvl5pPr>
-            <a:lvl6pPr marL="408438" indent="0">
+            <a:lvl6pPr marL="408477" indent="0">
               <a:buNone/>
               <a:defRPr sz="286">
                 <a:solidFill>
@@ -1270,7 +1270,7 @@
                 </a:solidFill>
               </a:defRPr>
             </a:lvl6pPr>
-            <a:lvl7pPr marL="490125" indent="0">
+            <a:lvl7pPr marL="490172" indent="0">
               <a:buNone/>
               <a:defRPr sz="286">
                 <a:solidFill>
@@ -1280,7 +1280,7 @@
                 </a:solidFill>
               </a:defRPr>
             </a:lvl7pPr>
-            <a:lvl8pPr marL="571814" indent="0">
+            <a:lvl8pPr marL="571868" indent="0">
               <a:buNone/>
               <a:defRPr sz="286">
                 <a:solidFill>
@@ -1290,7 +1290,7 @@
                 </a:solidFill>
               </a:defRPr>
             </a:lvl8pPr>
-            <a:lvl9pPr marL="653501" indent="0">
+            <a:lvl9pPr marL="653563" indent="0">
               <a:buNone/>
               <a:defRPr sz="286">
                 <a:solidFill>
@@ -1474,8 +1474,8 @@
         </p:nvSpPr>
         <p:spPr>
           <a:xfrm>
-            <a:off x="5" y="0"/>
-            <a:ext cx="5759450" cy="306225"/>
+            <a:off x="5" y="4"/>
+            <a:ext cx="5759450" cy="357075"/>
           </a:xfrm>
           <a:prstGeom prst="rect">
             <a:avLst/>
@@ -1512,8 +1512,8 @@
         </p:nvSpPr>
         <p:spPr>
           <a:xfrm>
-            <a:off x="203361" y="408301"/>
-            <a:ext cx="5352730" cy="1519784"/>
+            <a:off x="203361" y="476101"/>
+            <a:ext cx="5352730" cy="1772151"/>
           </a:xfrm>
           <a:prstGeom prst="rect">
             <a:avLst/>
@@ -1607,8 +1607,8 @@
         </p:nvSpPr>
         <p:spPr>
           <a:xfrm>
-            <a:off x="913175" y="2002555"/>
-            <a:ext cx="3933110" cy="115031"/>
+            <a:off x="913175" y="2335091"/>
+            <a:ext cx="3933110" cy="134132"/>
           </a:xfrm>
           <a:prstGeom prst="rect">
             <a:avLst/>
@@ -1646,8 +1646,8 @@
         </p:nvSpPr>
         <p:spPr>
           <a:xfrm>
-            <a:off x="4911056" y="2002555"/>
-            <a:ext cx="645036" cy="115031"/>
+            <a:off x="4911056" y="2335091"/>
+            <a:ext cx="645036" cy="134132"/>
           </a:xfrm>
           <a:prstGeom prst="rect">
             <a:avLst/>
@@ -1694,7 +1694,7 @@
   </p:sldLayoutIdLst>
   <p:txStyles>
     <p:titleStyle>
-      <a:lvl1pPr algn="l" defTabSz="163375" rtl="0" eaLnBrk="1" latinLnBrk="0" hangingPunct="1">
+      <a:lvl1pPr algn="l" defTabSz="163391" rtl="0" eaLnBrk="1" latinLnBrk="0" hangingPunct="1">
         <a:lnSpc>
           <a:spcPct val="90000"/>
         </a:lnSpc>
@@ -1713,7 +1713,7 @@
       </a:lvl1pPr>
     </p:titleStyle>
     <p:bodyStyle>
-      <a:lvl1pPr marL="64387" indent="-64387" algn="l" defTabSz="163375" rtl="0" eaLnBrk="1" latinLnBrk="0" hangingPunct="1">
+      <a:lvl1pPr marL="64393" indent="-64393" algn="l" defTabSz="163391" rtl="0" eaLnBrk="1" latinLnBrk="0" hangingPunct="1">
         <a:lnSpc>
           <a:spcPct val="120000"/>
         </a:lnSpc>
@@ -1740,7 +1740,7 @@
           <a:cs typeface="+mn-cs"/>
         </a:defRPr>
       </a:lvl1pPr>
-      <a:lvl2pPr marL="127640" indent="-63253" algn="l" defTabSz="163375" rtl="0" eaLnBrk="1" latinLnBrk="0" hangingPunct="1">
+      <a:lvl2pPr marL="127652" indent="-63259" algn="l" defTabSz="163391" rtl="0" eaLnBrk="1" latinLnBrk="0" hangingPunct="1">
         <a:lnSpc>
           <a:spcPct val="120000"/>
         </a:lnSpc>
@@ -1767,7 +1767,7 @@
           <a:cs typeface="+mn-cs"/>
         </a:defRPr>
       </a:lvl2pPr>
-      <a:lvl3pPr marL="192028" indent="-64387" algn="l" defTabSz="163375" rtl="0" eaLnBrk="1" latinLnBrk="0" hangingPunct="1">
+      <a:lvl3pPr marL="192046" indent="-64393" algn="l" defTabSz="163391" rtl="0" eaLnBrk="1" latinLnBrk="0" hangingPunct="1">
         <a:lnSpc>
           <a:spcPct val="120000"/>
         </a:lnSpc>
@@ -1794,7 +1794,7 @@
           <a:cs typeface="+mn-cs"/>
         </a:defRPr>
       </a:lvl3pPr>
-      <a:lvl4pPr marL="256415" indent="-64387" algn="l" defTabSz="163375" rtl="0" eaLnBrk="1" latinLnBrk="0" hangingPunct="1">
+      <a:lvl4pPr marL="256440" indent="-64393" algn="l" defTabSz="163391" rtl="0" eaLnBrk="1" latinLnBrk="0" hangingPunct="1">
         <a:lnSpc>
           <a:spcPct val="120000"/>
         </a:lnSpc>
@@ -1821,7 +1821,7 @@
           <a:cs typeface="+mn-cs"/>
         </a:defRPr>
       </a:lvl4pPr>
-      <a:lvl5pPr marL="321086" indent="-64671" algn="l" defTabSz="163375" rtl="0" eaLnBrk="1" latinLnBrk="0" hangingPunct="1">
+      <a:lvl5pPr marL="321116" indent="-64677" algn="l" defTabSz="163391" rtl="0" eaLnBrk="1" latinLnBrk="0" hangingPunct="1">
         <a:lnSpc>
           <a:spcPct val="120000"/>
         </a:lnSpc>
@@ -1848,7 +1848,7 @@
           <a:cs typeface="+mn-cs"/>
         </a:defRPr>
       </a:lvl5pPr>
-      <a:lvl6pPr marL="449282" indent="-40844" algn="l" defTabSz="163375" rtl="0" eaLnBrk="1" latinLnBrk="0" hangingPunct="1">
+      <a:lvl6pPr marL="449325" indent="-40848" algn="l" defTabSz="163391" rtl="0" eaLnBrk="1" latinLnBrk="0" hangingPunct="1">
         <a:lnSpc>
           <a:spcPct val="90000"/>
         </a:lnSpc>
@@ -1866,7 +1866,7 @@
           <a:cs typeface="+mn-cs"/>
         </a:defRPr>
       </a:lvl6pPr>
-      <a:lvl7pPr marL="530970" indent="-40844" algn="l" defTabSz="163375" rtl="0" eaLnBrk="1" latinLnBrk="0" hangingPunct="1">
+      <a:lvl7pPr marL="531020" indent="-40848" algn="l" defTabSz="163391" rtl="0" eaLnBrk="1" latinLnBrk="0" hangingPunct="1">
         <a:lnSpc>
           <a:spcPct val="90000"/>
         </a:lnSpc>
@@ -1884,7 +1884,7 @@
           <a:cs typeface="+mn-cs"/>
         </a:defRPr>
       </a:lvl7pPr>
-      <a:lvl8pPr marL="612656" indent="-40844" algn="l" defTabSz="163375" rtl="0" eaLnBrk="1" latinLnBrk="0" hangingPunct="1">
+      <a:lvl8pPr marL="612714" indent="-40848" algn="l" defTabSz="163391" rtl="0" eaLnBrk="1" latinLnBrk="0" hangingPunct="1">
         <a:lnSpc>
           <a:spcPct val="90000"/>
         </a:lnSpc>
@@ -1902,7 +1902,7 @@
           <a:cs typeface="+mn-cs"/>
         </a:defRPr>
       </a:lvl8pPr>
-      <a:lvl9pPr marL="694346" indent="-40844" algn="l" defTabSz="163375" rtl="0" eaLnBrk="1" latinLnBrk="0" hangingPunct="1">
+      <a:lvl9pPr marL="694412" indent="-40848" algn="l" defTabSz="163391" rtl="0" eaLnBrk="1" latinLnBrk="0" hangingPunct="1">
         <a:lnSpc>
           <a:spcPct val="90000"/>
         </a:lnSpc>
@@ -1925,7 +1925,7 @@
       <a:defPPr>
         <a:defRPr lang="en-US"/>
       </a:defPPr>
-      <a:lvl1pPr marL="0" algn="l" defTabSz="163375" rtl="0" eaLnBrk="1" latinLnBrk="0" hangingPunct="1">
+      <a:lvl1pPr marL="0" algn="l" defTabSz="163391" rtl="0" eaLnBrk="1" latinLnBrk="0" hangingPunct="1">
         <a:defRPr kumimoji="1" sz="322" kern="1200">
           <a:solidFill>
             <a:schemeClr val="tx1"/>
@@ -1935,7 +1935,7 @@
           <a:cs typeface="+mn-cs"/>
         </a:defRPr>
       </a:lvl1pPr>
-      <a:lvl2pPr marL="81687" algn="l" defTabSz="163375" rtl="0" eaLnBrk="1" latinLnBrk="0" hangingPunct="1">
+      <a:lvl2pPr marL="81695" algn="l" defTabSz="163391" rtl="0" eaLnBrk="1" latinLnBrk="0" hangingPunct="1">
         <a:defRPr kumimoji="1" sz="322" kern="1200">
           <a:solidFill>
             <a:schemeClr val="tx1"/>
@@ -1945,7 +1945,7 @@
           <a:cs typeface="+mn-cs"/>
         </a:defRPr>
       </a:lvl2pPr>
-      <a:lvl3pPr marL="163375" algn="l" defTabSz="163375" rtl="0" eaLnBrk="1" latinLnBrk="0" hangingPunct="1">
+      <a:lvl3pPr marL="163391" algn="l" defTabSz="163391" rtl="0" eaLnBrk="1" latinLnBrk="0" hangingPunct="1">
         <a:defRPr kumimoji="1" sz="322" kern="1200">
           <a:solidFill>
             <a:schemeClr val="tx1"/>
@@ -1955,7 +1955,7 @@
           <a:cs typeface="+mn-cs"/>
         </a:defRPr>
       </a:lvl3pPr>
-      <a:lvl4pPr marL="245063" algn="l" defTabSz="163375" rtl="0" eaLnBrk="1" latinLnBrk="0" hangingPunct="1">
+      <a:lvl4pPr marL="245087" algn="l" defTabSz="163391" rtl="0" eaLnBrk="1" latinLnBrk="0" hangingPunct="1">
         <a:defRPr kumimoji="1" sz="322" kern="1200">
           <a:solidFill>
             <a:schemeClr val="tx1"/>
@@ -1965,7 +1965,7 @@
           <a:cs typeface="+mn-cs"/>
         </a:defRPr>
       </a:lvl4pPr>
-      <a:lvl5pPr marL="326751" algn="l" defTabSz="163375" rtl="0" eaLnBrk="1" latinLnBrk="0" hangingPunct="1">
+      <a:lvl5pPr marL="326782" algn="l" defTabSz="163391" rtl="0" eaLnBrk="1" latinLnBrk="0" hangingPunct="1">
         <a:defRPr kumimoji="1" sz="322" kern="1200">
           <a:solidFill>
             <a:schemeClr val="tx1"/>
@@ -1975,7 +1975,7 @@
           <a:cs typeface="+mn-cs"/>
         </a:defRPr>
       </a:lvl5pPr>
-      <a:lvl6pPr marL="408438" algn="l" defTabSz="163375" rtl="0" eaLnBrk="1" latinLnBrk="0" hangingPunct="1">
+      <a:lvl6pPr marL="408477" algn="l" defTabSz="163391" rtl="0" eaLnBrk="1" latinLnBrk="0" hangingPunct="1">
         <a:defRPr kumimoji="1" sz="322" kern="1200">
           <a:solidFill>
             <a:schemeClr val="tx1"/>
@@ -1985,7 +1985,7 @@
           <a:cs typeface="+mn-cs"/>
         </a:defRPr>
       </a:lvl6pPr>
-      <a:lvl7pPr marL="490125" algn="l" defTabSz="163375" rtl="0" eaLnBrk="1" latinLnBrk="0" hangingPunct="1">
+      <a:lvl7pPr marL="490172" algn="l" defTabSz="163391" rtl="0" eaLnBrk="1" latinLnBrk="0" hangingPunct="1">
         <a:defRPr kumimoji="1" sz="322" kern="1200">
           <a:solidFill>
             <a:schemeClr val="tx1"/>
@@ -1995,7 +1995,7 @@
           <a:cs typeface="+mn-cs"/>
         </a:defRPr>
       </a:lvl7pPr>
-      <a:lvl8pPr marL="571814" algn="l" defTabSz="163375" rtl="0" eaLnBrk="1" latinLnBrk="0" hangingPunct="1">
+      <a:lvl8pPr marL="571868" algn="l" defTabSz="163391" rtl="0" eaLnBrk="1" latinLnBrk="0" hangingPunct="1">
         <a:defRPr kumimoji="1" sz="322" kern="1200">
           <a:solidFill>
             <a:schemeClr val="tx1"/>
@@ -2005,7 +2005,7 @@
           <a:cs typeface="+mn-cs"/>
         </a:defRPr>
       </a:lvl8pPr>
-      <a:lvl9pPr marL="653501" algn="l" defTabSz="163375" rtl="0" eaLnBrk="1" latinLnBrk="0" hangingPunct="1">
+      <a:lvl9pPr marL="653563" algn="l" defTabSz="163391" rtl="0" eaLnBrk="1" latinLnBrk="0" hangingPunct="1">
         <a:defRPr kumimoji="1" sz="322" kern="1200">
           <a:solidFill>
             <a:schemeClr val="tx1"/>
@@ -2054,9 +2054,9 @@
           <p:nvPr/>
         </p:nvCxnSpPr>
         <p:spPr>
-          <a:xfrm flipV="1">
-            <a:off x="2644877" y="1372239"/>
-            <a:ext cx="801370" cy="3267"/>
+          <a:xfrm>
+            <a:off x="2644881" y="1382315"/>
+            <a:ext cx="801366" cy="0"/>
           </a:xfrm>
           <a:prstGeom prst="straightConnector1">
             <a:avLst/>
@@ -2101,13 +2101,13 @@
               <p:nvPr>
                 <p:extLst>
                   <p:ext uri="{D42A27DB-BD31-4B8C-83A1-F6EECF244321}">
-                    <p14:modId xmlns:p14="http://schemas.microsoft.com/office/powerpoint/2010/main" val="1149608719"/>
+                    <p14:modId xmlns:p14="http://schemas.microsoft.com/office/powerpoint/2010/main" val="2057171915"/>
                   </p:ext>
                 </p:extLst>
               </p:nvPr>
             </p:nvGraphicFramePr>
             <p:xfrm>
-              <a:off x="2125136" y="1097486"/>
+              <a:off x="2125140" y="1104295"/>
               <a:ext cx="519741" cy="556040"/>
             </p:xfrm>
             <a:graphic>
@@ -2125,7 +2125,7 @@
                       </a:extLst>
                     </a:gridCol>
                   </a:tblGrid>
-                  <a:tr h="74971">
+                  <a:tr h="139010">
                     <a:tc>
                       <a:txBody>
                         <a:bodyPr/>
@@ -2191,7 +2191,7 @@
                       </a:ext>
                     </a:extLst>
                   </a:tr>
-                  <a:tr h="74971">
+                  <a:tr h="139010">
                     <a:tc>
                       <a:txBody>
                         <a:bodyPr/>
@@ -2256,7 +2256,7 @@
                       </a:ext>
                     </a:extLst>
                   </a:tr>
-                  <a:tr h="74971">
+                  <a:tr h="139010">
                     <a:tc>
                       <a:txBody>
                         <a:bodyPr/>
@@ -2320,7 +2320,7 @@
                       </a:ext>
                     </a:extLst>
                   </a:tr>
-                  <a:tr h="74971">
+                  <a:tr h="139010">
                     <a:tc>
                       <a:txBody>
                         <a:bodyPr/>
@@ -2430,13 +2430,13 @@
               <p:nvPr>
                 <p:extLst>
                   <p:ext uri="{D42A27DB-BD31-4B8C-83A1-F6EECF244321}">
-                    <p14:modId xmlns:p14="http://schemas.microsoft.com/office/powerpoint/2010/main" val="1149608719"/>
+                    <p14:modId xmlns:p14="http://schemas.microsoft.com/office/powerpoint/2010/main" val="2057171915"/>
                   </p:ext>
                 </p:extLst>
               </p:nvPr>
             </p:nvGraphicFramePr>
             <p:xfrm>
-              <a:off x="2125136" y="1097486"/>
+              <a:off x="2125140" y="1104295"/>
               <a:ext cx="519741" cy="556040"/>
             </p:xfrm>
             <a:graphic>
@@ -2732,13 +2732,13 @@
               <p:nvPr>
                 <p:extLst>
                   <p:ext uri="{D42A27DB-BD31-4B8C-83A1-F6EECF244321}">
-                    <p14:modId xmlns:p14="http://schemas.microsoft.com/office/powerpoint/2010/main" val="3921378341"/>
+                    <p14:modId xmlns:p14="http://schemas.microsoft.com/office/powerpoint/2010/main" val="3148995588"/>
                   </p:ext>
                 </p:extLst>
               </p:nvPr>
             </p:nvGraphicFramePr>
             <p:xfrm>
-              <a:off x="1319274" y="1569160"/>
+              <a:off x="2126481" y="1929171"/>
               <a:ext cx="518400" cy="556040"/>
             </p:xfrm>
             <a:graphic>
@@ -2756,7 +2756,7 @@
                       </a:extLst>
                     </a:gridCol>
                   </a:tblGrid>
-                  <a:tr h="74971">
+                  <a:tr h="139010">
                     <a:tc>
                       <a:txBody>
                         <a:bodyPr/>
@@ -2822,7 +2822,7 @@
                       </a:ext>
                     </a:extLst>
                   </a:tr>
-                  <a:tr h="74971">
+                  <a:tr h="139010">
                     <a:tc>
                       <a:txBody>
                         <a:bodyPr/>
@@ -2887,7 +2887,7 @@
                       </a:ext>
                     </a:extLst>
                   </a:tr>
-                  <a:tr h="74971">
+                  <a:tr h="139010">
                     <a:tc>
                       <a:txBody>
                         <a:bodyPr/>
@@ -2951,7 +2951,7 @@
                       </a:ext>
                     </a:extLst>
                   </a:tr>
-                  <a:tr h="74971">
+                  <a:tr h="139010">
                     <a:tc>
                       <a:txBody>
                         <a:bodyPr/>
@@ -3061,13 +3061,13 @@
               <p:nvPr>
                 <p:extLst>
                   <p:ext uri="{D42A27DB-BD31-4B8C-83A1-F6EECF244321}">
-                    <p14:modId xmlns:p14="http://schemas.microsoft.com/office/powerpoint/2010/main" val="3921378341"/>
+                    <p14:modId xmlns:p14="http://schemas.microsoft.com/office/powerpoint/2010/main" val="3148995588"/>
                   </p:ext>
                 </p:extLst>
               </p:nvPr>
             </p:nvGraphicFramePr>
             <p:xfrm>
-              <a:off x="1319274" y="1569160"/>
+              <a:off x="2126481" y="1929171"/>
               <a:ext cx="518400" cy="556040"/>
             </p:xfrm>
             <a:graphic>
@@ -3358,14 +3358,14 @@
           <p:cNvCxnSpPr>
             <a:cxnSpLocks/>
             <a:stCxn id="146" idx="2"/>
-            <a:endCxn id="147" idx="3"/>
+            <a:endCxn id="147" idx="0"/>
           </p:cNvCxnSpPr>
           <p:nvPr/>
         </p:nvCxnSpPr>
         <p:spPr>
-          <a:xfrm flipH="1">
-            <a:off x="1837674" y="1653526"/>
-            <a:ext cx="547332" cy="193654"/>
+          <a:xfrm>
+            <a:off x="2385010" y="1660335"/>
+            <a:ext cx="671" cy="268836"/>
           </a:xfrm>
           <a:prstGeom prst="straightConnector1">
             <a:avLst/>
@@ -3409,13 +3409,13 @@
               <p:nvPr>
                 <p:extLst>
                   <p:ext uri="{D42A27DB-BD31-4B8C-83A1-F6EECF244321}">
-                    <p14:modId xmlns:p14="http://schemas.microsoft.com/office/powerpoint/2010/main" val="1872253387"/>
+                    <p14:modId xmlns:p14="http://schemas.microsoft.com/office/powerpoint/2010/main" val="2043525327"/>
                   </p:ext>
                 </p:extLst>
               </p:nvPr>
             </p:nvGraphicFramePr>
             <p:xfrm>
-              <a:off x="3446247" y="1094219"/>
+              <a:off x="3446247" y="1104295"/>
               <a:ext cx="518400" cy="556040"/>
             </p:xfrm>
             <a:graphic>
@@ -3433,7 +3433,7 @@
                       </a:extLst>
                     </a:gridCol>
                   </a:tblGrid>
-                  <a:tr h="74971">
+                  <a:tr h="139010">
                     <a:tc>
                       <a:txBody>
                         <a:bodyPr/>
@@ -3531,7 +3531,7 @@
                       </a:ext>
                     </a:extLst>
                   </a:tr>
-                  <a:tr h="74971">
+                  <a:tr h="139010">
                     <a:tc>
                       <a:txBody>
                         <a:bodyPr/>
@@ -3596,7 +3596,7 @@
                       </a:ext>
                     </a:extLst>
                   </a:tr>
-                  <a:tr h="74971">
+                  <a:tr h="139010">
                     <a:tc>
                       <a:txBody>
                         <a:bodyPr/>
@@ -3660,7 +3660,7 @@
                       </a:ext>
                     </a:extLst>
                   </a:tr>
-                  <a:tr h="74971">
+                  <a:tr h="139010">
                     <a:tc>
                       <a:txBody>
                         <a:bodyPr/>
@@ -3770,13 +3770,13 @@
               <p:nvPr>
                 <p:extLst>
                   <p:ext uri="{D42A27DB-BD31-4B8C-83A1-F6EECF244321}">
-                    <p14:modId xmlns:p14="http://schemas.microsoft.com/office/powerpoint/2010/main" val="1872253387"/>
+                    <p14:modId xmlns:p14="http://schemas.microsoft.com/office/powerpoint/2010/main" val="2043525327"/>
                   </p:ext>
                 </p:extLst>
               </p:nvPr>
             </p:nvGraphicFramePr>
             <p:xfrm>
-              <a:off x="3446247" y="1094219"/>
+              <a:off x="3446247" y="1104295"/>
               <a:ext cx="518400" cy="556040"/>
             </p:xfrm>
             <a:graphic>
@@ -3843,7 +3843,7 @@
                         <a:blipFill>
                           <a:blip r:embed="rId5"/>
                           <a:stretch>
-                            <a:fillRect l="-1163" t="-17391" r="-2326" b="-339130"/>
+                            <a:fillRect l="-1163" t="-17391" r="-2326" b="-334783"/>
                           </a:stretch>
                         </a:blipFill>
                       </a:tcPr>
@@ -4032,7 +4032,7 @@
                         <a:blipFill>
                           <a:blip r:embed="rId5"/>
                           <a:stretch>
-                            <a:fillRect l="-1163" t="-317391" r="-2326" b="-39130"/>
+                            <a:fillRect l="-1163" t="-317391" r="-2326" b="-34783"/>
                           </a:stretch>
                         </a:blipFill>
                       </a:tcPr>
@@ -4066,7 +4066,7 @@
         </p:nvCxnSpPr>
         <p:spPr>
           <a:xfrm flipV="1">
-            <a:off x="982010" y="441402"/>
+            <a:off x="982011" y="399330"/>
             <a:ext cx="2605198" cy="263191"/>
           </a:xfrm>
           <a:prstGeom prst="straightConnector1">
@@ -4111,8 +4111,8 @@
         </p:nvCxnSpPr>
         <p:spPr>
           <a:xfrm>
-            <a:off x="982010" y="1129352"/>
-            <a:ext cx="1143126" cy="246154"/>
+            <a:off x="982013" y="1087275"/>
+            <a:ext cx="1143127" cy="295040"/>
           </a:xfrm>
           <a:prstGeom prst="straightConnector1">
             <a:avLst/>
@@ -4156,13 +4156,13 @@
               <p:nvPr>
                 <p:extLst>
                   <p:ext uri="{D42A27DB-BD31-4B8C-83A1-F6EECF244321}">
-                    <p14:modId xmlns:p14="http://schemas.microsoft.com/office/powerpoint/2010/main" val="760811605"/>
+                    <p14:modId xmlns:p14="http://schemas.microsoft.com/office/powerpoint/2010/main" val="489635120"/>
                   </p:ext>
                 </p:extLst>
               </p:nvPr>
             </p:nvGraphicFramePr>
             <p:xfrm>
-              <a:off x="4918615" y="1088218"/>
+              <a:off x="4918615" y="1104295"/>
               <a:ext cx="518400" cy="556040"/>
             </p:xfrm>
             <a:graphic>
@@ -4180,7 +4180,7 @@
                       </a:extLst>
                     </a:gridCol>
                   </a:tblGrid>
-                  <a:tr h="74971">
+                  <a:tr h="139010">
                     <a:tc>
                       <a:txBody>
                         <a:bodyPr/>
@@ -4278,7 +4278,7 @@
                       </a:ext>
                     </a:extLst>
                   </a:tr>
-                  <a:tr h="74971">
+                  <a:tr h="139010">
                     <a:tc>
                       <a:txBody>
                         <a:bodyPr/>
@@ -4343,7 +4343,7 @@
                       </a:ext>
                     </a:extLst>
                   </a:tr>
-                  <a:tr h="74971">
+                  <a:tr h="139010">
                     <a:tc>
                       <a:txBody>
                         <a:bodyPr/>
@@ -4407,7 +4407,7 @@
                       </a:ext>
                     </a:extLst>
                   </a:tr>
-                  <a:tr h="74971">
+                  <a:tr h="139010">
                     <a:tc>
                       <a:txBody>
                         <a:bodyPr/>
@@ -4517,13 +4517,13 @@
               <p:nvPr>
                 <p:extLst>
                   <p:ext uri="{D42A27DB-BD31-4B8C-83A1-F6EECF244321}">
-                    <p14:modId xmlns:p14="http://schemas.microsoft.com/office/powerpoint/2010/main" val="760811605"/>
+                    <p14:modId xmlns:p14="http://schemas.microsoft.com/office/powerpoint/2010/main" val="489635120"/>
                   </p:ext>
                 </p:extLst>
               </p:nvPr>
             </p:nvGraphicFramePr>
             <p:xfrm>
-              <a:off x="4918615" y="1088218"/>
+              <a:off x="4918615" y="1104295"/>
               <a:ext cx="518400" cy="556040"/>
             </p:xfrm>
             <a:graphic>
@@ -4590,7 +4590,7 @@
                         <a:blipFill>
                           <a:blip r:embed="rId6"/>
                           <a:stretch>
-                            <a:fillRect l="-1163" t="-17391" r="-2326" b="-339130"/>
+                            <a:fillRect l="-1163" t="-17391" r="-2326" b="-334783"/>
                           </a:stretch>
                         </a:blipFill>
                       </a:tcPr>
@@ -4779,7 +4779,7 @@
                         <a:blipFill>
                           <a:blip r:embed="rId6"/>
                           <a:stretch>
-                            <a:fillRect l="-1163" t="-317391" r="-2326" b="-39130"/>
+                            <a:fillRect l="-1163" t="-317391" r="-2326" b="-34783"/>
                           </a:stretch>
                         </a:blipFill>
                       </a:tcPr>
@@ -4807,13 +4807,15 @@
           </p:cNvPr>
           <p:cNvCxnSpPr>
             <a:cxnSpLocks/>
+            <a:stCxn id="150" idx="3"/>
+            <a:endCxn id="162" idx="1"/>
           </p:cNvCxnSpPr>
           <p:nvPr/>
         </p:nvCxnSpPr>
         <p:spPr>
           <a:xfrm>
-            <a:off x="3964647" y="1217226"/>
-            <a:ext cx="953968" cy="11416"/>
+            <a:off x="3964647" y="1382315"/>
+            <a:ext cx="953968" cy="0"/>
           </a:xfrm>
           <a:prstGeom prst="straightConnector1">
             <a:avLst/>
@@ -4858,13 +4860,13 @@
               <p:nvPr>
                 <p:extLst>
                   <p:ext uri="{D42A27DB-BD31-4B8C-83A1-F6EECF244321}">
-                    <p14:modId xmlns:p14="http://schemas.microsoft.com/office/powerpoint/2010/main" val="3846147437"/>
+                    <p14:modId xmlns:p14="http://schemas.microsoft.com/office/powerpoint/2010/main" val="1450720272"/>
                   </p:ext>
                 </p:extLst>
               </p:nvPr>
             </p:nvGraphicFramePr>
             <p:xfrm>
-              <a:off x="4182431" y="1515836"/>
+              <a:off x="4182432" y="1929171"/>
               <a:ext cx="518400" cy="556040"/>
             </p:xfrm>
             <a:graphic>
@@ -4882,7 +4884,7 @@
                       </a:extLst>
                     </a:gridCol>
                   </a:tblGrid>
-                  <a:tr h="74971">
+                  <a:tr h="139010">
                     <a:tc>
                       <a:txBody>
                         <a:bodyPr/>
@@ -4948,7 +4950,7 @@
                       </a:ext>
                     </a:extLst>
                   </a:tr>
-                  <a:tr h="74971">
+                  <a:tr h="139010">
                     <a:tc>
                       <a:txBody>
                         <a:bodyPr/>
@@ -5013,7 +5015,7 @@
                       </a:ext>
                     </a:extLst>
                   </a:tr>
-                  <a:tr h="74971">
+                  <a:tr h="139010">
                     <a:tc>
                       <a:txBody>
                         <a:bodyPr/>
@@ -5077,7 +5079,7 @@
                       </a:ext>
                     </a:extLst>
                   </a:tr>
-                  <a:tr h="74971">
+                  <a:tr h="139010">
                     <a:tc>
                       <a:txBody>
                         <a:bodyPr/>
@@ -5187,13 +5189,13 @@
               <p:nvPr>
                 <p:extLst>
                   <p:ext uri="{D42A27DB-BD31-4B8C-83A1-F6EECF244321}">
-                    <p14:modId xmlns:p14="http://schemas.microsoft.com/office/powerpoint/2010/main" val="3846147437"/>
+                    <p14:modId xmlns:p14="http://schemas.microsoft.com/office/powerpoint/2010/main" val="1450720272"/>
                   </p:ext>
                 </p:extLst>
               </p:nvPr>
             </p:nvGraphicFramePr>
             <p:xfrm>
-              <a:off x="4182431" y="1515836"/>
+              <a:off x="4182432" y="1929171"/>
               <a:ext cx="518400" cy="556040"/>
             </p:xfrm>
             <a:graphic>
@@ -5455,7 +5457,7 @@
                         <a:blipFill>
                           <a:blip r:embed="rId7"/>
                           <a:stretch>
-                            <a:fillRect l="-1163" t="-313043" r="-2326" b="-39130"/>
+                            <a:fillRect l="-1163" t="-317391" r="-2326" b="-39130"/>
                           </a:stretch>
                         </a:blipFill>
                       </a:tcPr>
@@ -5490,8 +5492,8 @@
         </p:nvCxnSpPr>
         <p:spPr>
           <a:xfrm>
-            <a:off x="3705447" y="1650259"/>
-            <a:ext cx="476984" cy="143597"/>
+            <a:off x="3705447" y="1660335"/>
+            <a:ext cx="476985" cy="546856"/>
           </a:xfrm>
           <a:prstGeom prst="straightConnector1">
             <a:avLst/>
@@ -5536,8 +5538,8 @@
         </p:nvCxnSpPr>
         <p:spPr>
           <a:xfrm flipH="1">
-            <a:off x="4700831" y="1644258"/>
-            <a:ext cx="476984" cy="149598"/>
+            <a:off x="4700832" y="1660335"/>
+            <a:ext cx="476983" cy="546856"/>
           </a:xfrm>
           <a:prstGeom prst="straightConnector1">
             <a:avLst/>
@@ -5578,7 +5580,7 @@
         </p:nvGrpSpPr>
         <p:grpSpPr>
           <a:xfrm>
-            <a:off x="2291987" y="77333"/>
+            <a:off x="2291992" y="35255"/>
             <a:ext cx="1187165" cy="297393"/>
             <a:chOff x="860173" y="1557631"/>
             <a:chExt cx="1030332" cy="384165"/>
@@ -5659,9 +5661,9 @@
           <p:grpSpPr>
             <a:xfrm>
               <a:off x="928906" y="1604705"/>
-              <a:ext cx="921248" cy="312395"/>
+              <a:ext cx="921248" cy="312396"/>
               <a:chOff x="3216913" y="957154"/>
-              <a:chExt cx="921248" cy="312395"/>
+              <a:chExt cx="921248" cy="312396"/>
             </a:xfrm>
           </p:grpSpPr>
           <p:cxnSp>
@@ -5768,7 +5770,7 @@
             <p:spPr>
               <a:xfrm>
                 <a:off x="3419803" y="957154"/>
-                <a:ext cx="718358" cy="173277"/>
+                <a:ext cx="718358" cy="173278"/>
               </a:xfrm>
               <a:prstGeom prst="rect">
                 <a:avLst/>
@@ -5823,7 +5825,7 @@
             <p:spPr>
               <a:xfrm>
                 <a:off x="3419803" y="1096272"/>
-                <a:ext cx="718358" cy="173277"/>
+                <a:ext cx="718358" cy="173278"/>
               </a:xfrm>
               <a:prstGeom prst="rect">
                 <a:avLst/>
@@ -5880,13 +5882,13 @@
           <p:nvPr>
             <p:extLst>
               <p:ext uri="{D42A27DB-BD31-4B8C-83A1-F6EECF244321}">
-                <p14:modId xmlns:p14="http://schemas.microsoft.com/office/powerpoint/2010/main" val="3018550611"/>
+                <p14:modId xmlns:p14="http://schemas.microsoft.com/office/powerpoint/2010/main" val="2419505030"/>
               </p:ext>
             </p:extLst>
           </p:nvPr>
         </p:nvGraphicFramePr>
         <p:xfrm>
-          <a:off x="562036" y="371145"/>
+          <a:off x="562036" y="329068"/>
           <a:ext cx="419974" cy="1102942"/>
         </p:xfrm>
         <a:graphic>
@@ -5904,7 +5906,7 @@
                   </a:extLst>
                 </a:gridCol>
               </a:tblGrid>
-              <a:tr h="79952">
+              <a:tr h="262066">
                 <a:tc>
                   <a:txBody>
                     <a:bodyPr/>
@@ -5971,7 +5973,7 @@
                   </a:ext>
                 </a:extLst>
               </a:tr>
-              <a:tr h="79952">
+              <a:tr h="140146">
                 <a:tc>
                   <a:txBody>
                     <a:bodyPr/>
@@ -6029,7 +6031,7 @@
                   </a:ext>
                 </a:extLst>
               </a:tr>
-              <a:tr h="79952">
+              <a:tr h="140146">
                 <a:tc>
                   <a:txBody>
                     <a:bodyPr/>
@@ -6078,7 +6080,7 @@
                   </a:ext>
                 </a:extLst>
               </a:tr>
-              <a:tr h="79952">
+              <a:tr h="140146">
                 <a:tc>
                   <a:txBody>
                     <a:bodyPr/>
@@ -6127,7 +6129,7 @@
                   </a:ext>
                 </a:extLst>
               </a:tr>
-              <a:tr h="79952">
+              <a:tr h="140146">
                 <a:tc>
                   <a:txBody>
                     <a:bodyPr/>
@@ -6175,7 +6177,7 @@
                   </a:ext>
                 </a:extLst>
               </a:tr>
-              <a:tr h="79952">
+              <a:tr h="140146">
                 <a:tc>
                   <a:txBody>
                     <a:bodyPr/>
@@ -6223,7 +6225,7 @@
                   </a:ext>
                 </a:extLst>
               </a:tr>
-              <a:tr h="79952">
+              <a:tr h="140146">
                 <a:tc>
                   <a:txBody>
                     <a:bodyPr/>
@@ -6302,7 +6304,7 @@
         </p:nvCxnSpPr>
         <p:spPr>
           <a:xfrm flipH="1">
-            <a:off x="3465322" y="505044"/>
+            <a:off x="3465323" y="462970"/>
             <a:ext cx="148246" cy="218853"/>
           </a:xfrm>
           <a:prstGeom prst="straightConnector1">
@@ -6349,8 +6351,8 @@
         </p:nvCxnSpPr>
         <p:spPr>
           <a:xfrm flipH="1">
-            <a:off x="2385006" y="851175"/>
-            <a:ext cx="953036" cy="246311"/>
+            <a:off x="2385010" y="809098"/>
+            <a:ext cx="953032" cy="295197"/>
           </a:xfrm>
           <a:prstGeom prst="straightConnector1">
             <a:avLst/>
@@ -6396,8 +6398,8 @@
         </p:nvCxnSpPr>
         <p:spPr>
           <a:xfrm>
-            <a:off x="3465322" y="851175"/>
-            <a:ext cx="240125" cy="243044"/>
+            <a:off x="3465322" y="809098"/>
+            <a:ext cx="240125" cy="295197"/>
           </a:xfrm>
           <a:prstGeom prst="straightConnector1">
             <a:avLst/>
@@ -6439,7 +6441,7 @@
         </p:nvSpPr>
         <p:spPr>
           <a:xfrm>
-            <a:off x="3311682" y="697535"/>
+            <a:off x="3311682" y="655458"/>
             <a:ext cx="180000" cy="180000"/>
           </a:xfrm>
           <a:prstGeom prst="ellipse">
@@ -6508,7 +6510,7 @@
         </p:nvSpPr>
         <p:spPr>
           <a:xfrm>
-            <a:off x="3862733" y="697938"/>
+            <a:off x="3862733" y="655861"/>
             <a:ext cx="180000" cy="180000"/>
           </a:xfrm>
           <a:prstGeom prst="ellipse">
@@ -6577,7 +6579,7 @@
         </p:nvSpPr>
         <p:spPr>
           <a:xfrm>
-            <a:off x="3587208" y="351402"/>
+            <a:off x="3587208" y="309325"/>
             <a:ext cx="180000" cy="180000"/>
           </a:xfrm>
           <a:prstGeom prst="ellipse">
@@ -6649,7 +6651,7 @@
         </p:nvCxnSpPr>
         <p:spPr>
           <a:xfrm>
-            <a:off x="3677208" y="160147"/>
+            <a:off x="3677208" y="118074"/>
             <a:ext cx="0" cy="191257"/>
           </a:xfrm>
           <a:prstGeom prst="straightConnector1">
@@ -6696,7 +6698,7 @@
         </p:nvCxnSpPr>
         <p:spPr>
           <a:xfrm>
-            <a:off x="3740850" y="505042"/>
+            <a:off x="3740853" y="462965"/>
             <a:ext cx="148245" cy="219256"/>
           </a:xfrm>
           <a:prstGeom prst="straightConnector1">
@@ -6743,7 +6745,7 @@
         </p:nvCxnSpPr>
         <p:spPr>
           <a:xfrm>
-            <a:off x="3491684" y="787537"/>
+            <a:off x="3491688" y="745464"/>
             <a:ext cx="371051" cy="403"/>
           </a:xfrm>
           <a:prstGeom prst="straightConnector1">
@@ -6789,7 +6791,7 @@
         </p:nvCxnSpPr>
         <p:spPr>
           <a:xfrm>
-            <a:off x="4016373" y="851578"/>
+            <a:off x="4016373" y="809501"/>
             <a:ext cx="110246" cy="114056"/>
           </a:xfrm>
           <a:prstGeom prst="straightConnector1">
@@ -6832,7 +6834,7 @@
         </p:nvSpPr>
         <p:spPr>
           <a:xfrm>
-            <a:off x="4124044" y="890261"/>
+            <a:off x="4124046" y="848188"/>
             <a:ext cx="71862" cy="134139"/>
           </a:xfrm>
           <a:prstGeom prst="rect">
@@ -6890,7 +6892,7 @@
         </p:nvCxnSpPr>
         <p:spPr>
           <a:xfrm flipV="1">
-            <a:off x="982010" y="787535"/>
+            <a:off x="982010" y="745458"/>
             <a:ext cx="2329672" cy="16418"/>
           </a:xfrm>
           <a:prstGeom prst="straightConnector1">

--- a/src/figures/Bc-structure.pptx
+++ b/src/figures/Bc-structure.pptx
@@ -197,7 +197,7 @@
           <a:p>
             <a:fld id="{C1C90ABE-C08A-444A-9B97-50985CA7357E}" type="datetimeFigureOut">
               <a:rPr kumimoji="1" lang="ja-JP" altLang="en-US" smtClean="0"/>
-              <a:t>2023/8/19</a:t>
+              <a:t>2023/8/20</a:t>
             </a:fld>
             <a:endParaRPr kumimoji="1" lang="ja-JP" altLang="en-US"/>
           </a:p>
@@ -2048,15 +2048,13 @@
           </p:cNvPr>
           <p:cNvCxnSpPr>
             <a:cxnSpLocks/>
-            <a:stCxn id="146" idx="3"/>
-            <a:endCxn id="150" idx="1"/>
           </p:cNvCxnSpPr>
           <p:nvPr/>
         </p:nvCxnSpPr>
         <p:spPr>
           <a:xfrm>
-            <a:off x="2644881" y="1382315"/>
-            <a:ext cx="801366" cy="0"/>
+            <a:off x="2644881" y="1171575"/>
+            <a:ext cx="787783" cy="0"/>
           </a:xfrm>
           <a:prstGeom prst="straightConnector1">
             <a:avLst/>
@@ -2084,8 +2082,8 @@
           </a:fontRef>
         </p:style>
       </p:cxnSp>
-      <mc:AlternateContent xmlns:mc="http://schemas.openxmlformats.org/markup-compatibility/2006">
-        <mc:Choice xmlns:a14="http://schemas.microsoft.com/office/drawing/2010/main" Requires="a14">
+      <mc:AlternateContent xmlns:mc="http://schemas.openxmlformats.org/markup-compatibility/2006" xmlns:a14="http://schemas.microsoft.com/office/drawing/2010/main">
+        <mc:Choice Requires="a14">
           <p:graphicFrame>
             <p:nvGraphicFramePr>
               <p:cNvPr id="146" name="表 49">
@@ -2414,7 +2412,7 @@
             </a:graphic>
           </p:graphicFrame>
         </mc:Choice>
-        <mc:Fallback>
+        <mc:Fallback xmlns="">
           <p:graphicFrame>
             <p:nvGraphicFramePr>
               <p:cNvPr id="146" name="表 49">
@@ -2715,8 +2713,8 @@
           </p:graphicFrame>
         </mc:Fallback>
       </mc:AlternateContent>
-      <mc:AlternateContent xmlns:mc="http://schemas.openxmlformats.org/markup-compatibility/2006">
-        <mc:Choice xmlns:a14="http://schemas.microsoft.com/office/drawing/2010/main" Requires="a14">
+      <mc:AlternateContent xmlns:mc="http://schemas.openxmlformats.org/markup-compatibility/2006" xmlns:a14="http://schemas.microsoft.com/office/drawing/2010/main">
+        <mc:Choice Requires="a14">
           <p:graphicFrame>
             <p:nvGraphicFramePr>
               <p:cNvPr id="147" name="表 49">
@@ -3045,7 +3043,7 @@
             </a:graphic>
           </p:graphicFrame>
         </mc:Choice>
-        <mc:Fallback>
+        <mc:Fallback xmlns="">
           <p:graphicFrame>
             <p:nvGraphicFramePr>
               <p:cNvPr id="147" name="表 49">
@@ -3392,8 +3390,8 @@
           </a:fontRef>
         </p:style>
       </p:cxnSp>
-      <mc:AlternateContent xmlns:mc="http://schemas.openxmlformats.org/markup-compatibility/2006">
-        <mc:Choice xmlns:a14="http://schemas.microsoft.com/office/drawing/2010/main" Requires="a14">
+      <mc:AlternateContent xmlns:mc="http://schemas.openxmlformats.org/markup-compatibility/2006" xmlns:a14="http://schemas.microsoft.com/office/drawing/2010/main">
+        <mc:Choice Requires="a14">
           <p:graphicFrame>
             <p:nvGraphicFramePr>
               <p:cNvPr id="150" name="表 49">
@@ -3754,7 +3752,7 @@
             </a:graphic>
           </p:graphicFrame>
         </mc:Choice>
-        <mc:Fallback>
+        <mc:Fallback xmlns="">
           <p:graphicFrame>
             <p:nvGraphicFramePr>
               <p:cNvPr id="150" name="表 49">
@@ -4105,14 +4103,13 @@
           </p:cNvPr>
           <p:cNvCxnSpPr>
             <a:cxnSpLocks/>
-            <a:endCxn id="146" idx="1"/>
           </p:cNvCxnSpPr>
           <p:nvPr/>
         </p:nvCxnSpPr>
         <p:spPr>
           <a:xfrm>
             <a:off x="982013" y="1087275"/>
-            <a:ext cx="1143127" cy="295040"/>
+            <a:ext cx="1143127" cy="84300"/>
           </a:xfrm>
           <a:prstGeom prst="straightConnector1">
             <a:avLst/>
@@ -4139,8 +4136,8 @@
           </a:fontRef>
         </p:style>
       </p:cxnSp>
-      <mc:AlternateContent xmlns:mc="http://schemas.openxmlformats.org/markup-compatibility/2006">
-        <mc:Choice xmlns:a14="http://schemas.microsoft.com/office/drawing/2010/main" Requires="a14">
+      <mc:AlternateContent xmlns:mc="http://schemas.openxmlformats.org/markup-compatibility/2006" xmlns:a14="http://schemas.microsoft.com/office/drawing/2010/main">
+        <mc:Choice Requires="a14">
           <p:graphicFrame>
             <p:nvGraphicFramePr>
               <p:cNvPr id="162" name="表 49">
@@ -4501,7 +4498,7 @@
             </a:graphic>
           </p:graphicFrame>
         </mc:Choice>
-        <mc:Fallback>
+        <mc:Fallback xmlns="">
           <p:graphicFrame>
             <p:nvGraphicFramePr>
               <p:cNvPr id="162" name="表 49">
@@ -4807,14 +4804,12 @@
           </p:cNvPr>
           <p:cNvCxnSpPr>
             <a:cxnSpLocks/>
-            <a:stCxn id="150" idx="3"/>
-            <a:endCxn id="162" idx="1"/>
           </p:cNvCxnSpPr>
           <p:nvPr/>
         </p:nvCxnSpPr>
         <p:spPr>
           <a:xfrm>
-            <a:off x="3964647" y="1382315"/>
+            <a:off x="3964647" y="1171575"/>
             <a:ext cx="953968" cy="0"/>
           </a:xfrm>
           <a:prstGeom prst="straightConnector1">
@@ -4843,8 +4838,8 @@
           </a:fontRef>
         </p:style>
       </p:cxnSp>
-      <mc:AlternateContent xmlns:mc="http://schemas.openxmlformats.org/markup-compatibility/2006">
-        <mc:Choice xmlns:a14="http://schemas.microsoft.com/office/drawing/2010/main" Requires="a14">
+      <mc:AlternateContent xmlns:mc="http://schemas.openxmlformats.org/markup-compatibility/2006" xmlns:a14="http://schemas.microsoft.com/office/drawing/2010/main">
+        <mc:Choice Requires="a14">
           <p:graphicFrame>
             <p:nvGraphicFramePr>
               <p:cNvPr id="167" name="表 49">
@@ -5173,7 +5168,7 @@
             </a:graphic>
           </p:graphicFrame>
         </mc:Choice>
-        <mc:Fallback>
+        <mc:Fallback xmlns="">
           <p:graphicFrame>
             <p:nvGraphicFramePr>
               <p:cNvPr id="167" name="表 49">
@@ -5486,14 +5481,13 @@
           <p:cNvCxnSpPr>
             <a:cxnSpLocks/>
             <a:stCxn id="150" idx="2"/>
-            <a:endCxn id="167" idx="1"/>
           </p:cNvCxnSpPr>
           <p:nvPr/>
         </p:nvCxnSpPr>
         <p:spPr>
           <a:xfrm>
             <a:off x="3705447" y="1660335"/>
-            <a:ext cx="476985" cy="546856"/>
+            <a:ext cx="476985" cy="268836"/>
           </a:xfrm>
           <a:prstGeom prst="straightConnector1">
             <a:avLst/>
@@ -5532,14 +5526,13 @@
           <p:cNvCxnSpPr>
             <a:cxnSpLocks/>
             <a:stCxn id="162" idx="2"/>
-            <a:endCxn id="167" idx="3"/>
           </p:cNvCxnSpPr>
           <p:nvPr/>
         </p:nvCxnSpPr>
         <p:spPr>
           <a:xfrm flipH="1">
             <a:off x="4700832" y="1660335"/>
-            <a:ext cx="476983" cy="546856"/>
+            <a:ext cx="476983" cy="268836"/>
           </a:xfrm>
           <a:prstGeom prst="straightConnector1">
             <a:avLst/>

--- a/src/figures/Bc-structure.pptx
+++ b/src/figures/Bc-structure.pptx
@@ -10,7 +10,7 @@
   <p:sldIdLst>
     <p:sldId id="257" r:id="rId2"/>
   </p:sldIdLst>
-  <p:sldSz cx="5759450" cy="2519363"/>
+  <p:sldSz cx="2879725" cy="1800225"/>
   <p:notesSz cx="6858000" cy="9144000"/>
   <p:defaultTextStyle>
     <a:defPPr>
@@ -197,7 +197,7 @@
           <a:p>
             <a:fld id="{C1C90ABE-C08A-444A-9B97-50985CA7357E}" type="datetimeFigureOut">
               <a:rPr kumimoji="1" lang="ja-JP" altLang="en-US" smtClean="0"/>
-              <a:t>2024/7/12</a:t>
+              <a:t>2024/7/25</a:t>
             </a:fld>
             <a:endParaRPr kumimoji="1" lang="ja-JP" altLang="en-US"/>
           </a:p>
@@ -215,8 +215,8 @@
         </p:nvSpPr>
         <p:spPr>
           <a:xfrm>
-            <a:off x="-98425" y="1143000"/>
-            <a:ext cx="7054850" cy="3086100"/>
+            <a:off x="962025" y="1143000"/>
+            <a:ext cx="4933950" cy="3086100"/>
           </a:xfrm>
           <a:prstGeom prst="rect">
             <a:avLst/>
@@ -525,8 +525,8 @@
         </p:nvSpPr>
         <p:spPr>
           <a:xfrm>
-            <a:off x="-98425" y="1143000"/>
-            <a:ext cx="7054850" cy="3086100"/>
+            <a:off x="962025" y="1143000"/>
+            <a:ext cx="4933950" cy="3086100"/>
           </a:xfrm>
         </p:spPr>
       </p:sp>
@@ -614,8 +614,8 @@
         </p:nvSpPr>
         <p:spPr>
           <a:xfrm>
-            <a:off x="319974" y="412315"/>
-            <a:ext cx="5167380" cy="877112"/>
+            <a:off x="159987" y="294622"/>
+            <a:ext cx="2583690" cy="626745"/>
           </a:xfrm>
           <a:noFill/>
         </p:spPr>
@@ -655,8 +655,8 @@
         </p:nvSpPr>
         <p:spPr>
           <a:xfrm>
-            <a:off x="319972" y="1449242"/>
-            <a:ext cx="5191124" cy="485851"/>
+            <a:off x="159986" y="1035565"/>
+            <a:ext cx="2595562" cy="347168"/>
           </a:xfrm>
         </p:spPr>
         <p:txBody>
@@ -776,8 +776,8 @@
         </p:nvSpPr>
         <p:spPr>
           <a:xfrm>
-            <a:off x="255983" y="1289428"/>
-            <a:ext cx="5503474" cy="91562"/>
+            <a:off x="127991" y="921368"/>
+            <a:ext cx="2751737" cy="65426"/>
           </a:xfrm>
           <a:prstGeom prst="rect">
             <a:avLst/>
@@ -864,8 +864,8 @@
         </p:nvSpPr>
         <p:spPr>
           <a:xfrm>
-            <a:off x="5" y="4"/>
-            <a:ext cx="5759450" cy="357075"/>
+            <a:off x="4" y="4"/>
+            <a:ext cx="2879725" cy="255150"/>
           </a:xfrm>
         </p:spPr>
         <p:txBody>
@@ -950,8 +950,8 @@
         </p:nvSpPr>
         <p:spPr>
           <a:xfrm>
-            <a:off x="203361" y="476101"/>
-            <a:ext cx="5352730" cy="1772151"/>
+            <a:off x="101682" y="340202"/>
+            <a:ext cx="2676365" cy="1266300"/>
           </a:xfrm>
         </p:spPr>
         <p:txBody>
@@ -1068,8 +1068,8 @@
         </p:nvSpPr>
         <p:spPr>
           <a:xfrm>
-            <a:off x="5" y="4"/>
-            <a:ext cx="5759450" cy="357075"/>
+            <a:off x="4" y="4"/>
+            <a:ext cx="2879725" cy="255150"/>
           </a:xfrm>
         </p:spPr>
         <p:txBody>
@@ -1168,8 +1168,8 @@
         </p:nvSpPr>
         <p:spPr>
           <a:xfrm>
-            <a:off x="5" y="628107"/>
-            <a:ext cx="5759450" cy="1047986"/>
+            <a:off x="4" y="448818"/>
+            <a:ext cx="2879725" cy="748844"/>
           </a:xfrm>
         </p:spPr>
         <p:txBody>
@@ -1203,8 +1203,8 @@
         </p:nvSpPr>
         <p:spPr>
           <a:xfrm>
-            <a:off x="392965" y="1737402"/>
-            <a:ext cx="4967526" cy="499711"/>
+            <a:off x="196484" y="1241472"/>
+            <a:ext cx="2483763" cy="357071"/>
           </a:xfrm>
         </p:spPr>
         <p:txBody>
@@ -1474,8 +1474,8 @@
         </p:nvSpPr>
         <p:spPr>
           <a:xfrm>
-            <a:off x="5" y="4"/>
-            <a:ext cx="5759450" cy="357075"/>
+            <a:off x="4" y="4"/>
+            <a:ext cx="2879725" cy="255150"/>
           </a:xfrm>
           <a:prstGeom prst="rect">
             <a:avLst/>
@@ -1512,8 +1512,8 @@
         </p:nvSpPr>
         <p:spPr>
           <a:xfrm>
-            <a:off x="203361" y="476101"/>
-            <a:ext cx="5352730" cy="1772151"/>
+            <a:off x="101682" y="340202"/>
+            <a:ext cx="2676365" cy="1266300"/>
           </a:xfrm>
           <a:prstGeom prst="rect">
             <a:avLst/>
@@ -1607,8 +1607,8 @@
         </p:nvSpPr>
         <p:spPr>
           <a:xfrm>
-            <a:off x="913175" y="2335091"/>
-            <a:ext cx="3933110" cy="134132"/>
+            <a:off x="456589" y="1668552"/>
+            <a:ext cx="1966555" cy="95845"/>
           </a:xfrm>
           <a:prstGeom prst="rect">
             <a:avLst/>
@@ -1646,8 +1646,8 @@
         </p:nvSpPr>
         <p:spPr>
           <a:xfrm>
-            <a:off x="4911056" y="2335091"/>
-            <a:ext cx="645036" cy="134132"/>
+            <a:off x="2455528" y="1668552"/>
+            <a:ext cx="322518" cy="95845"/>
           </a:xfrm>
           <a:prstGeom prst="rect">
             <a:avLst/>
@@ -2039,6 +2039,51 @@
       </p:grpSpPr>
       <p:cxnSp>
         <p:nvCxnSpPr>
+          <p:cNvPr id="53" name="直線矢印コネクタ 52">
+            <a:extLst>
+              <a:ext uri="{FF2B5EF4-FFF2-40B4-BE49-F238E27FC236}">
+                <a16:creationId xmlns:a16="http://schemas.microsoft.com/office/drawing/2014/main" id="{29446F55-86F3-4267-B0EA-5FD69F2109EA}"/>
+              </a:ext>
+            </a:extLst>
+          </p:cNvPr>
+          <p:cNvCxnSpPr>
+            <a:cxnSpLocks/>
+            <a:endCxn id="45" idx="2"/>
+          </p:cNvCxnSpPr>
+          <p:nvPr/>
+        </p:nvCxnSpPr>
+        <p:spPr>
+          <a:xfrm flipV="1">
+            <a:off x="545550" y="777049"/>
+            <a:ext cx="1163711" cy="48442"/>
+          </a:xfrm>
+          <a:prstGeom prst="straightConnector1">
+            <a:avLst/>
+          </a:prstGeom>
+          <a:ln w="12700">
+            <a:solidFill>
+              <a:schemeClr val="tx1"/>
+            </a:solidFill>
+            <a:tailEnd type="triangle"/>
+          </a:ln>
+        </p:spPr>
+        <p:style>
+          <a:lnRef idx="1">
+            <a:schemeClr val="accent1"/>
+          </a:lnRef>
+          <a:fillRef idx="0">
+            <a:schemeClr val="accent1"/>
+          </a:fillRef>
+          <a:effectRef idx="0">
+            <a:schemeClr val="accent1"/>
+          </a:effectRef>
+          <a:fontRef idx="minor">
+            <a:schemeClr val="tx1"/>
+          </a:fontRef>
+        </p:style>
+      </p:cxnSp>
+      <p:cxnSp>
+        <p:nvCxnSpPr>
           <p:cNvPr id="139" name="直線矢印コネクタ 138">
             <a:extLst>
               <a:ext uri="{FF2B5EF4-FFF2-40B4-BE49-F238E27FC236}">
@@ -2053,8 +2098,8 @@
         </p:nvCxnSpPr>
         <p:spPr>
           <a:xfrm>
-            <a:off x="2644881" y="1171575"/>
-            <a:ext cx="787783" cy="0"/>
+            <a:off x="1586018" y="1203166"/>
+            <a:ext cx="290716" cy="0"/>
           </a:xfrm>
           <a:prstGeom prst="straightConnector1">
             <a:avLst/>
@@ -2082,8 +2127,8 @@
           </a:fontRef>
         </p:style>
       </p:cxnSp>
-      <mc:AlternateContent xmlns:mc="http://schemas.openxmlformats.org/markup-compatibility/2006" xmlns:a14="http://schemas.microsoft.com/office/drawing/2010/main">
-        <mc:Choice Requires="a14">
+      <mc:AlternateContent xmlns:mc="http://schemas.openxmlformats.org/markup-compatibility/2006">
+        <mc:Choice xmlns:a14="http://schemas.microsoft.com/office/drawing/2010/main" Requires="a14">
           <p:graphicFrame>
             <p:nvGraphicFramePr>
               <p:cNvPr id="146" name="表 49">
@@ -2099,13 +2144,13 @@
               <p:nvPr>
                 <p:extLst>
                   <p:ext uri="{D42A27DB-BD31-4B8C-83A1-F6EECF244321}">
-                    <p14:modId xmlns:p14="http://schemas.microsoft.com/office/powerpoint/2010/main" val="2057171915"/>
+                    <p14:modId xmlns:p14="http://schemas.microsoft.com/office/powerpoint/2010/main" val="4044089289"/>
                   </p:ext>
                 </p:extLst>
               </p:nvPr>
             </p:nvGraphicFramePr>
             <p:xfrm>
-              <a:off x="2125140" y="1104295"/>
+              <a:off x="1066279" y="1135886"/>
               <a:ext cx="519741" cy="556040"/>
             </p:xfrm>
             <a:graphic>
@@ -2412,7 +2457,7 @@
             </a:graphic>
           </p:graphicFrame>
         </mc:Choice>
-        <mc:Fallback xmlns="">
+        <mc:Fallback>
           <p:graphicFrame>
             <p:nvGraphicFramePr>
               <p:cNvPr id="146" name="表 49">
@@ -2428,13 +2473,13 @@
               <p:nvPr>
                 <p:extLst>
                   <p:ext uri="{D42A27DB-BD31-4B8C-83A1-F6EECF244321}">
-                    <p14:modId xmlns:p14="http://schemas.microsoft.com/office/powerpoint/2010/main" val="2057171915"/>
+                    <p14:modId xmlns:p14="http://schemas.microsoft.com/office/powerpoint/2010/main" val="4044089289"/>
                   </p:ext>
                 </p:extLst>
               </p:nvPr>
             </p:nvGraphicFramePr>
             <p:xfrm>
-              <a:off x="2125140" y="1104295"/>
+              <a:off x="1066279" y="1135886"/>
               <a:ext cx="519741" cy="556040"/>
             </p:xfrm>
             <a:graphic>
@@ -2696,7 +2741,7 @@
                         <a:blipFill>
                           <a:blip r:embed="rId3"/>
                           <a:stretch>
-                            <a:fillRect l="-1163" t="-317391" r="-2326" b="-34783"/>
+                            <a:fillRect l="-1149" t="-317391" r="-2299" b="-39130"/>
                           </a:stretch>
                         </a:blipFill>
                       </a:tcPr>
@@ -2713,14 +2758,103 @@
           </p:graphicFrame>
         </mc:Fallback>
       </mc:AlternateContent>
-      <mc:AlternateContent xmlns:mc="http://schemas.openxmlformats.org/markup-compatibility/2006" xmlns:a14="http://schemas.microsoft.com/office/drawing/2010/main">
-        <mc:Choice Requires="a14">
+      <p:cxnSp>
+        <p:nvCxnSpPr>
+          <p:cNvPr id="158" name="直線矢印コネクタ 157">
+            <a:extLst>
+              <a:ext uri="{FF2B5EF4-FFF2-40B4-BE49-F238E27FC236}">
+                <a16:creationId xmlns:a16="http://schemas.microsoft.com/office/drawing/2014/main" id="{05E0A1DA-968A-2C5B-3A5C-6B1A98910278}"/>
+              </a:ext>
+            </a:extLst>
+          </p:cNvPr>
+          <p:cNvCxnSpPr>
+            <a:cxnSpLocks/>
+            <a:endCxn id="47" idx="2"/>
+          </p:cNvCxnSpPr>
+          <p:nvPr/>
+        </p:nvCxnSpPr>
+        <p:spPr>
+          <a:xfrm flipV="1">
+            <a:off x="545550" y="430918"/>
+            <a:ext cx="1439237" cy="295851"/>
+          </a:xfrm>
+          <a:prstGeom prst="straightConnector1">
+            <a:avLst/>
+          </a:prstGeom>
+          <a:ln w="12700">
+            <a:solidFill>
+              <a:schemeClr val="tx1"/>
+            </a:solidFill>
+            <a:tailEnd type="triangle"/>
+          </a:ln>
+        </p:spPr>
+        <p:style>
+          <a:lnRef idx="1">
+            <a:schemeClr val="accent1"/>
+          </a:lnRef>
+          <a:fillRef idx="0">
+            <a:schemeClr val="accent1"/>
+          </a:fillRef>
+          <a:effectRef idx="0">
+            <a:schemeClr val="accent1"/>
+          </a:effectRef>
+          <a:fontRef idx="minor">
+            <a:schemeClr val="tx1"/>
+          </a:fontRef>
+        </p:style>
+      </p:cxnSp>
+      <p:cxnSp>
+        <p:nvCxnSpPr>
+          <p:cNvPr id="159" name="直線矢印コネクタ 158">
+            <a:extLst>
+              <a:ext uri="{FF2B5EF4-FFF2-40B4-BE49-F238E27FC236}">
+                <a16:creationId xmlns:a16="http://schemas.microsoft.com/office/drawing/2014/main" id="{E5FB3492-3709-A5AC-7333-66525C7F31EC}"/>
+              </a:ext>
+            </a:extLst>
+          </p:cNvPr>
+          <p:cNvCxnSpPr>
+            <a:cxnSpLocks/>
+          </p:cNvCxnSpPr>
+          <p:nvPr/>
+        </p:nvCxnSpPr>
+        <p:spPr>
+          <a:xfrm>
+            <a:off x="754586" y="1135886"/>
+            <a:ext cx="311693" cy="67280"/>
+          </a:xfrm>
+          <a:prstGeom prst="straightConnector1">
+            <a:avLst/>
+          </a:prstGeom>
+          <a:ln w="12700">
+            <a:solidFill>
+              <a:schemeClr val="tx1"/>
+            </a:solidFill>
+            <a:tailEnd type="triangle"/>
+          </a:ln>
+        </p:spPr>
+        <p:style>
+          <a:lnRef idx="1">
+            <a:schemeClr val="accent1"/>
+          </a:lnRef>
+          <a:fillRef idx="0">
+            <a:schemeClr val="accent1"/>
+          </a:fillRef>
+          <a:effectRef idx="0">
+            <a:schemeClr val="accent1"/>
+          </a:effectRef>
+          <a:fontRef idx="minor">
+            <a:schemeClr val="tx1"/>
+          </a:fontRef>
+        </p:style>
+      </p:cxnSp>
+      <mc:AlternateContent xmlns:mc="http://schemas.openxmlformats.org/markup-compatibility/2006">
+        <mc:Choice xmlns:a14="http://schemas.microsoft.com/office/drawing/2010/main" Requires="a14">
           <p:graphicFrame>
             <p:nvGraphicFramePr>
-              <p:cNvPr id="147" name="表 49">
+              <p:cNvPr id="167" name="表 49">
                 <a:extLst>
                   <a:ext uri="{FF2B5EF4-FFF2-40B4-BE49-F238E27FC236}">
-                    <a16:creationId xmlns:a16="http://schemas.microsoft.com/office/drawing/2014/main" id="{09046405-2793-0575-7253-9E8A7629CB23}"/>
+                    <a16:creationId xmlns:a16="http://schemas.microsoft.com/office/drawing/2014/main" id="{3794AD1A-F396-39CC-8BBC-C768B8F6B802}"/>
                   </a:ext>
                 </a:extLst>
               </p:cNvPr>
@@ -2730,13 +2864,13 @@
               <p:nvPr>
                 <p:extLst>
                   <p:ext uri="{D42A27DB-BD31-4B8C-83A1-F6EECF244321}">
-                    <p14:modId xmlns:p14="http://schemas.microsoft.com/office/powerpoint/2010/main" val="3148995588"/>
+                    <p14:modId xmlns:p14="http://schemas.microsoft.com/office/powerpoint/2010/main" val="2727131438"/>
                   </p:ext>
                 </p:extLst>
               </p:nvPr>
             </p:nvGraphicFramePr>
             <p:xfrm>
-              <a:off x="2126481" y="1929171"/>
+              <a:off x="1881572" y="1139986"/>
               <a:ext cx="518400" cy="556040"/>
             </p:xfrm>
             <a:graphic>
@@ -2765,7 +2899,7 @@
                             <a:rPr kumimoji="1" lang="en-US" altLang="ja-JP" sz="800" dirty="0">
                               <a:latin typeface="Cambria Math" panose="02040503050406030204" pitchFamily="18" charset="0"/>
                             </a:rPr>
-                            <a:t>D: Header</a:t>
+                            <a:t>E: Header</a:t>
                           </a:r>
                           <a:endParaRPr kumimoji="1" lang="ja-JP" altLang="en-US" sz="800" dirty="0">
                             <a:latin typeface="Cambria Math" panose="02040503050406030204" pitchFamily="18" charset="0"/>
@@ -3043,1803 +3177,7 @@
             </a:graphic>
           </p:graphicFrame>
         </mc:Choice>
-        <mc:Fallback xmlns="">
-          <p:graphicFrame>
-            <p:nvGraphicFramePr>
-              <p:cNvPr id="147" name="表 49">
-                <a:extLst>
-                  <a:ext uri="{FF2B5EF4-FFF2-40B4-BE49-F238E27FC236}">
-                    <a16:creationId xmlns:a16="http://schemas.microsoft.com/office/drawing/2014/main" id="{09046405-2793-0575-7253-9E8A7629CB23}"/>
-                  </a:ext>
-                </a:extLst>
-              </p:cNvPr>
-              <p:cNvGraphicFramePr>
-                <a:graphicFrameLocks noGrp="1"/>
-              </p:cNvGraphicFramePr>
-              <p:nvPr>
-                <p:extLst>
-                  <p:ext uri="{D42A27DB-BD31-4B8C-83A1-F6EECF244321}">
-                    <p14:modId xmlns:p14="http://schemas.microsoft.com/office/powerpoint/2010/main" val="3148995588"/>
-                  </p:ext>
-                </p:extLst>
-              </p:nvPr>
-            </p:nvGraphicFramePr>
-            <p:xfrm>
-              <a:off x="2126481" y="1929171"/>
-              <a:ext cx="518400" cy="556040"/>
-            </p:xfrm>
-            <a:graphic>
-              <a:graphicData uri="http://schemas.openxmlformats.org/drawingml/2006/table">
-                <a:tbl>
-                  <a:tblPr firstRow="1" bandRow="1">
-                    <a:tableStyleId>{2D5ABB26-0587-4C30-8999-92F81FD0307C}</a:tableStyleId>
-                  </a:tblPr>
-                  <a:tblGrid>
-                    <a:gridCol w="518400">
-                      <a:extLst>
-                        <a:ext uri="{9D8B030D-6E8A-4147-A177-3AD203B41FA5}">
-                          <a16:colId xmlns:a16="http://schemas.microsoft.com/office/drawing/2014/main" val="1391329631"/>
-                        </a:ext>
-                      </a:extLst>
-                    </a:gridCol>
-                  </a:tblGrid>
-                  <a:tr h="139010">
-                    <a:tc>
-                      <a:txBody>
-                        <a:bodyPr/>
-                        <a:lstStyle/>
-                        <a:p>
-                          <a:pPr algn="ctr"/>
-                          <a:r>
-                            <a:rPr kumimoji="1" lang="en-US" altLang="ja-JP" sz="800" dirty="0">
-                              <a:latin typeface="Cambria Math" panose="02040503050406030204" pitchFamily="18" charset="0"/>
-                            </a:rPr>
-                            <a:t>D: Header</a:t>
-                          </a:r>
-                          <a:endParaRPr kumimoji="1" lang="ja-JP" altLang="en-US" sz="800" dirty="0">
-                            <a:latin typeface="Cambria Math" panose="02040503050406030204" pitchFamily="18" charset="0"/>
-                          </a:endParaRPr>
-                        </a:p>
-                      </a:txBody>
-                      <a:tcPr marL="17091" marR="17091" marT="8545" marB="8545" anchor="ctr">
-                        <a:lnL w="12700" cap="flat" cmpd="sng" algn="ctr">
-                          <a:solidFill>
-                            <a:schemeClr val="tx1"/>
-                          </a:solidFill>
-                          <a:prstDash val="solid"/>
-                          <a:round/>
-                          <a:headEnd type="none" w="med" len="med"/>
-                          <a:tailEnd type="none" w="med" len="med"/>
-                        </a:lnL>
-                        <a:lnR w="12700" cap="flat" cmpd="sng" algn="ctr">
-                          <a:solidFill>
-                            <a:schemeClr val="tx1"/>
-                          </a:solidFill>
-                          <a:prstDash val="solid"/>
-                          <a:round/>
-                          <a:headEnd type="none" w="med" len="med"/>
-                          <a:tailEnd type="none" w="med" len="med"/>
-                        </a:lnR>
-                        <a:lnT w="12700" cap="flat" cmpd="sng" algn="ctr">
-                          <a:solidFill>
-                            <a:schemeClr val="tx1"/>
-                          </a:solidFill>
-                          <a:prstDash val="solid"/>
-                          <a:round/>
-                          <a:headEnd type="none" w="med" len="med"/>
-                          <a:tailEnd type="none" w="med" len="med"/>
-                        </a:lnT>
-                        <a:lnB w="9525" cap="flat" cmpd="sng" algn="ctr">
-                          <a:solidFill>
-                            <a:schemeClr val="tx1"/>
-                          </a:solidFill>
-                          <a:prstDash val="solid"/>
-                          <a:round/>
-                          <a:headEnd type="none" w="med" len="med"/>
-                          <a:tailEnd type="none" w="med" len="med"/>
-                        </a:lnB>
-                        <a:solidFill>
-                          <a:schemeClr val="bg1"/>
-                        </a:solidFill>
-                      </a:tcPr>
-                    </a:tc>
-                    <a:extLst>
-                      <a:ext uri="{0D108BD9-81ED-4DB2-BD59-A6C34878D82A}">
-                        <a16:rowId xmlns:a16="http://schemas.microsoft.com/office/drawing/2014/main" val="3783925622"/>
-                      </a:ext>
-                    </a:extLst>
-                  </a:tr>
-                  <a:tr h="139010">
-                    <a:tc>
-                      <a:txBody>
-                        <a:bodyPr/>
-                        <a:lstStyle/>
-                        <a:p>
-                          <a:pPr algn="ctr"/>
-                          <a:r>
-                            <a:rPr kumimoji="1" lang="en-US" altLang="ja-JP" sz="800" dirty="0">
-                              <a:latin typeface="Cambria Math" panose="02040503050406030204" pitchFamily="18" charset="0"/>
-                              <a:ea typeface="Cambria Math" panose="02040503050406030204" pitchFamily="18" charset="0"/>
-                            </a:rPr>
-                            <a:t>Metadata</a:t>
-                          </a:r>
-                          <a:endParaRPr kumimoji="1" lang="ja-JP" altLang="en-US" sz="800" dirty="0">
-                            <a:latin typeface="Cambria Math" panose="02040503050406030204" pitchFamily="18" charset="0"/>
-                          </a:endParaRPr>
-                        </a:p>
-                      </a:txBody>
-                      <a:tcPr marL="17091" marR="17091" marT="8545" marB="8545" anchor="ctr">
-                        <a:lnL w="12700" cap="flat" cmpd="sng" algn="ctr">
-                          <a:solidFill>
-                            <a:schemeClr val="tx1"/>
-                          </a:solidFill>
-                          <a:prstDash val="solid"/>
-                          <a:round/>
-                          <a:headEnd type="none" w="med" len="med"/>
-                          <a:tailEnd type="none" w="med" len="med"/>
-                        </a:lnL>
-                        <a:lnR w="12700" cap="flat" cmpd="sng" algn="ctr">
-                          <a:solidFill>
-                            <a:schemeClr val="tx1"/>
-                          </a:solidFill>
-                          <a:prstDash val="solid"/>
-                          <a:round/>
-                          <a:headEnd type="none" w="med" len="med"/>
-                          <a:tailEnd type="none" w="med" len="med"/>
-                        </a:lnR>
-                        <a:lnT w="9525" cap="flat" cmpd="sng" algn="ctr">
-                          <a:solidFill>
-                            <a:schemeClr val="tx1"/>
-                          </a:solidFill>
-                          <a:prstDash val="solid"/>
-                          <a:round/>
-                          <a:headEnd type="none" w="med" len="med"/>
-                          <a:tailEnd type="none" w="med" len="med"/>
-                        </a:lnT>
-                        <a:lnB w="12700" cap="flat" cmpd="sng" algn="ctr">
-                          <a:noFill/>
-                          <a:prstDash val="solid"/>
-                          <a:round/>
-                          <a:headEnd type="none" w="med" len="med"/>
-                          <a:tailEnd type="none" w="med" len="med"/>
-                        </a:lnB>
-                        <a:solidFill>
-                          <a:schemeClr val="bg1"/>
-                        </a:solidFill>
-                      </a:tcPr>
-                    </a:tc>
-                    <a:extLst>
-                      <a:ext uri="{0D108BD9-81ED-4DB2-BD59-A6C34878D82A}">
-                        <a16:rowId xmlns:a16="http://schemas.microsoft.com/office/drawing/2014/main" val="1930659369"/>
-                      </a:ext>
-                    </a:extLst>
-                  </a:tr>
-                  <a:tr h="139010">
-                    <a:tc>
-                      <a:txBody>
-                        <a:bodyPr/>
-                        <a:lstStyle/>
-                        <a:p>
-                          <a:pPr algn="ctr"/>
-                          <a:r>
-                            <a:rPr kumimoji="1" lang="en-US" altLang="ja-JP" sz="800" dirty="0">
-                              <a:latin typeface="Cambria Math" panose="02040503050406030204" pitchFamily="18" charset="0"/>
-                            </a:rPr>
-                            <a:t>Record</a:t>
-                          </a:r>
-                          <a:endParaRPr kumimoji="1" lang="ja-JP" altLang="en-US" sz="800" dirty="0">
-                            <a:latin typeface="Cambria Math" panose="02040503050406030204" pitchFamily="18" charset="0"/>
-                          </a:endParaRPr>
-                        </a:p>
-                      </a:txBody>
-                      <a:tcPr marL="17091" marR="17091" marT="8545" marB="8545" anchor="ctr">
-                        <a:lnL w="12700" cap="flat" cmpd="sng" algn="ctr">
-                          <a:solidFill>
-                            <a:schemeClr val="tx1"/>
-                          </a:solidFill>
-                          <a:prstDash val="solid"/>
-                          <a:round/>
-                          <a:headEnd type="none" w="med" len="med"/>
-                          <a:tailEnd type="none" w="med" len="med"/>
-                        </a:lnL>
-                        <a:lnR w="12700" cap="flat" cmpd="sng" algn="ctr">
-                          <a:solidFill>
-                            <a:schemeClr val="tx1"/>
-                          </a:solidFill>
-                          <a:prstDash val="solid"/>
-                          <a:round/>
-                          <a:headEnd type="none" w="med" len="med"/>
-                          <a:tailEnd type="none" w="med" len="med"/>
-                        </a:lnR>
-                        <a:lnT w="12700" cap="flat" cmpd="sng" algn="ctr">
-                          <a:noFill/>
-                          <a:prstDash val="solid"/>
-                          <a:round/>
-                          <a:headEnd type="none" w="med" len="med"/>
-                          <a:tailEnd type="none" w="med" len="med"/>
-                        </a:lnT>
-                        <a:lnB w="9525" cap="flat" cmpd="sng" algn="ctr">
-                          <a:solidFill>
-                            <a:schemeClr val="tx1"/>
-                          </a:solidFill>
-                          <a:prstDash val="sysDot"/>
-                          <a:round/>
-                          <a:headEnd type="none" w="med" len="med"/>
-                          <a:tailEnd type="none" w="med" len="med"/>
-                        </a:lnB>
-                        <a:solidFill>
-                          <a:schemeClr val="bg1"/>
-                        </a:solidFill>
-                      </a:tcPr>
-                    </a:tc>
-                    <a:extLst>
-                      <a:ext uri="{0D108BD9-81ED-4DB2-BD59-A6C34878D82A}">
-                        <a16:rowId xmlns:a16="http://schemas.microsoft.com/office/drawing/2014/main" val="1611505625"/>
-                      </a:ext>
-                    </a:extLst>
-                  </a:tr>
-                  <a:tr h="139010">
-                    <a:tc>
-                      <a:txBody>
-                        <a:bodyPr/>
-                        <a:lstStyle/>
-                        <a:p>
-                          <a:endParaRPr lang="ja-JP"/>
-                        </a:p>
-                      </a:txBody>
-                      <a:tcPr marL="17091" marR="17091" marT="8545" marB="8545" anchor="ctr">
-                        <a:lnL w="12700" cap="flat" cmpd="sng" algn="ctr">
-                          <a:solidFill>
-                            <a:schemeClr val="tx1"/>
-                          </a:solidFill>
-                          <a:prstDash val="solid"/>
-                          <a:round/>
-                          <a:headEnd type="none" w="med" len="med"/>
-                          <a:tailEnd type="none" w="med" len="med"/>
-                        </a:lnL>
-                        <a:lnR w="12700" cap="flat" cmpd="sng" algn="ctr">
-                          <a:solidFill>
-                            <a:schemeClr val="tx1"/>
-                          </a:solidFill>
-                          <a:prstDash val="solid"/>
-                          <a:round/>
-                          <a:headEnd type="none" w="med" len="med"/>
-                          <a:tailEnd type="none" w="med" len="med"/>
-                        </a:lnR>
-                        <a:lnT w="9525" cap="flat" cmpd="sng" algn="ctr">
-                          <a:solidFill>
-                            <a:schemeClr val="tx1"/>
-                          </a:solidFill>
-                          <a:prstDash val="sysDot"/>
-                          <a:round/>
-                          <a:headEnd type="none" w="med" len="med"/>
-                          <a:tailEnd type="none" w="med" len="med"/>
-                        </a:lnT>
-                        <a:lnB w="12700" cap="flat" cmpd="sng" algn="ctr">
-                          <a:solidFill>
-                            <a:schemeClr val="tx1"/>
-                          </a:solidFill>
-                          <a:prstDash val="solid"/>
-                          <a:round/>
-                          <a:headEnd type="none" w="med" len="med"/>
-                          <a:tailEnd type="none" w="med" len="med"/>
-                        </a:lnB>
-                        <a:blipFill>
-                          <a:blip r:embed="rId4"/>
-                          <a:stretch>
-                            <a:fillRect l="-1163" t="-317391" r="-2326" b="-39130"/>
-                          </a:stretch>
-                        </a:blipFill>
-                      </a:tcPr>
-                    </a:tc>
-                    <a:extLst>
-                      <a:ext uri="{0D108BD9-81ED-4DB2-BD59-A6C34878D82A}">
-                        <a16:rowId xmlns:a16="http://schemas.microsoft.com/office/drawing/2014/main" val="4013838990"/>
-                      </a:ext>
-                    </a:extLst>
-                  </a:tr>
-                </a:tbl>
-              </a:graphicData>
-            </a:graphic>
-          </p:graphicFrame>
-        </mc:Fallback>
-      </mc:AlternateContent>
-      <p:cxnSp>
-        <p:nvCxnSpPr>
-          <p:cNvPr id="148" name="直線矢印コネクタ 147">
-            <a:extLst>
-              <a:ext uri="{FF2B5EF4-FFF2-40B4-BE49-F238E27FC236}">
-                <a16:creationId xmlns:a16="http://schemas.microsoft.com/office/drawing/2014/main" id="{1244CE23-A24B-B3F1-9D7A-5FFDB3A33BB3}"/>
-              </a:ext>
-            </a:extLst>
-          </p:cNvPr>
-          <p:cNvCxnSpPr>
-            <a:cxnSpLocks/>
-            <a:stCxn id="146" idx="2"/>
-            <a:endCxn id="147" idx="0"/>
-          </p:cNvCxnSpPr>
-          <p:nvPr/>
-        </p:nvCxnSpPr>
-        <p:spPr>
-          <a:xfrm>
-            <a:off x="2385010" y="1660335"/>
-            <a:ext cx="671" cy="268836"/>
-          </a:xfrm>
-          <a:prstGeom prst="straightConnector1">
-            <a:avLst/>
-          </a:prstGeom>
-          <a:ln w="12700">
-            <a:solidFill>
-              <a:schemeClr val="tx1"/>
-            </a:solidFill>
-            <a:tailEnd type="triangle"/>
-          </a:ln>
-        </p:spPr>
-        <p:style>
-          <a:lnRef idx="1">
-            <a:schemeClr val="accent1"/>
-          </a:lnRef>
-          <a:fillRef idx="0">
-            <a:schemeClr val="accent1"/>
-          </a:fillRef>
-          <a:effectRef idx="0">
-            <a:schemeClr val="accent1"/>
-          </a:effectRef>
-          <a:fontRef idx="minor">
-            <a:schemeClr val="tx1"/>
-          </a:fontRef>
-        </p:style>
-      </p:cxnSp>
-      <mc:AlternateContent xmlns:mc="http://schemas.openxmlformats.org/markup-compatibility/2006" xmlns:a14="http://schemas.microsoft.com/office/drawing/2010/main">
-        <mc:Choice Requires="a14">
-          <p:graphicFrame>
-            <p:nvGraphicFramePr>
-              <p:cNvPr id="150" name="表 49">
-                <a:extLst>
-                  <a:ext uri="{FF2B5EF4-FFF2-40B4-BE49-F238E27FC236}">
-                    <a16:creationId xmlns:a16="http://schemas.microsoft.com/office/drawing/2014/main" id="{2298FFFC-CD2D-D0EB-0436-959E0DEEBFBB}"/>
-                  </a:ext>
-                </a:extLst>
-              </p:cNvPr>
-              <p:cNvGraphicFramePr>
-                <a:graphicFrameLocks noGrp="1"/>
-              </p:cNvGraphicFramePr>
-              <p:nvPr>
-                <p:extLst>
-                  <p:ext uri="{D42A27DB-BD31-4B8C-83A1-F6EECF244321}">
-                    <p14:modId xmlns:p14="http://schemas.microsoft.com/office/powerpoint/2010/main" val="2043525327"/>
-                  </p:ext>
-                </p:extLst>
-              </p:nvPr>
-            </p:nvGraphicFramePr>
-            <p:xfrm>
-              <a:off x="3446247" y="1104295"/>
-              <a:ext cx="518400" cy="556040"/>
-            </p:xfrm>
-            <a:graphic>
-              <a:graphicData uri="http://schemas.openxmlformats.org/drawingml/2006/table">
-                <a:tbl>
-                  <a:tblPr firstRow="1" bandRow="1">
-                    <a:tableStyleId>{2D5ABB26-0587-4C30-8999-92F81FD0307C}</a:tableStyleId>
-                  </a:tblPr>
-                  <a:tblGrid>
-                    <a:gridCol w="518400">
-                      <a:extLst>
-                        <a:ext uri="{9D8B030D-6E8A-4147-A177-3AD203B41FA5}">
-                          <a16:colId xmlns:a16="http://schemas.microsoft.com/office/drawing/2014/main" val="1391329631"/>
-                        </a:ext>
-                      </a:extLst>
-                    </a:gridCol>
-                  </a:tblGrid>
-                  <a:tr h="139010">
-                    <a:tc>
-                      <a:txBody>
-                        <a:bodyPr/>
-                        <a:lstStyle/>
-                        <a:p>
-                          <a:pPr algn="ctr"/>
-                          <a14:m>
-                            <m:oMath xmlns:m="http://schemas.openxmlformats.org/officeDocument/2006/math">
-                              <m:sSup>
-                                <m:sSupPr>
-                                  <m:ctrlPr>
-                                    <a:rPr kumimoji="1" lang="en-US" altLang="ja-JP" sz="800" b="0" i="1" smtClean="0">
-                                      <a:latin typeface="Cambria Math" panose="02040503050406030204" pitchFamily="18" charset="0"/>
-                                    </a:rPr>
-                                  </m:ctrlPr>
-                                </m:sSupPr>
-                                <m:e>
-                                  <m:r>
-                                    <m:rPr>
-                                      <m:sty m:val="p"/>
-                                    </m:rPr>
-                                    <a:rPr kumimoji="1" lang="en-US" altLang="ja-JP" sz="800" b="0" i="0" smtClean="0">
-                                      <a:latin typeface="Cambria Math" panose="02040503050406030204" pitchFamily="18" charset="0"/>
-                                    </a:rPr>
-                                    <m:t>E</m:t>
-                                  </m:r>
-                                </m:e>
-                                <m:sup>
-                                  <m:r>
-                                    <a:rPr kumimoji="1" lang="en-US" altLang="ja-JP" sz="800" b="0" i="1" smtClean="0">
-                                      <a:latin typeface="Cambria Math" panose="02040503050406030204" pitchFamily="18" charset="0"/>
-                                    </a:rPr>
-                                    <m:t>𝐿</m:t>
-                                  </m:r>
-                                </m:sup>
-                              </m:sSup>
-                            </m:oMath>
-                          </a14:m>
-                          <a:r>
-                            <a:rPr kumimoji="1" lang="en-US" altLang="ja-JP" sz="800" dirty="0">
-                              <a:latin typeface="Cambria Math" panose="02040503050406030204" pitchFamily="18" charset="0"/>
-                            </a:rPr>
-                            <a:t>: Header</a:t>
-                          </a:r>
-                          <a:endParaRPr kumimoji="1" lang="ja-JP" altLang="en-US" sz="800" dirty="0">
-                            <a:latin typeface="Cambria Math" panose="02040503050406030204" pitchFamily="18" charset="0"/>
-                          </a:endParaRPr>
-                        </a:p>
-                      </a:txBody>
-                      <a:tcPr marL="17091" marR="17091" marT="8545" marB="8545" anchor="ctr">
-                        <a:lnL w="12700" cap="flat" cmpd="sng" algn="ctr">
-                          <a:solidFill>
-                            <a:schemeClr val="tx1"/>
-                          </a:solidFill>
-                          <a:prstDash val="solid"/>
-                          <a:round/>
-                          <a:headEnd type="none" w="med" len="med"/>
-                          <a:tailEnd type="none" w="med" len="med"/>
-                        </a:lnL>
-                        <a:lnR w="12700" cap="flat" cmpd="sng" algn="ctr">
-                          <a:solidFill>
-                            <a:schemeClr val="tx1"/>
-                          </a:solidFill>
-                          <a:prstDash val="solid"/>
-                          <a:round/>
-                          <a:headEnd type="none" w="med" len="med"/>
-                          <a:tailEnd type="none" w="med" len="med"/>
-                        </a:lnR>
-                        <a:lnT w="12700" cap="flat" cmpd="sng" algn="ctr">
-                          <a:solidFill>
-                            <a:schemeClr val="tx1"/>
-                          </a:solidFill>
-                          <a:prstDash val="solid"/>
-                          <a:round/>
-                          <a:headEnd type="none" w="med" len="med"/>
-                          <a:tailEnd type="none" w="med" len="med"/>
-                        </a:lnT>
-                        <a:lnB w="9525" cap="flat" cmpd="sng" algn="ctr">
-                          <a:solidFill>
-                            <a:schemeClr val="tx1"/>
-                          </a:solidFill>
-                          <a:prstDash val="solid"/>
-                          <a:round/>
-                          <a:headEnd type="none" w="med" len="med"/>
-                          <a:tailEnd type="none" w="med" len="med"/>
-                        </a:lnB>
-                        <a:solidFill>
-                          <a:schemeClr val="bg1"/>
-                        </a:solidFill>
-                      </a:tcPr>
-                    </a:tc>
-                    <a:extLst>
-                      <a:ext uri="{0D108BD9-81ED-4DB2-BD59-A6C34878D82A}">
-                        <a16:rowId xmlns:a16="http://schemas.microsoft.com/office/drawing/2014/main" val="3783925622"/>
-                      </a:ext>
-                    </a:extLst>
-                  </a:tr>
-                  <a:tr h="139010">
-                    <a:tc>
-                      <a:txBody>
-                        <a:bodyPr/>
-                        <a:lstStyle/>
-                        <a:p>
-                          <a:pPr algn="ctr"/>
-                          <a:r>
-                            <a:rPr kumimoji="1" lang="en-US" altLang="ja-JP" sz="800" dirty="0">
-                              <a:latin typeface="Cambria Math" panose="02040503050406030204" pitchFamily="18" charset="0"/>
-                              <a:ea typeface="Cambria Math" panose="02040503050406030204" pitchFamily="18" charset="0"/>
-                            </a:rPr>
-                            <a:t>Metadata</a:t>
-                          </a:r>
-                          <a:endParaRPr kumimoji="1" lang="ja-JP" altLang="en-US" sz="800" dirty="0">
-                            <a:latin typeface="Cambria Math" panose="02040503050406030204" pitchFamily="18" charset="0"/>
-                          </a:endParaRPr>
-                        </a:p>
-                      </a:txBody>
-                      <a:tcPr marL="17091" marR="17091" marT="8545" marB="8545" anchor="ctr">
-                        <a:lnL w="12700" cap="flat" cmpd="sng" algn="ctr">
-                          <a:solidFill>
-                            <a:schemeClr val="tx1"/>
-                          </a:solidFill>
-                          <a:prstDash val="solid"/>
-                          <a:round/>
-                          <a:headEnd type="none" w="med" len="med"/>
-                          <a:tailEnd type="none" w="med" len="med"/>
-                        </a:lnL>
-                        <a:lnR w="12700" cap="flat" cmpd="sng" algn="ctr">
-                          <a:solidFill>
-                            <a:schemeClr val="tx1"/>
-                          </a:solidFill>
-                          <a:prstDash val="solid"/>
-                          <a:round/>
-                          <a:headEnd type="none" w="med" len="med"/>
-                          <a:tailEnd type="none" w="med" len="med"/>
-                        </a:lnR>
-                        <a:lnT w="9525" cap="flat" cmpd="sng" algn="ctr">
-                          <a:solidFill>
-                            <a:schemeClr val="tx1"/>
-                          </a:solidFill>
-                          <a:prstDash val="solid"/>
-                          <a:round/>
-                          <a:headEnd type="none" w="med" len="med"/>
-                          <a:tailEnd type="none" w="med" len="med"/>
-                        </a:lnT>
-                        <a:lnB w="12700" cap="flat" cmpd="sng" algn="ctr">
-                          <a:noFill/>
-                          <a:prstDash val="solid"/>
-                          <a:round/>
-                          <a:headEnd type="none" w="med" len="med"/>
-                          <a:tailEnd type="none" w="med" len="med"/>
-                        </a:lnB>
-                        <a:solidFill>
-                          <a:schemeClr val="bg1"/>
-                        </a:solidFill>
-                      </a:tcPr>
-                    </a:tc>
-                    <a:extLst>
-                      <a:ext uri="{0D108BD9-81ED-4DB2-BD59-A6C34878D82A}">
-                        <a16:rowId xmlns:a16="http://schemas.microsoft.com/office/drawing/2014/main" val="1930659369"/>
-                      </a:ext>
-                    </a:extLst>
-                  </a:tr>
-                  <a:tr h="139010">
-                    <a:tc>
-                      <a:txBody>
-                        <a:bodyPr/>
-                        <a:lstStyle/>
-                        <a:p>
-                          <a:pPr algn="ctr"/>
-                          <a:r>
-                            <a:rPr kumimoji="1" lang="en-US" altLang="ja-JP" sz="800" dirty="0">
-                              <a:latin typeface="Cambria Math" panose="02040503050406030204" pitchFamily="18" charset="0"/>
-                            </a:rPr>
-                            <a:t>Record</a:t>
-                          </a:r>
-                          <a:endParaRPr kumimoji="1" lang="ja-JP" altLang="en-US" sz="800" dirty="0">
-                            <a:latin typeface="Cambria Math" panose="02040503050406030204" pitchFamily="18" charset="0"/>
-                          </a:endParaRPr>
-                        </a:p>
-                      </a:txBody>
-                      <a:tcPr marL="17091" marR="17091" marT="8545" marB="8545" anchor="ctr">
-                        <a:lnL w="12700" cap="flat" cmpd="sng" algn="ctr">
-                          <a:solidFill>
-                            <a:schemeClr val="tx1"/>
-                          </a:solidFill>
-                          <a:prstDash val="solid"/>
-                          <a:round/>
-                          <a:headEnd type="none" w="med" len="med"/>
-                          <a:tailEnd type="none" w="med" len="med"/>
-                        </a:lnL>
-                        <a:lnR w="12700" cap="flat" cmpd="sng" algn="ctr">
-                          <a:solidFill>
-                            <a:schemeClr val="tx1"/>
-                          </a:solidFill>
-                          <a:prstDash val="solid"/>
-                          <a:round/>
-                          <a:headEnd type="none" w="med" len="med"/>
-                          <a:tailEnd type="none" w="med" len="med"/>
-                        </a:lnR>
-                        <a:lnT w="12700" cap="flat" cmpd="sng" algn="ctr">
-                          <a:noFill/>
-                          <a:prstDash val="solid"/>
-                          <a:round/>
-                          <a:headEnd type="none" w="med" len="med"/>
-                          <a:tailEnd type="none" w="med" len="med"/>
-                        </a:lnT>
-                        <a:lnB w="9525" cap="flat" cmpd="sng" algn="ctr">
-                          <a:solidFill>
-                            <a:schemeClr val="tx1"/>
-                          </a:solidFill>
-                          <a:prstDash val="sysDot"/>
-                          <a:round/>
-                          <a:headEnd type="none" w="med" len="med"/>
-                          <a:tailEnd type="none" w="med" len="med"/>
-                        </a:lnB>
-                        <a:solidFill>
-                          <a:schemeClr val="bg1"/>
-                        </a:solidFill>
-                      </a:tcPr>
-                    </a:tc>
-                    <a:extLst>
-                      <a:ext uri="{0D108BD9-81ED-4DB2-BD59-A6C34878D82A}">
-                        <a16:rowId xmlns:a16="http://schemas.microsoft.com/office/drawing/2014/main" val="1611505625"/>
-                      </a:ext>
-                    </a:extLst>
-                  </a:tr>
-                  <a:tr h="139010">
-                    <a:tc>
-                      <a:txBody>
-                        <a:bodyPr/>
-                        <a:lstStyle/>
-                        <a:p>
-                          <a:pPr algn="ctr"/>
-                          <a:r>
-                            <a:rPr kumimoji="1" lang="en-US" altLang="ja-JP" sz="800" b="1" dirty="0">
-                              <a:solidFill>
-                                <a:schemeClr val="accent2"/>
-                              </a:solidFill>
-                              <a:latin typeface="Cambria Math" panose="02040503050406030204" pitchFamily="18" charset="0"/>
-                              <a:ea typeface="Cambria Math" panose="02040503050406030204" pitchFamily="18" charset="0"/>
-                            </a:rPr>
-                            <a:t>Space for </a:t>
-                          </a:r>
-                          <a14:m>
-                            <m:oMath xmlns:m="http://schemas.openxmlformats.org/officeDocument/2006/math">
-                              <m:r>
-                                <a:rPr kumimoji="1" lang="en-US" altLang="ja-JP" sz="800" b="1" i="0" smtClean="0">
-                                  <a:solidFill>
-                                    <a:schemeClr val="accent2"/>
-                                  </a:solidFill>
-                                  <a:latin typeface="Cambria Math" panose="02040503050406030204" pitchFamily="18" charset="0"/>
-                                </a:rPr>
-                                <m:t>𝚫</m:t>
-                              </m:r>
-                            </m:oMath>
-                          </a14:m>
-                          <a:endParaRPr kumimoji="1" lang="ja-JP" altLang="en-US" sz="800" b="1" dirty="0">
-                            <a:solidFill>
-                              <a:schemeClr val="accent2"/>
-                            </a:solidFill>
-                            <a:latin typeface="Cambria Math" panose="02040503050406030204" pitchFamily="18" charset="0"/>
-                          </a:endParaRPr>
-                        </a:p>
-                      </a:txBody>
-                      <a:tcPr marL="17091" marR="17091" marT="8545" marB="8545" anchor="ctr">
-                        <a:lnL w="12700" cap="flat" cmpd="sng" algn="ctr">
-                          <a:solidFill>
-                            <a:schemeClr val="tx1"/>
-                          </a:solidFill>
-                          <a:prstDash val="solid"/>
-                          <a:round/>
-                          <a:headEnd type="none" w="med" len="med"/>
-                          <a:tailEnd type="none" w="med" len="med"/>
-                        </a:lnL>
-                        <a:lnR w="12700" cap="flat" cmpd="sng" algn="ctr">
-                          <a:solidFill>
-                            <a:schemeClr val="tx1"/>
-                          </a:solidFill>
-                          <a:prstDash val="solid"/>
-                          <a:round/>
-                          <a:headEnd type="none" w="med" len="med"/>
-                          <a:tailEnd type="none" w="med" len="med"/>
-                        </a:lnR>
-                        <a:lnT w="9525" cap="flat" cmpd="sng" algn="ctr">
-                          <a:solidFill>
-                            <a:schemeClr val="tx1"/>
-                          </a:solidFill>
-                          <a:prstDash val="sysDot"/>
-                          <a:round/>
-                          <a:headEnd type="none" w="med" len="med"/>
-                          <a:tailEnd type="none" w="med" len="med"/>
-                        </a:lnT>
-                        <a:lnB w="12700" cap="flat" cmpd="sng" algn="ctr">
-                          <a:solidFill>
-                            <a:schemeClr val="tx1"/>
-                          </a:solidFill>
-                          <a:prstDash val="solid"/>
-                          <a:round/>
-                          <a:headEnd type="none" w="med" len="med"/>
-                          <a:tailEnd type="none" w="med" len="med"/>
-                        </a:lnB>
-                        <a:solidFill>
-                          <a:schemeClr val="accent2">
-                            <a:lumMod val="20000"/>
-                            <a:lumOff val="80000"/>
-                          </a:schemeClr>
-                        </a:solidFill>
-                      </a:tcPr>
-                    </a:tc>
-                    <a:extLst>
-                      <a:ext uri="{0D108BD9-81ED-4DB2-BD59-A6C34878D82A}">
-                        <a16:rowId xmlns:a16="http://schemas.microsoft.com/office/drawing/2014/main" val="4013838990"/>
-                      </a:ext>
-                    </a:extLst>
-                  </a:tr>
-                </a:tbl>
-              </a:graphicData>
-            </a:graphic>
-          </p:graphicFrame>
-        </mc:Choice>
-        <mc:Fallback xmlns="">
-          <p:graphicFrame>
-            <p:nvGraphicFramePr>
-              <p:cNvPr id="150" name="表 49">
-                <a:extLst>
-                  <a:ext uri="{FF2B5EF4-FFF2-40B4-BE49-F238E27FC236}">
-                    <a16:creationId xmlns:a16="http://schemas.microsoft.com/office/drawing/2014/main" id="{2298FFFC-CD2D-D0EB-0436-959E0DEEBFBB}"/>
-                  </a:ext>
-                </a:extLst>
-              </p:cNvPr>
-              <p:cNvGraphicFramePr>
-                <a:graphicFrameLocks noGrp="1"/>
-              </p:cNvGraphicFramePr>
-              <p:nvPr>
-                <p:extLst>
-                  <p:ext uri="{D42A27DB-BD31-4B8C-83A1-F6EECF244321}">
-                    <p14:modId xmlns:p14="http://schemas.microsoft.com/office/powerpoint/2010/main" val="2043525327"/>
-                  </p:ext>
-                </p:extLst>
-              </p:nvPr>
-            </p:nvGraphicFramePr>
-            <p:xfrm>
-              <a:off x="3446247" y="1104295"/>
-              <a:ext cx="518400" cy="556040"/>
-            </p:xfrm>
-            <a:graphic>
-              <a:graphicData uri="http://schemas.openxmlformats.org/drawingml/2006/table">
-                <a:tbl>
-                  <a:tblPr firstRow="1" bandRow="1">
-                    <a:tableStyleId>{2D5ABB26-0587-4C30-8999-92F81FD0307C}</a:tableStyleId>
-                  </a:tblPr>
-                  <a:tblGrid>
-                    <a:gridCol w="518400">
-                      <a:extLst>
-                        <a:ext uri="{9D8B030D-6E8A-4147-A177-3AD203B41FA5}">
-                          <a16:colId xmlns:a16="http://schemas.microsoft.com/office/drawing/2014/main" val="1391329631"/>
-                        </a:ext>
-                      </a:extLst>
-                    </a:gridCol>
-                  </a:tblGrid>
-                  <a:tr h="139010">
-                    <a:tc>
-                      <a:txBody>
-                        <a:bodyPr/>
-                        <a:lstStyle/>
-                        <a:p>
-                          <a:endParaRPr lang="ja-JP"/>
-                        </a:p>
-                      </a:txBody>
-                      <a:tcPr marL="17091" marR="17091" marT="8545" marB="8545" anchor="ctr">
-                        <a:lnL w="12700" cap="flat" cmpd="sng" algn="ctr">
-                          <a:solidFill>
-                            <a:schemeClr val="tx1"/>
-                          </a:solidFill>
-                          <a:prstDash val="solid"/>
-                          <a:round/>
-                          <a:headEnd type="none" w="med" len="med"/>
-                          <a:tailEnd type="none" w="med" len="med"/>
-                        </a:lnL>
-                        <a:lnR w="12700" cap="flat" cmpd="sng" algn="ctr">
-                          <a:solidFill>
-                            <a:schemeClr val="tx1"/>
-                          </a:solidFill>
-                          <a:prstDash val="solid"/>
-                          <a:round/>
-                          <a:headEnd type="none" w="med" len="med"/>
-                          <a:tailEnd type="none" w="med" len="med"/>
-                        </a:lnR>
-                        <a:lnT w="12700" cap="flat" cmpd="sng" algn="ctr">
-                          <a:solidFill>
-                            <a:schemeClr val="tx1"/>
-                          </a:solidFill>
-                          <a:prstDash val="solid"/>
-                          <a:round/>
-                          <a:headEnd type="none" w="med" len="med"/>
-                          <a:tailEnd type="none" w="med" len="med"/>
-                        </a:lnT>
-                        <a:lnB w="9525" cap="flat" cmpd="sng" algn="ctr">
-                          <a:solidFill>
-                            <a:schemeClr val="tx1"/>
-                          </a:solidFill>
-                          <a:prstDash val="solid"/>
-                          <a:round/>
-                          <a:headEnd type="none" w="med" len="med"/>
-                          <a:tailEnd type="none" w="med" len="med"/>
-                        </a:lnB>
-                        <a:blipFill>
-                          <a:blip r:embed="rId5"/>
-                          <a:stretch>
-                            <a:fillRect l="-1163" t="-17391" r="-2326" b="-334783"/>
-                          </a:stretch>
-                        </a:blipFill>
-                      </a:tcPr>
-                    </a:tc>
-                    <a:extLst>
-                      <a:ext uri="{0D108BD9-81ED-4DB2-BD59-A6C34878D82A}">
-                        <a16:rowId xmlns:a16="http://schemas.microsoft.com/office/drawing/2014/main" val="3783925622"/>
-                      </a:ext>
-                    </a:extLst>
-                  </a:tr>
-                  <a:tr h="139010">
-                    <a:tc>
-                      <a:txBody>
-                        <a:bodyPr/>
-                        <a:lstStyle/>
-                        <a:p>
-                          <a:pPr algn="ctr"/>
-                          <a:r>
-                            <a:rPr kumimoji="1" lang="en-US" altLang="ja-JP" sz="800" dirty="0">
-                              <a:latin typeface="Cambria Math" panose="02040503050406030204" pitchFamily="18" charset="0"/>
-                              <a:ea typeface="Cambria Math" panose="02040503050406030204" pitchFamily="18" charset="0"/>
-                            </a:rPr>
-                            <a:t>Metadata</a:t>
-                          </a:r>
-                          <a:endParaRPr kumimoji="1" lang="ja-JP" altLang="en-US" sz="800" dirty="0">
-                            <a:latin typeface="Cambria Math" panose="02040503050406030204" pitchFamily="18" charset="0"/>
-                          </a:endParaRPr>
-                        </a:p>
-                      </a:txBody>
-                      <a:tcPr marL="17091" marR="17091" marT="8545" marB="8545" anchor="ctr">
-                        <a:lnL w="12700" cap="flat" cmpd="sng" algn="ctr">
-                          <a:solidFill>
-                            <a:schemeClr val="tx1"/>
-                          </a:solidFill>
-                          <a:prstDash val="solid"/>
-                          <a:round/>
-                          <a:headEnd type="none" w="med" len="med"/>
-                          <a:tailEnd type="none" w="med" len="med"/>
-                        </a:lnL>
-                        <a:lnR w="12700" cap="flat" cmpd="sng" algn="ctr">
-                          <a:solidFill>
-                            <a:schemeClr val="tx1"/>
-                          </a:solidFill>
-                          <a:prstDash val="solid"/>
-                          <a:round/>
-                          <a:headEnd type="none" w="med" len="med"/>
-                          <a:tailEnd type="none" w="med" len="med"/>
-                        </a:lnR>
-                        <a:lnT w="9525" cap="flat" cmpd="sng" algn="ctr">
-                          <a:solidFill>
-                            <a:schemeClr val="tx1"/>
-                          </a:solidFill>
-                          <a:prstDash val="solid"/>
-                          <a:round/>
-                          <a:headEnd type="none" w="med" len="med"/>
-                          <a:tailEnd type="none" w="med" len="med"/>
-                        </a:lnT>
-                        <a:lnB w="12700" cap="flat" cmpd="sng" algn="ctr">
-                          <a:noFill/>
-                          <a:prstDash val="solid"/>
-                          <a:round/>
-                          <a:headEnd type="none" w="med" len="med"/>
-                          <a:tailEnd type="none" w="med" len="med"/>
-                        </a:lnB>
-                        <a:solidFill>
-                          <a:schemeClr val="bg1"/>
-                        </a:solidFill>
-                      </a:tcPr>
-                    </a:tc>
-                    <a:extLst>
-                      <a:ext uri="{0D108BD9-81ED-4DB2-BD59-A6C34878D82A}">
-                        <a16:rowId xmlns:a16="http://schemas.microsoft.com/office/drawing/2014/main" val="1930659369"/>
-                      </a:ext>
-                    </a:extLst>
-                  </a:tr>
-                  <a:tr h="139010">
-                    <a:tc>
-                      <a:txBody>
-                        <a:bodyPr/>
-                        <a:lstStyle/>
-                        <a:p>
-                          <a:pPr algn="ctr"/>
-                          <a:r>
-                            <a:rPr kumimoji="1" lang="en-US" altLang="ja-JP" sz="800" dirty="0">
-                              <a:latin typeface="Cambria Math" panose="02040503050406030204" pitchFamily="18" charset="0"/>
-                            </a:rPr>
-                            <a:t>Record</a:t>
-                          </a:r>
-                          <a:endParaRPr kumimoji="1" lang="ja-JP" altLang="en-US" sz="800" dirty="0">
-                            <a:latin typeface="Cambria Math" panose="02040503050406030204" pitchFamily="18" charset="0"/>
-                          </a:endParaRPr>
-                        </a:p>
-                      </a:txBody>
-                      <a:tcPr marL="17091" marR="17091" marT="8545" marB="8545" anchor="ctr">
-                        <a:lnL w="12700" cap="flat" cmpd="sng" algn="ctr">
-                          <a:solidFill>
-                            <a:schemeClr val="tx1"/>
-                          </a:solidFill>
-                          <a:prstDash val="solid"/>
-                          <a:round/>
-                          <a:headEnd type="none" w="med" len="med"/>
-                          <a:tailEnd type="none" w="med" len="med"/>
-                        </a:lnL>
-                        <a:lnR w="12700" cap="flat" cmpd="sng" algn="ctr">
-                          <a:solidFill>
-                            <a:schemeClr val="tx1"/>
-                          </a:solidFill>
-                          <a:prstDash val="solid"/>
-                          <a:round/>
-                          <a:headEnd type="none" w="med" len="med"/>
-                          <a:tailEnd type="none" w="med" len="med"/>
-                        </a:lnR>
-                        <a:lnT w="12700" cap="flat" cmpd="sng" algn="ctr">
-                          <a:noFill/>
-                          <a:prstDash val="solid"/>
-                          <a:round/>
-                          <a:headEnd type="none" w="med" len="med"/>
-                          <a:tailEnd type="none" w="med" len="med"/>
-                        </a:lnT>
-                        <a:lnB w="9525" cap="flat" cmpd="sng" algn="ctr">
-                          <a:solidFill>
-                            <a:schemeClr val="tx1"/>
-                          </a:solidFill>
-                          <a:prstDash val="sysDot"/>
-                          <a:round/>
-                          <a:headEnd type="none" w="med" len="med"/>
-                          <a:tailEnd type="none" w="med" len="med"/>
-                        </a:lnB>
-                        <a:solidFill>
-                          <a:schemeClr val="bg1"/>
-                        </a:solidFill>
-                      </a:tcPr>
-                    </a:tc>
-                    <a:extLst>
-                      <a:ext uri="{0D108BD9-81ED-4DB2-BD59-A6C34878D82A}">
-                        <a16:rowId xmlns:a16="http://schemas.microsoft.com/office/drawing/2014/main" val="1611505625"/>
-                      </a:ext>
-                    </a:extLst>
-                  </a:tr>
-                  <a:tr h="139010">
-                    <a:tc>
-                      <a:txBody>
-                        <a:bodyPr/>
-                        <a:lstStyle/>
-                        <a:p>
-                          <a:endParaRPr lang="ja-JP"/>
-                        </a:p>
-                      </a:txBody>
-                      <a:tcPr marL="17091" marR="17091" marT="8545" marB="8545" anchor="ctr">
-                        <a:lnL w="12700" cap="flat" cmpd="sng" algn="ctr">
-                          <a:solidFill>
-                            <a:schemeClr val="tx1"/>
-                          </a:solidFill>
-                          <a:prstDash val="solid"/>
-                          <a:round/>
-                          <a:headEnd type="none" w="med" len="med"/>
-                          <a:tailEnd type="none" w="med" len="med"/>
-                        </a:lnL>
-                        <a:lnR w="12700" cap="flat" cmpd="sng" algn="ctr">
-                          <a:solidFill>
-                            <a:schemeClr val="tx1"/>
-                          </a:solidFill>
-                          <a:prstDash val="solid"/>
-                          <a:round/>
-                          <a:headEnd type="none" w="med" len="med"/>
-                          <a:tailEnd type="none" w="med" len="med"/>
-                        </a:lnR>
-                        <a:lnT w="9525" cap="flat" cmpd="sng" algn="ctr">
-                          <a:solidFill>
-                            <a:schemeClr val="tx1"/>
-                          </a:solidFill>
-                          <a:prstDash val="sysDot"/>
-                          <a:round/>
-                          <a:headEnd type="none" w="med" len="med"/>
-                          <a:tailEnd type="none" w="med" len="med"/>
-                        </a:lnT>
-                        <a:lnB w="12700" cap="flat" cmpd="sng" algn="ctr">
-                          <a:solidFill>
-                            <a:schemeClr val="tx1"/>
-                          </a:solidFill>
-                          <a:prstDash val="solid"/>
-                          <a:round/>
-                          <a:headEnd type="none" w="med" len="med"/>
-                          <a:tailEnd type="none" w="med" len="med"/>
-                        </a:lnB>
-                        <a:blipFill>
-                          <a:blip r:embed="rId5"/>
-                          <a:stretch>
-                            <a:fillRect l="-1163" t="-317391" r="-2326" b="-34783"/>
-                          </a:stretch>
-                        </a:blipFill>
-                      </a:tcPr>
-                    </a:tc>
-                    <a:extLst>
-                      <a:ext uri="{0D108BD9-81ED-4DB2-BD59-A6C34878D82A}">
-                        <a16:rowId xmlns:a16="http://schemas.microsoft.com/office/drawing/2014/main" val="4013838990"/>
-                      </a:ext>
-                    </a:extLst>
-                  </a:tr>
-                </a:tbl>
-              </a:graphicData>
-            </a:graphic>
-          </p:graphicFrame>
-        </mc:Fallback>
-      </mc:AlternateContent>
-      <p:cxnSp>
-        <p:nvCxnSpPr>
-          <p:cNvPr id="158" name="直線矢印コネクタ 157">
-            <a:extLst>
-              <a:ext uri="{FF2B5EF4-FFF2-40B4-BE49-F238E27FC236}">
-                <a16:creationId xmlns:a16="http://schemas.microsoft.com/office/drawing/2014/main" id="{05E0A1DA-968A-2C5B-3A5C-6B1A98910278}"/>
-              </a:ext>
-            </a:extLst>
-          </p:cNvPr>
-          <p:cNvCxnSpPr>
-            <a:cxnSpLocks/>
-            <a:endCxn id="47" idx="2"/>
-          </p:cNvCxnSpPr>
-          <p:nvPr/>
-        </p:nvCxnSpPr>
-        <p:spPr>
-          <a:xfrm flipV="1">
-            <a:off x="982011" y="399330"/>
-            <a:ext cx="2605198" cy="263191"/>
-          </a:xfrm>
-          <a:prstGeom prst="straightConnector1">
-            <a:avLst/>
-          </a:prstGeom>
-          <a:ln w="12700">
-            <a:solidFill>
-              <a:schemeClr val="tx1"/>
-            </a:solidFill>
-            <a:tailEnd type="triangle"/>
-          </a:ln>
-        </p:spPr>
-        <p:style>
-          <a:lnRef idx="1">
-            <a:schemeClr val="accent1"/>
-          </a:lnRef>
-          <a:fillRef idx="0">
-            <a:schemeClr val="accent1"/>
-          </a:fillRef>
-          <a:effectRef idx="0">
-            <a:schemeClr val="accent1"/>
-          </a:effectRef>
-          <a:fontRef idx="minor">
-            <a:schemeClr val="tx1"/>
-          </a:fontRef>
-        </p:style>
-      </p:cxnSp>
-      <p:cxnSp>
-        <p:nvCxnSpPr>
-          <p:cNvPr id="159" name="直線矢印コネクタ 158">
-            <a:extLst>
-              <a:ext uri="{FF2B5EF4-FFF2-40B4-BE49-F238E27FC236}">
-                <a16:creationId xmlns:a16="http://schemas.microsoft.com/office/drawing/2014/main" id="{E5FB3492-3709-A5AC-7333-66525C7F31EC}"/>
-              </a:ext>
-            </a:extLst>
-          </p:cNvPr>
-          <p:cNvCxnSpPr>
-            <a:cxnSpLocks/>
-          </p:cNvCxnSpPr>
-          <p:nvPr/>
-        </p:nvCxnSpPr>
-        <p:spPr>
-          <a:xfrm>
-            <a:off x="982013" y="1087275"/>
-            <a:ext cx="1143127" cy="84300"/>
-          </a:xfrm>
-          <a:prstGeom prst="straightConnector1">
-            <a:avLst/>
-          </a:prstGeom>
-          <a:ln w="12700">
-            <a:solidFill>
-              <a:schemeClr val="tx1"/>
-            </a:solidFill>
-            <a:tailEnd type="triangle"/>
-          </a:ln>
-        </p:spPr>
-        <p:style>
-          <a:lnRef idx="1">
-            <a:schemeClr val="accent1"/>
-          </a:lnRef>
-          <a:fillRef idx="0">
-            <a:schemeClr val="accent1"/>
-          </a:fillRef>
-          <a:effectRef idx="0">
-            <a:schemeClr val="accent1"/>
-          </a:effectRef>
-          <a:fontRef idx="minor">
-            <a:schemeClr val="tx1"/>
-          </a:fontRef>
-        </p:style>
-      </p:cxnSp>
-      <mc:AlternateContent xmlns:mc="http://schemas.openxmlformats.org/markup-compatibility/2006" xmlns:a14="http://schemas.microsoft.com/office/drawing/2010/main">
-        <mc:Choice Requires="a14">
-          <p:graphicFrame>
-            <p:nvGraphicFramePr>
-              <p:cNvPr id="162" name="表 49">
-                <a:extLst>
-                  <a:ext uri="{FF2B5EF4-FFF2-40B4-BE49-F238E27FC236}">
-                    <a16:creationId xmlns:a16="http://schemas.microsoft.com/office/drawing/2014/main" id="{2C8AED33-8AE2-8A8C-3CA3-8DC782B992F1}"/>
-                  </a:ext>
-                </a:extLst>
-              </p:cNvPr>
-              <p:cNvGraphicFramePr>
-                <a:graphicFrameLocks noGrp="1"/>
-              </p:cNvGraphicFramePr>
-              <p:nvPr>
-                <p:extLst>
-                  <p:ext uri="{D42A27DB-BD31-4B8C-83A1-F6EECF244321}">
-                    <p14:modId xmlns:p14="http://schemas.microsoft.com/office/powerpoint/2010/main" val="489635120"/>
-                  </p:ext>
-                </p:extLst>
-              </p:nvPr>
-            </p:nvGraphicFramePr>
-            <p:xfrm>
-              <a:off x="4918615" y="1104295"/>
-              <a:ext cx="518400" cy="556040"/>
-            </p:xfrm>
-            <a:graphic>
-              <a:graphicData uri="http://schemas.openxmlformats.org/drawingml/2006/table">
-                <a:tbl>
-                  <a:tblPr firstRow="1" bandRow="1">
-                    <a:tableStyleId>{2D5ABB26-0587-4C30-8999-92F81FD0307C}</a:tableStyleId>
-                  </a:tblPr>
-                  <a:tblGrid>
-                    <a:gridCol w="518400">
-                      <a:extLst>
-                        <a:ext uri="{9D8B030D-6E8A-4147-A177-3AD203B41FA5}">
-                          <a16:colId xmlns:a16="http://schemas.microsoft.com/office/drawing/2014/main" val="1391329631"/>
-                        </a:ext>
-                      </a:extLst>
-                    </a:gridCol>
-                  </a:tblGrid>
-                  <a:tr h="139010">
-                    <a:tc>
-                      <a:txBody>
-                        <a:bodyPr/>
-                        <a:lstStyle/>
-                        <a:p>
-                          <a:pPr algn="ctr"/>
-                          <a14:m>
-                            <m:oMath xmlns:m="http://schemas.openxmlformats.org/officeDocument/2006/math">
-                              <m:sSup>
-                                <m:sSupPr>
-                                  <m:ctrlPr>
-                                    <a:rPr kumimoji="1" lang="en-US" altLang="ja-JP" sz="800" b="0" i="1" smtClean="0">
-                                      <a:latin typeface="Cambria Math" panose="02040503050406030204" pitchFamily="18" charset="0"/>
-                                    </a:rPr>
-                                  </m:ctrlPr>
-                                </m:sSupPr>
-                                <m:e>
-                                  <m:r>
-                                    <m:rPr>
-                                      <m:sty m:val="p"/>
-                                    </m:rPr>
-                                    <a:rPr kumimoji="1" lang="en-US" altLang="ja-JP" sz="800" b="0" i="0" smtClean="0">
-                                      <a:latin typeface="Cambria Math" panose="02040503050406030204" pitchFamily="18" charset="0"/>
-                                    </a:rPr>
-                                    <m:t>E</m:t>
-                                  </m:r>
-                                </m:e>
-                                <m:sup>
-                                  <m:r>
-                                    <a:rPr kumimoji="1" lang="en-US" altLang="ja-JP" sz="800" b="0" i="1" smtClean="0">
-                                      <a:latin typeface="Cambria Math" panose="02040503050406030204" pitchFamily="18" charset="0"/>
-                                    </a:rPr>
-                                    <m:t>𝑅</m:t>
-                                  </m:r>
-                                </m:sup>
-                              </m:sSup>
-                            </m:oMath>
-                          </a14:m>
-                          <a:r>
-                            <a:rPr kumimoji="1" lang="en-US" altLang="ja-JP" sz="800" dirty="0">
-                              <a:latin typeface="Cambria Math" panose="02040503050406030204" pitchFamily="18" charset="0"/>
-                            </a:rPr>
-                            <a:t>: Header</a:t>
-                          </a:r>
-                          <a:endParaRPr kumimoji="1" lang="ja-JP" altLang="en-US" sz="800" dirty="0">
-                            <a:latin typeface="Cambria Math" panose="02040503050406030204" pitchFamily="18" charset="0"/>
-                          </a:endParaRPr>
-                        </a:p>
-                      </a:txBody>
-                      <a:tcPr marL="17091" marR="17091" marT="8545" marB="8545" anchor="ctr">
-                        <a:lnL w="12700" cap="flat" cmpd="sng" algn="ctr">
-                          <a:solidFill>
-                            <a:schemeClr val="tx1"/>
-                          </a:solidFill>
-                          <a:prstDash val="solid"/>
-                          <a:round/>
-                          <a:headEnd type="none" w="med" len="med"/>
-                          <a:tailEnd type="none" w="med" len="med"/>
-                        </a:lnL>
-                        <a:lnR w="12700" cap="flat" cmpd="sng" algn="ctr">
-                          <a:solidFill>
-                            <a:schemeClr val="tx1"/>
-                          </a:solidFill>
-                          <a:prstDash val="solid"/>
-                          <a:round/>
-                          <a:headEnd type="none" w="med" len="med"/>
-                          <a:tailEnd type="none" w="med" len="med"/>
-                        </a:lnR>
-                        <a:lnT w="12700" cap="flat" cmpd="sng" algn="ctr">
-                          <a:solidFill>
-                            <a:schemeClr val="tx1"/>
-                          </a:solidFill>
-                          <a:prstDash val="solid"/>
-                          <a:round/>
-                          <a:headEnd type="none" w="med" len="med"/>
-                          <a:tailEnd type="none" w="med" len="med"/>
-                        </a:lnT>
-                        <a:lnB w="9525" cap="flat" cmpd="sng" algn="ctr">
-                          <a:solidFill>
-                            <a:schemeClr val="tx1"/>
-                          </a:solidFill>
-                          <a:prstDash val="solid"/>
-                          <a:round/>
-                          <a:headEnd type="none" w="med" len="med"/>
-                          <a:tailEnd type="none" w="med" len="med"/>
-                        </a:lnB>
-                        <a:solidFill>
-                          <a:schemeClr val="bg1"/>
-                        </a:solidFill>
-                      </a:tcPr>
-                    </a:tc>
-                    <a:extLst>
-                      <a:ext uri="{0D108BD9-81ED-4DB2-BD59-A6C34878D82A}">
-                        <a16:rowId xmlns:a16="http://schemas.microsoft.com/office/drawing/2014/main" val="3783925622"/>
-                      </a:ext>
-                    </a:extLst>
-                  </a:tr>
-                  <a:tr h="139010">
-                    <a:tc>
-                      <a:txBody>
-                        <a:bodyPr/>
-                        <a:lstStyle/>
-                        <a:p>
-                          <a:pPr algn="ctr"/>
-                          <a:r>
-                            <a:rPr kumimoji="1" lang="en-US" altLang="ja-JP" sz="800" dirty="0">
-                              <a:latin typeface="Cambria Math" panose="02040503050406030204" pitchFamily="18" charset="0"/>
-                              <a:ea typeface="Cambria Math" panose="02040503050406030204" pitchFamily="18" charset="0"/>
-                            </a:rPr>
-                            <a:t>Metadata</a:t>
-                          </a:r>
-                          <a:endParaRPr kumimoji="1" lang="ja-JP" altLang="en-US" sz="800" dirty="0">
-                            <a:latin typeface="Cambria Math" panose="02040503050406030204" pitchFamily="18" charset="0"/>
-                          </a:endParaRPr>
-                        </a:p>
-                      </a:txBody>
-                      <a:tcPr marL="17091" marR="17091" marT="8545" marB="8545" anchor="ctr">
-                        <a:lnL w="12700" cap="flat" cmpd="sng" algn="ctr">
-                          <a:solidFill>
-                            <a:schemeClr val="tx1"/>
-                          </a:solidFill>
-                          <a:prstDash val="solid"/>
-                          <a:round/>
-                          <a:headEnd type="none" w="med" len="med"/>
-                          <a:tailEnd type="none" w="med" len="med"/>
-                        </a:lnL>
-                        <a:lnR w="12700" cap="flat" cmpd="sng" algn="ctr">
-                          <a:solidFill>
-                            <a:schemeClr val="tx1"/>
-                          </a:solidFill>
-                          <a:prstDash val="solid"/>
-                          <a:round/>
-                          <a:headEnd type="none" w="med" len="med"/>
-                          <a:tailEnd type="none" w="med" len="med"/>
-                        </a:lnR>
-                        <a:lnT w="9525" cap="flat" cmpd="sng" algn="ctr">
-                          <a:solidFill>
-                            <a:schemeClr val="tx1"/>
-                          </a:solidFill>
-                          <a:prstDash val="solid"/>
-                          <a:round/>
-                          <a:headEnd type="none" w="med" len="med"/>
-                          <a:tailEnd type="none" w="med" len="med"/>
-                        </a:lnT>
-                        <a:lnB w="12700" cap="flat" cmpd="sng" algn="ctr">
-                          <a:noFill/>
-                          <a:prstDash val="solid"/>
-                          <a:round/>
-                          <a:headEnd type="none" w="med" len="med"/>
-                          <a:tailEnd type="none" w="med" len="med"/>
-                        </a:lnB>
-                        <a:solidFill>
-                          <a:schemeClr val="bg1"/>
-                        </a:solidFill>
-                      </a:tcPr>
-                    </a:tc>
-                    <a:extLst>
-                      <a:ext uri="{0D108BD9-81ED-4DB2-BD59-A6C34878D82A}">
-                        <a16:rowId xmlns:a16="http://schemas.microsoft.com/office/drawing/2014/main" val="1930659369"/>
-                      </a:ext>
-                    </a:extLst>
-                  </a:tr>
-                  <a:tr h="139010">
-                    <a:tc>
-                      <a:txBody>
-                        <a:bodyPr/>
-                        <a:lstStyle/>
-                        <a:p>
-                          <a:pPr algn="ctr"/>
-                          <a:r>
-                            <a:rPr kumimoji="1" lang="en-US" altLang="ja-JP" sz="800" dirty="0">
-                              <a:latin typeface="Cambria Math" panose="02040503050406030204" pitchFamily="18" charset="0"/>
-                            </a:rPr>
-                            <a:t>Record</a:t>
-                          </a:r>
-                          <a:endParaRPr kumimoji="1" lang="ja-JP" altLang="en-US" sz="800" dirty="0">
-                            <a:latin typeface="Cambria Math" panose="02040503050406030204" pitchFamily="18" charset="0"/>
-                          </a:endParaRPr>
-                        </a:p>
-                      </a:txBody>
-                      <a:tcPr marL="17091" marR="17091" marT="8545" marB="8545" anchor="ctr">
-                        <a:lnL w="12700" cap="flat" cmpd="sng" algn="ctr">
-                          <a:solidFill>
-                            <a:schemeClr val="tx1"/>
-                          </a:solidFill>
-                          <a:prstDash val="solid"/>
-                          <a:round/>
-                          <a:headEnd type="none" w="med" len="med"/>
-                          <a:tailEnd type="none" w="med" len="med"/>
-                        </a:lnL>
-                        <a:lnR w="12700" cap="flat" cmpd="sng" algn="ctr">
-                          <a:solidFill>
-                            <a:schemeClr val="tx1"/>
-                          </a:solidFill>
-                          <a:prstDash val="solid"/>
-                          <a:round/>
-                          <a:headEnd type="none" w="med" len="med"/>
-                          <a:tailEnd type="none" w="med" len="med"/>
-                        </a:lnR>
-                        <a:lnT w="12700" cap="flat" cmpd="sng" algn="ctr">
-                          <a:noFill/>
-                          <a:prstDash val="solid"/>
-                          <a:round/>
-                          <a:headEnd type="none" w="med" len="med"/>
-                          <a:tailEnd type="none" w="med" len="med"/>
-                        </a:lnT>
-                        <a:lnB w="9525" cap="flat" cmpd="sng" algn="ctr">
-                          <a:solidFill>
-                            <a:schemeClr val="tx1"/>
-                          </a:solidFill>
-                          <a:prstDash val="sysDot"/>
-                          <a:round/>
-                          <a:headEnd type="none" w="med" len="med"/>
-                          <a:tailEnd type="none" w="med" len="med"/>
-                        </a:lnB>
-                        <a:solidFill>
-                          <a:schemeClr val="bg1"/>
-                        </a:solidFill>
-                      </a:tcPr>
-                    </a:tc>
-                    <a:extLst>
-                      <a:ext uri="{0D108BD9-81ED-4DB2-BD59-A6C34878D82A}">
-                        <a16:rowId xmlns:a16="http://schemas.microsoft.com/office/drawing/2014/main" val="1611505625"/>
-                      </a:ext>
-                    </a:extLst>
-                  </a:tr>
-                  <a:tr h="139010">
-                    <a:tc>
-                      <a:txBody>
-                        <a:bodyPr/>
-                        <a:lstStyle/>
-                        <a:p>
-                          <a:pPr algn="ctr"/>
-                          <a:r>
-                            <a:rPr kumimoji="1" lang="en-US" altLang="ja-JP" sz="800" b="1" dirty="0">
-                              <a:solidFill>
-                                <a:schemeClr val="accent2"/>
-                              </a:solidFill>
-                              <a:latin typeface="Cambria Math" panose="02040503050406030204" pitchFamily="18" charset="0"/>
-                              <a:ea typeface="Cambria Math" panose="02040503050406030204" pitchFamily="18" charset="0"/>
-                            </a:rPr>
-                            <a:t>Space for </a:t>
-                          </a:r>
-                          <a14:m>
-                            <m:oMath xmlns:m="http://schemas.openxmlformats.org/officeDocument/2006/math">
-                              <m:r>
-                                <a:rPr kumimoji="1" lang="en-US" altLang="ja-JP" sz="800" b="1" i="0" smtClean="0">
-                                  <a:solidFill>
-                                    <a:schemeClr val="accent2"/>
-                                  </a:solidFill>
-                                  <a:latin typeface="Cambria Math" panose="02040503050406030204" pitchFamily="18" charset="0"/>
-                                </a:rPr>
-                                <m:t>𝚫</m:t>
-                              </m:r>
-                            </m:oMath>
-                          </a14:m>
-                          <a:endParaRPr kumimoji="1" lang="ja-JP" altLang="en-US" sz="800" b="1" dirty="0">
-                            <a:solidFill>
-                              <a:schemeClr val="accent2"/>
-                            </a:solidFill>
-                            <a:latin typeface="Cambria Math" panose="02040503050406030204" pitchFamily="18" charset="0"/>
-                          </a:endParaRPr>
-                        </a:p>
-                      </a:txBody>
-                      <a:tcPr marL="17091" marR="17091" marT="8545" marB="8545" anchor="ctr">
-                        <a:lnL w="12700" cap="flat" cmpd="sng" algn="ctr">
-                          <a:solidFill>
-                            <a:schemeClr val="tx1"/>
-                          </a:solidFill>
-                          <a:prstDash val="solid"/>
-                          <a:round/>
-                          <a:headEnd type="none" w="med" len="med"/>
-                          <a:tailEnd type="none" w="med" len="med"/>
-                        </a:lnL>
-                        <a:lnR w="12700" cap="flat" cmpd="sng" algn="ctr">
-                          <a:solidFill>
-                            <a:schemeClr val="tx1"/>
-                          </a:solidFill>
-                          <a:prstDash val="solid"/>
-                          <a:round/>
-                          <a:headEnd type="none" w="med" len="med"/>
-                          <a:tailEnd type="none" w="med" len="med"/>
-                        </a:lnR>
-                        <a:lnT w="9525" cap="flat" cmpd="sng" algn="ctr">
-                          <a:solidFill>
-                            <a:schemeClr val="tx1"/>
-                          </a:solidFill>
-                          <a:prstDash val="sysDot"/>
-                          <a:round/>
-                          <a:headEnd type="none" w="med" len="med"/>
-                          <a:tailEnd type="none" w="med" len="med"/>
-                        </a:lnT>
-                        <a:lnB w="12700" cap="flat" cmpd="sng" algn="ctr">
-                          <a:solidFill>
-                            <a:schemeClr val="tx1"/>
-                          </a:solidFill>
-                          <a:prstDash val="solid"/>
-                          <a:round/>
-                          <a:headEnd type="none" w="med" len="med"/>
-                          <a:tailEnd type="none" w="med" len="med"/>
-                        </a:lnB>
-                        <a:solidFill>
-                          <a:schemeClr val="accent2">
-                            <a:lumMod val="20000"/>
-                            <a:lumOff val="80000"/>
-                          </a:schemeClr>
-                        </a:solidFill>
-                      </a:tcPr>
-                    </a:tc>
-                    <a:extLst>
-                      <a:ext uri="{0D108BD9-81ED-4DB2-BD59-A6C34878D82A}">
-                        <a16:rowId xmlns:a16="http://schemas.microsoft.com/office/drawing/2014/main" val="4013838990"/>
-                      </a:ext>
-                    </a:extLst>
-                  </a:tr>
-                </a:tbl>
-              </a:graphicData>
-            </a:graphic>
-          </p:graphicFrame>
-        </mc:Choice>
-        <mc:Fallback xmlns="">
-          <p:graphicFrame>
-            <p:nvGraphicFramePr>
-              <p:cNvPr id="162" name="表 49">
-                <a:extLst>
-                  <a:ext uri="{FF2B5EF4-FFF2-40B4-BE49-F238E27FC236}">
-                    <a16:creationId xmlns:a16="http://schemas.microsoft.com/office/drawing/2014/main" id="{2C8AED33-8AE2-8A8C-3CA3-8DC782B992F1}"/>
-                  </a:ext>
-                </a:extLst>
-              </p:cNvPr>
-              <p:cNvGraphicFramePr>
-                <a:graphicFrameLocks noGrp="1"/>
-              </p:cNvGraphicFramePr>
-              <p:nvPr>
-                <p:extLst>
-                  <p:ext uri="{D42A27DB-BD31-4B8C-83A1-F6EECF244321}">
-                    <p14:modId xmlns:p14="http://schemas.microsoft.com/office/powerpoint/2010/main" val="489635120"/>
-                  </p:ext>
-                </p:extLst>
-              </p:nvPr>
-            </p:nvGraphicFramePr>
-            <p:xfrm>
-              <a:off x="4918615" y="1104295"/>
-              <a:ext cx="518400" cy="556040"/>
-            </p:xfrm>
-            <a:graphic>
-              <a:graphicData uri="http://schemas.openxmlformats.org/drawingml/2006/table">
-                <a:tbl>
-                  <a:tblPr firstRow="1" bandRow="1">
-                    <a:tableStyleId>{2D5ABB26-0587-4C30-8999-92F81FD0307C}</a:tableStyleId>
-                  </a:tblPr>
-                  <a:tblGrid>
-                    <a:gridCol w="518400">
-                      <a:extLst>
-                        <a:ext uri="{9D8B030D-6E8A-4147-A177-3AD203B41FA5}">
-                          <a16:colId xmlns:a16="http://schemas.microsoft.com/office/drawing/2014/main" val="1391329631"/>
-                        </a:ext>
-                      </a:extLst>
-                    </a:gridCol>
-                  </a:tblGrid>
-                  <a:tr h="139010">
-                    <a:tc>
-                      <a:txBody>
-                        <a:bodyPr/>
-                        <a:lstStyle/>
-                        <a:p>
-                          <a:endParaRPr lang="ja-JP"/>
-                        </a:p>
-                      </a:txBody>
-                      <a:tcPr marL="17091" marR="17091" marT="8545" marB="8545" anchor="ctr">
-                        <a:lnL w="12700" cap="flat" cmpd="sng" algn="ctr">
-                          <a:solidFill>
-                            <a:schemeClr val="tx1"/>
-                          </a:solidFill>
-                          <a:prstDash val="solid"/>
-                          <a:round/>
-                          <a:headEnd type="none" w="med" len="med"/>
-                          <a:tailEnd type="none" w="med" len="med"/>
-                        </a:lnL>
-                        <a:lnR w="12700" cap="flat" cmpd="sng" algn="ctr">
-                          <a:solidFill>
-                            <a:schemeClr val="tx1"/>
-                          </a:solidFill>
-                          <a:prstDash val="solid"/>
-                          <a:round/>
-                          <a:headEnd type="none" w="med" len="med"/>
-                          <a:tailEnd type="none" w="med" len="med"/>
-                        </a:lnR>
-                        <a:lnT w="12700" cap="flat" cmpd="sng" algn="ctr">
-                          <a:solidFill>
-                            <a:schemeClr val="tx1"/>
-                          </a:solidFill>
-                          <a:prstDash val="solid"/>
-                          <a:round/>
-                          <a:headEnd type="none" w="med" len="med"/>
-                          <a:tailEnd type="none" w="med" len="med"/>
-                        </a:lnT>
-                        <a:lnB w="9525" cap="flat" cmpd="sng" algn="ctr">
-                          <a:solidFill>
-                            <a:schemeClr val="tx1"/>
-                          </a:solidFill>
-                          <a:prstDash val="solid"/>
-                          <a:round/>
-                          <a:headEnd type="none" w="med" len="med"/>
-                          <a:tailEnd type="none" w="med" len="med"/>
-                        </a:lnB>
-                        <a:blipFill>
-                          <a:blip r:embed="rId6"/>
-                          <a:stretch>
-                            <a:fillRect l="-1163" t="-17391" r="-2326" b="-334783"/>
-                          </a:stretch>
-                        </a:blipFill>
-                      </a:tcPr>
-                    </a:tc>
-                    <a:extLst>
-                      <a:ext uri="{0D108BD9-81ED-4DB2-BD59-A6C34878D82A}">
-                        <a16:rowId xmlns:a16="http://schemas.microsoft.com/office/drawing/2014/main" val="3783925622"/>
-                      </a:ext>
-                    </a:extLst>
-                  </a:tr>
-                  <a:tr h="139010">
-                    <a:tc>
-                      <a:txBody>
-                        <a:bodyPr/>
-                        <a:lstStyle/>
-                        <a:p>
-                          <a:pPr algn="ctr"/>
-                          <a:r>
-                            <a:rPr kumimoji="1" lang="en-US" altLang="ja-JP" sz="800" dirty="0">
-                              <a:latin typeface="Cambria Math" panose="02040503050406030204" pitchFamily="18" charset="0"/>
-                              <a:ea typeface="Cambria Math" panose="02040503050406030204" pitchFamily="18" charset="0"/>
-                            </a:rPr>
-                            <a:t>Metadata</a:t>
-                          </a:r>
-                          <a:endParaRPr kumimoji="1" lang="ja-JP" altLang="en-US" sz="800" dirty="0">
-                            <a:latin typeface="Cambria Math" panose="02040503050406030204" pitchFamily="18" charset="0"/>
-                          </a:endParaRPr>
-                        </a:p>
-                      </a:txBody>
-                      <a:tcPr marL="17091" marR="17091" marT="8545" marB="8545" anchor="ctr">
-                        <a:lnL w="12700" cap="flat" cmpd="sng" algn="ctr">
-                          <a:solidFill>
-                            <a:schemeClr val="tx1"/>
-                          </a:solidFill>
-                          <a:prstDash val="solid"/>
-                          <a:round/>
-                          <a:headEnd type="none" w="med" len="med"/>
-                          <a:tailEnd type="none" w="med" len="med"/>
-                        </a:lnL>
-                        <a:lnR w="12700" cap="flat" cmpd="sng" algn="ctr">
-                          <a:solidFill>
-                            <a:schemeClr val="tx1"/>
-                          </a:solidFill>
-                          <a:prstDash val="solid"/>
-                          <a:round/>
-                          <a:headEnd type="none" w="med" len="med"/>
-                          <a:tailEnd type="none" w="med" len="med"/>
-                        </a:lnR>
-                        <a:lnT w="9525" cap="flat" cmpd="sng" algn="ctr">
-                          <a:solidFill>
-                            <a:schemeClr val="tx1"/>
-                          </a:solidFill>
-                          <a:prstDash val="solid"/>
-                          <a:round/>
-                          <a:headEnd type="none" w="med" len="med"/>
-                          <a:tailEnd type="none" w="med" len="med"/>
-                        </a:lnT>
-                        <a:lnB w="12700" cap="flat" cmpd="sng" algn="ctr">
-                          <a:noFill/>
-                          <a:prstDash val="solid"/>
-                          <a:round/>
-                          <a:headEnd type="none" w="med" len="med"/>
-                          <a:tailEnd type="none" w="med" len="med"/>
-                        </a:lnB>
-                        <a:solidFill>
-                          <a:schemeClr val="bg1"/>
-                        </a:solidFill>
-                      </a:tcPr>
-                    </a:tc>
-                    <a:extLst>
-                      <a:ext uri="{0D108BD9-81ED-4DB2-BD59-A6C34878D82A}">
-                        <a16:rowId xmlns:a16="http://schemas.microsoft.com/office/drawing/2014/main" val="1930659369"/>
-                      </a:ext>
-                    </a:extLst>
-                  </a:tr>
-                  <a:tr h="139010">
-                    <a:tc>
-                      <a:txBody>
-                        <a:bodyPr/>
-                        <a:lstStyle/>
-                        <a:p>
-                          <a:pPr algn="ctr"/>
-                          <a:r>
-                            <a:rPr kumimoji="1" lang="en-US" altLang="ja-JP" sz="800" dirty="0">
-                              <a:latin typeface="Cambria Math" panose="02040503050406030204" pitchFamily="18" charset="0"/>
-                            </a:rPr>
-                            <a:t>Record</a:t>
-                          </a:r>
-                          <a:endParaRPr kumimoji="1" lang="ja-JP" altLang="en-US" sz="800" dirty="0">
-                            <a:latin typeface="Cambria Math" panose="02040503050406030204" pitchFamily="18" charset="0"/>
-                          </a:endParaRPr>
-                        </a:p>
-                      </a:txBody>
-                      <a:tcPr marL="17091" marR="17091" marT="8545" marB="8545" anchor="ctr">
-                        <a:lnL w="12700" cap="flat" cmpd="sng" algn="ctr">
-                          <a:solidFill>
-                            <a:schemeClr val="tx1"/>
-                          </a:solidFill>
-                          <a:prstDash val="solid"/>
-                          <a:round/>
-                          <a:headEnd type="none" w="med" len="med"/>
-                          <a:tailEnd type="none" w="med" len="med"/>
-                        </a:lnL>
-                        <a:lnR w="12700" cap="flat" cmpd="sng" algn="ctr">
-                          <a:solidFill>
-                            <a:schemeClr val="tx1"/>
-                          </a:solidFill>
-                          <a:prstDash val="solid"/>
-                          <a:round/>
-                          <a:headEnd type="none" w="med" len="med"/>
-                          <a:tailEnd type="none" w="med" len="med"/>
-                        </a:lnR>
-                        <a:lnT w="12700" cap="flat" cmpd="sng" algn="ctr">
-                          <a:noFill/>
-                          <a:prstDash val="solid"/>
-                          <a:round/>
-                          <a:headEnd type="none" w="med" len="med"/>
-                          <a:tailEnd type="none" w="med" len="med"/>
-                        </a:lnT>
-                        <a:lnB w="9525" cap="flat" cmpd="sng" algn="ctr">
-                          <a:solidFill>
-                            <a:schemeClr val="tx1"/>
-                          </a:solidFill>
-                          <a:prstDash val="sysDot"/>
-                          <a:round/>
-                          <a:headEnd type="none" w="med" len="med"/>
-                          <a:tailEnd type="none" w="med" len="med"/>
-                        </a:lnB>
-                        <a:solidFill>
-                          <a:schemeClr val="bg1"/>
-                        </a:solidFill>
-                      </a:tcPr>
-                    </a:tc>
-                    <a:extLst>
-                      <a:ext uri="{0D108BD9-81ED-4DB2-BD59-A6C34878D82A}">
-                        <a16:rowId xmlns:a16="http://schemas.microsoft.com/office/drawing/2014/main" val="1611505625"/>
-                      </a:ext>
-                    </a:extLst>
-                  </a:tr>
-                  <a:tr h="139010">
-                    <a:tc>
-                      <a:txBody>
-                        <a:bodyPr/>
-                        <a:lstStyle/>
-                        <a:p>
-                          <a:endParaRPr lang="ja-JP"/>
-                        </a:p>
-                      </a:txBody>
-                      <a:tcPr marL="17091" marR="17091" marT="8545" marB="8545" anchor="ctr">
-                        <a:lnL w="12700" cap="flat" cmpd="sng" algn="ctr">
-                          <a:solidFill>
-                            <a:schemeClr val="tx1"/>
-                          </a:solidFill>
-                          <a:prstDash val="solid"/>
-                          <a:round/>
-                          <a:headEnd type="none" w="med" len="med"/>
-                          <a:tailEnd type="none" w="med" len="med"/>
-                        </a:lnL>
-                        <a:lnR w="12700" cap="flat" cmpd="sng" algn="ctr">
-                          <a:solidFill>
-                            <a:schemeClr val="tx1"/>
-                          </a:solidFill>
-                          <a:prstDash val="solid"/>
-                          <a:round/>
-                          <a:headEnd type="none" w="med" len="med"/>
-                          <a:tailEnd type="none" w="med" len="med"/>
-                        </a:lnR>
-                        <a:lnT w="9525" cap="flat" cmpd="sng" algn="ctr">
-                          <a:solidFill>
-                            <a:schemeClr val="tx1"/>
-                          </a:solidFill>
-                          <a:prstDash val="sysDot"/>
-                          <a:round/>
-                          <a:headEnd type="none" w="med" len="med"/>
-                          <a:tailEnd type="none" w="med" len="med"/>
-                        </a:lnT>
-                        <a:lnB w="12700" cap="flat" cmpd="sng" algn="ctr">
-                          <a:solidFill>
-                            <a:schemeClr val="tx1"/>
-                          </a:solidFill>
-                          <a:prstDash val="solid"/>
-                          <a:round/>
-                          <a:headEnd type="none" w="med" len="med"/>
-                          <a:tailEnd type="none" w="med" len="med"/>
-                        </a:lnB>
-                        <a:blipFill>
-                          <a:blip r:embed="rId6"/>
-                          <a:stretch>
-                            <a:fillRect l="-1163" t="-317391" r="-2326" b="-34783"/>
-                          </a:stretch>
-                        </a:blipFill>
-                      </a:tcPr>
-                    </a:tc>
-                    <a:extLst>
-                      <a:ext uri="{0D108BD9-81ED-4DB2-BD59-A6C34878D82A}">
-                        <a16:rowId xmlns:a16="http://schemas.microsoft.com/office/drawing/2014/main" val="4013838990"/>
-                      </a:ext>
-                    </a:extLst>
-                  </a:tr>
-                </a:tbl>
-              </a:graphicData>
-            </a:graphic>
-          </p:graphicFrame>
-        </mc:Fallback>
-      </mc:AlternateContent>
-      <p:cxnSp>
-        <p:nvCxnSpPr>
-          <p:cNvPr id="166" name="直線矢印コネクタ 165">
-            <a:extLst>
-              <a:ext uri="{FF2B5EF4-FFF2-40B4-BE49-F238E27FC236}">
-                <a16:creationId xmlns:a16="http://schemas.microsoft.com/office/drawing/2014/main" id="{3A38CD67-B8A6-907B-F0AE-F921C7A34C36}"/>
-              </a:ext>
-            </a:extLst>
-          </p:cNvPr>
-          <p:cNvCxnSpPr>
-            <a:cxnSpLocks/>
-          </p:cNvCxnSpPr>
-          <p:nvPr/>
-        </p:nvCxnSpPr>
-        <p:spPr>
-          <a:xfrm>
-            <a:off x="3964647" y="1171575"/>
-            <a:ext cx="953968" cy="0"/>
-          </a:xfrm>
-          <a:prstGeom prst="straightConnector1">
-            <a:avLst/>
-          </a:prstGeom>
-          <a:ln w="12700">
-            <a:solidFill>
-              <a:schemeClr val="accent1"/>
-            </a:solidFill>
-            <a:prstDash val="sysDot"/>
-            <a:tailEnd type="triangle" w="med" len="med"/>
-          </a:ln>
-        </p:spPr>
-        <p:style>
-          <a:lnRef idx="1">
-            <a:schemeClr val="accent1"/>
-          </a:lnRef>
-          <a:fillRef idx="0">
-            <a:schemeClr val="accent1"/>
-          </a:fillRef>
-          <a:effectRef idx="0">
-            <a:schemeClr val="accent1"/>
-          </a:effectRef>
-          <a:fontRef idx="minor">
-            <a:schemeClr val="tx1"/>
-          </a:fontRef>
-        </p:style>
-      </p:cxnSp>
-      <mc:AlternateContent xmlns:mc="http://schemas.openxmlformats.org/markup-compatibility/2006" xmlns:a14="http://schemas.microsoft.com/office/drawing/2010/main">
-        <mc:Choice Requires="a14">
+        <mc:Fallback>
           <p:graphicFrame>
             <p:nvGraphicFramePr>
               <p:cNvPr id="167" name="表 49">
@@ -4855,13 +3193,13 @@
               <p:nvPr>
                 <p:extLst>
                   <p:ext uri="{D42A27DB-BD31-4B8C-83A1-F6EECF244321}">
-                    <p14:modId xmlns:p14="http://schemas.microsoft.com/office/powerpoint/2010/main" val="1450720272"/>
+                    <p14:modId xmlns:p14="http://schemas.microsoft.com/office/powerpoint/2010/main" val="2727131438"/>
                   </p:ext>
                 </p:extLst>
               </p:nvPr>
             </p:nvGraphicFramePr>
             <p:xfrm>
-              <a:off x="4182432" y="1929171"/>
+              <a:off x="1881572" y="1139986"/>
               <a:ext cx="518400" cy="556040"/>
             </p:xfrm>
             <a:graphic>
@@ -5080,335 +3418,6 @@
                         <a:bodyPr/>
                         <a:lstStyle/>
                         <a:p>
-                          <a:pPr algn="ctr"/>
-                          <a:r>
-                            <a:rPr kumimoji="1" lang="en-US" altLang="ja-JP" sz="800" b="1" dirty="0">
-                              <a:solidFill>
-                                <a:schemeClr val="accent2"/>
-                              </a:solidFill>
-                              <a:latin typeface="Cambria Math" panose="02040503050406030204" pitchFamily="18" charset="0"/>
-                              <a:ea typeface="Cambria Math" panose="02040503050406030204" pitchFamily="18" charset="0"/>
-                            </a:rPr>
-                            <a:t>Space for </a:t>
-                          </a:r>
-                          <a14:m>
-                            <m:oMath xmlns:m="http://schemas.openxmlformats.org/officeDocument/2006/math">
-                              <m:r>
-                                <a:rPr kumimoji="1" lang="en-US" altLang="ja-JP" sz="800" b="1" i="0" smtClean="0">
-                                  <a:solidFill>
-                                    <a:schemeClr val="accent2"/>
-                                  </a:solidFill>
-                                  <a:latin typeface="Cambria Math" panose="02040503050406030204" pitchFamily="18" charset="0"/>
-                                </a:rPr>
-                                <m:t>𝚫</m:t>
-                              </m:r>
-                            </m:oMath>
-                          </a14:m>
-                          <a:endParaRPr kumimoji="1" lang="ja-JP" altLang="en-US" sz="800" b="1" dirty="0">
-                            <a:solidFill>
-                              <a:schemeClr val="accent2"/>
-                            </a:solidFill>
-                            <a:latin typeface="Cambria Math" panose="02040503050406030204" pitchFamily="18" charset="0"/>
-                          </a:endParaRPr>
-                        </a:p>
-                      </a:txBody>
-                      <a:tcPr marL="17091" marR="17091" marT="8545" marB="8545" anchor="ctr">
-                        <a:lnL w="12700" cap="flat" cmpd="sng" algn="ctr">
-                          <a:solidFill>
-                            <a:schemeClr val="tx1"/>
-                          </a:solidFill>
-                          <a:prstDash val="solid"/>
-                          <a:round/>
-                          <a:headEnd type="none" w="med" len="med"/>
-                          <a:tailEnd type="none" w="med" len="med"/>
-                        </a:lnL>
-                        <a:lnR w="12700" cap="flat" cmpd="sng" algn="ctr">
-                          <a:solidFill>
-                            <a:schemeClr val="tx1"/>
-                          </a:solidFill>
-                          <a:prstDash val="solid"/>
-                          <a:round/>
-                          <a:headEnd type="none" w="med" len="med"/>
-                          <a:tailEnd type="none" w="med" len="med"/>
-                        </a:lnR>
-                        <a:lnT w="9525" cap="flat" cmpd="sng" algn="ctr">
-                          <a:solidFill>
-                            <a:schemeClr val="tx1"/>
-                          </a:solidFill>
-                          <a:prstDash val="sysDot"/>
-                          <a:round/>
-                          <a:headEnd type="none" w="med" len="med"/>
-                          <a:tailEnd type="none" w="med" len="med"/>
-                        </a:lnT>
-                        <a:lnB w="12700" cap="flat" cmpd="sng" algn="ctr">
-                          <a:solidFill>
-                            <a:schemeClr val="tx1"/>
-                          </a:solidFill>
-                          <a:prstDash val="solid"/>
-                          <a:round/>
-                          <a:headEnd type="none" w="med" len="med"/>
-                          <a:tailEnd type="none" w="med" len="med"/>
-                        </a:lnB>
-                        <a:solidFill>
-                          <a:schemeClr val="accent2">
-                            <a:lumMod val="20000"/>
-                            <a:lumOff val="80000"/>
-                          </a:schemeClr>
-                        </a:solidFill>
-                      </a:tcPr>
-                    </a:tc>
-                    <a:extLst>
-                      <a:ext uri="{0D108BD9-81ED-4DB2-BD59-A6C34878D82A}">
-                        <a16:rowId xmlns:a16="http://schemas.microsoft.com/office/drawing/2014/main" val="4013838990"/>
-                      </a:ext>
-                    </a:extLst>
-                  </a:tr>
-                </a:tbl>
-              </a:graphicData>
-            </a:graphic>
-          </p:graphicFrame>
-        </mc:Choice>
-        <mc:Fallback xmlns="">
-          <p:graphicFrame>
-            <p:nvGraphicFramePr>
-              <p:cNvPr id="167" name="表 49">
-                <a:extLst>
-                  <a:ext uri="{FF2B5EF4-FFF2-40B4-BE49-F238E27FC236}">
-                    <a16:creationId xmlns:a16="http://schemas.microsoft.com/office/drawing/2014/main" id="{3794AD1A-F396-39CC-8BBC-C768B8F6B802}"/>
-                  </a:ext>
-                </a:extLst>
-              </p:cNvPr>
-              <p:cNvGraphicFramePr>
-                <a:graphicFrameLocks noGrp="1"/>
-              </p:cNvGraphicFramePr>
-              <p:nvPr>
-                <p:extLst>
-                  <p:ext uri="{D42A27DB-BD31-4B8C-83A1-F6EECF244321}">
-                    <p14:modId xmlns:p14="http://schemas.microsoft.com/office/powerpoint/2010/main" val="1450720272"/>
-                  </p:ext>
-                </p:extLst>
-              </p:nvPr>
-            </p:nvGraphicFramePr>
-            <p:xfrm>
-              <a:off x="4182432" y="1929171"/>
-              <a:ext cx="518400" cy="556040"/>
-            </p:xfrm>
-            <a:graphic>
-              <a:graphicData uri="http://schemas.openxmlformats.org/drawingml/2006/table">
-                <a:tbl>
-                  <a:tblPr firstRow="1" bandRow="1">
-                    <a:tableStyleId>{2D5ABB26-0587-4C30-8999-92F81FD0307C}</a:tableStyleId>
-                  </a:tblPr>
-                  <a:tblGrid>
-                    <a:gridCol w="518400">
-                      <a:extLst>
-                        <a:ext uri="{9D8B030D-6E8A-4147-A177-3AD203B41FA5}">
-                          <a16:colId xmlns:a16="http://schemas.microsoft.com/office/drawing/2014/main" val="1391329631"/>
-                        </a:ext>
-                      </a:extLst>
-                    </a:gridCol>
-                  </a:tblGrid>
-                  <a:tr h="139010">
-                    <a:tc>
-                      <a:txBody>
-                        <a:bodyPr/>
-                        <a:lstStyle/>
-                        <a:p>
-                          <a:pPr algn="ctr"/>
-                          <a:r>
-                            <a:rPr kumimoji="1" lang="en-US" altLang="ja-JP" sz="800" dirty="0">
-                              <a:latin typeface="Cambria Math" panose="02040503050406030204" pitchFamily="18" charset="0"/>
-                            </a:rPr>
-                            <a:t>E: Header</a:t>
-                          </a:r>
-                          <a:endParaRPr kumimoji="1" lang="ja-JP" altLang="en-US" sz="800" dirty="0">
-                            <a:latin typeface="Cambria Math" panose="02040503050406030204" pitchFamily="18" charset="0"/>
-                          </a:endParaRPr>
-                        </a:p>
-                      </a:txBody>
-                      <a:tcPr marL="17091" marR="17091" marT="8545" marB="8545" anchor="ctr">
-                        <a:lnL w="12700" cap="flat" cmpd="sng" algn="ctr">
-                          <a:solidFill>
-                            <a:schemeClr val="tx1"/>
-                          </a:solidFill>
-                          <a:prstDash val="solid"/>
-                          <a:round/>
-                          <a:headEnd type="none" w="med" len="med"/>
-                          <a:tailEnd type="none" w="med" len="med"/>
-                        </a:lnL>
-                        <a:lnR w="12700" cap="flat" cmpd="sng" algn="ctr">
-                          <a:solidFill>
-                            <a:schemeClr val="tx1"/>
-                          </a:solidFill>
-                          <a:prstDash val="solid"/>
-                          <a:round/>
-                          <a:headEnd type="none" w="med" len="med"/>
-                          <a:tailEnd type="none" w="med" len="med"/>
-                        </a:lnR>
-                        <a:lnT w="12700" cap="flat" cmpd="sng" algn="ctr">
-                          <a:solidFill>
-                            <a:schemeClr val="tx1"/>
-                          </a:solidFill>
-                          <a:prstDash val="solid"/>
-                          <a:round/>
-                          <a:headEnd type="none" w="med" len="med"/>
-                          <a:tailEnd type="none" w="med" len="med"/>
-                        </a:lnT>
-                        <a:lnB w="9525" cap="flat" cmpd="sng" algn="ctr">
-                          <a:solidFill>
-                            <a:schemeClr val="tx1"/>
-                          </a:solidFill>
-                          <a:prstDash val="solid"/>
-                          <a:round/>
-                          <a:headEnd type="none" w="med" len="med"/>
-                          <a:tailEnd type="none" w="med" len="med"/>
-                        </a:lnB>
-                        <a:solidFill>
-                          <a:schemeClr val="bg1"/>
-                        </a:solidFill>
-                      </a:tcPr>
-                    </a:tc>
-                    <a:extLst>
-                      <a:ext uri="{0D108BD9-81ED-4DB2-BD59-A6C34878D82A}">
-                        <a16:rowId xmlns:a16="http://schemas.microsoft.com/office/drawing/2014/main" val="3783925622"/>
-                      </a:ext>
-                    </a:extLst>
-                  </a:tr>
-                  <a:tr h="139010">
-                    <a:tc>
-                      <a:txBody>
-                        <a:bodyPr/>
-                        <a:lstStyle/>
-                        <a:p>
-                          <a:pPr algn="ctr"/>
-                          <a:r>
-                            <a:rPr kumimoji="1" lang="en-US" altLang="ja-JP" sz="800" dirty="0">
-                              <a:latin typeface="Cambria Math" panose="02040503050406030204" pitchFamily="18" charset="0"/>
-                              <a:ea typeface="Cambria Math" panose="02040503050406030204" pitchFamily="18" charset="0"/>
-                            </a:rPr>
-                            <a:t>Metadata</a:t>
-                          </a:r>
-                          <a:endParaRPr kumimoji="1" lang="ja-JP" altLang="en-US" sz="800" dirty="0">
-                            <a:latin typeface="Cambria Math" panose="02040503050406030204" pitchFamily="18" charset="0"/>
-                          </a:endParaRPr>
-                        </a:p>
-                      </a:txBody>
-                      <a:tcPr marL="17091" marR="17091" marT="8545" marB="8545" anchor="ctr">
-                        <a:lnL w="12700" cap="flat" cmpd="sng" algn="ctr">
-                          <a:solidFill>
-                            <a:schemeClr val="tx1"/>
-                          </a:solidFill>
-                          <a:prstDash val="solid"/>
-                          <a:round/>
-                          <a:headEnd type="none" w="med" len="med"/>
-                          <a:tailEnd type="none" w="med" len="med"/>
-                        </a:lnL>
-                        <a:lnR w="12700" cap="flat" cmpd="sng" algn="ctr">
-                          <a:solidFill>
-                            <a:schemeClr val="tx1"/>
-                          </a:solidFill>
-                          <a:prstDash val="solid"/>
-                          <a:round/>
-                          <a:headEnd type="none" w="med" len="med"/>
-                          <a:tailEnd type="none" w="med" len="med"/>
-                        </a:lnR>
-                        <a:lnT w="9525" cap="flat" cmpd="sng" algn="ctr">
-                          <a:solidFill>
-                            <a:schemeClr val="tx1"/>
-                          </a:solidFill>
-                          <a:prstDash val="solid"/>
-                          <a:round/>
-                          <a:headEnd type="none" w="med" len="med"/>
-                          <a:tailEnd type="none" w="med" len="med"/>
-                        </a:lnT>
-                        <a:lnB w="12700" cap="flat" cmpd="sng" algn="ctr">
-                          <a:noFill/>
-                          <a:prstDash val="solid"/>
-                          <a:round/>
-                          <a:headEnd type="none" w="med" len="med"/>
-                          <a:tailEnd type="none" w="med" len="med"/>
-                        </a:lnB>
-                        <a:solidFill>
-                          <a:schemeClr val="bg1"/>
-                        </a:solidFill>
-                      </a:tcPr>
-                    </a:tc>
-                    <a:extLst>
-                      <a:ext uri="{0D108BD9-81ED-4DB2-BD59-A6C34878D82A}">
-                        <a16:rowId xmlns:a16="http://schemas.microsoft.com/office/drawing/2014/main" val="1930659369"/>
-                      </a:ext>
-                    </a:extLst>
-                  </a:tr>
-                  <a:tr h="139010">
-                    <a:tc>
-                      <a:txBody>
-                        <a:bodyPr/>
-                        <a:lstStyle/>
-                        <a:p>
-                          <a:pPr algn="ctr"/>
-                          <a:r>
-                            <a:rPr kumimoji="1" lang="en-US" altLang="ja-JP" sz="800" dirty="0">
-                              <a:latin typeface="Cambria Math" panose="02040503050406030204" pitchFamily="18" charset="0"/>
-                            </a:rPr>
-                            <a:t>Record</a:t>
-                          </a:r>
-                          <a:endParaRPr kumimoji="1" lang="ja-JP" altLang="en-US" sz="800" dirty="0">
-                            <a:latin typeface="Cambria Math" panose="02040503050406030204" pitchFamily="18" charset="0"/>
-                          </a:endParaRPr>
-                        </a:p>
-                      </a:txBody>
-                      <a:tcPr marL="17091" marR="17091" marT="8545" marB="8545" anchor="ctr">
-                        <a:lnL w="12700" cap="flat" cmpd="sng" algn="ctr">
-                          <a:solidFill>
-                            <a:schemeClr val="tx1"/>
-                          </a:solidFill>
-                          <a:prstDash val="solid"/>
-                          <a:round/>
-                          <a:headEnd type="none" w="med" len="med"/>
-                          <a:tailEnd type="none" w="med" len="med"/>
-                        </a:lnL>
-                        <a:lnR w="12700" cap="flat" cmpd="sng" algn="ctr">
-                          <a:solidFill>
-                            <a:schemeClr val="tx1"/>
-                          </a:solidFill>
-                          <a:prstDash val="solid"/>
-                          <a:round/>
-                          <a:headEnd type="none" w="med" len="med"/>
-                          <a:tailEnd type="none" w="med" len="med"/>
-                        </a:lnR>
-                        <a:lnT w="12700" cap="flat" cmpd="sng" algn="ctr">
-                          <a:noFill/>
-                          <a:prstDash val="solid"/>
-                          <a:round/>
-                          <a:headEnd type="none" w="med" len="med"/>
-                          <a:tailEnd type="none" w="med" len="med"/>
-                        </a:lnT>
-                        <a:lnB w="9525" cap="flat" cmpd="sng" algn="ctr">
-                          <a:solidFill>
-                            <a:schemeClr val="tx1"/>
-                          </a:solidFill>
-                          <a:prstDash val="sysDot"/>
-                          <a:round/>
-                          <a:headEnd type="none" w="med" len="med"/>
-                          <a:tailEnd type="none" w="med" len="med"/>
-                        </a:lnB>
-                        <a:solidFill>
-                          <a:schemeClr val="bg1"/>
-                        </a:solidFill>
-                      </a:tcPr>
-                    </a:tc>
-                    <a:extLst>
-                      <a:ext uri="{0D108BD9-81ED-4DB2-BD59-A6C34878D82A}">
-                        <a16:rowId xmlns:a16="http://schemas.microsoft.com/office/drawing/2014/main" val="1611505625"/>
-                      </a:ext>
-                    </a:extLst>
-                  </a:tr>
-                  <a:tr h="139010">
-                    <a:tc>
-                      <a:txBody>
-                        <a:bodyPr/>
-                        <a:lstStyle/>
-                        <a:p>
                           <a:endParaRPr lang="ja-JP"/>
                         </a:p>
                       </a:txBody>
@@ -5450,9 +3459,9 @@
                           <a:tailEnd type="none" w="med" len="med"/>
                         </a:lnB>
                         <a:blipFill>
-                          <a:blip r:embed="rId7"/>
+                          <a:blip r:embed="rId4"/>
                           <a:stretch>
-                            <a:fillRect l="-1163" t="-317391" r="-2326" b="-39130"/>
+                            <a:fillRect l="-1163" t="-317391" r="-2326" b="-34783"/>
                           </a:stretch>
                         </a:blipFill>
                       </a:tcPr>
@@ -5469,96 +3478,6 @@
           </p:graphicFrame>
         </mc:Fallback>
       </mc:AlternateContent>
-      <p:cxnSp>
-        <p:nvCxnSpPr>
-          <p:cNvPr id="168" name="直線矢印コネクタ 167">
-            <a:extLst>
-              <a:ext uri="{FF2B5EF4-FFF2-40B4-BE49-F238E27FC236}">
-                <a16:creationId xmlns:a16="http://schemas.microsoft.com/office/drawing/2014/main" id="{25F8E4A3-0979-CF72-E869-4A9B9A81C14B}"/>
-              </a:ext>
-            </a:extLst>
-          </p:cNvPr>
-          <p:cNvCxnSpPr>
-            <a:cxnSpLocks/>
-            <a:stCxn id="150" idx="2"/>
-          </p:cNvCxnSpPr>
-          <p:nvPr/>
-        </p:nvCxnSpPr>
-        <p:spPr>
-          <a:xfrm>
-            <a:off x="3705447" y="1660335"/>
-            <a:ext cx="476985" cy="268836"/>
-          </a:xfrm>
-          <a:prstGeom prst="straightConnector1">
-            <a:avLst/>
-          </a:prstGeom>
-          <a:ln w="12700">
-            <a:solidFill>
-              <a:schemeClr val="tx1"/>
-            </a:solidFill>
-            <a:tailEnd type="triangle"/>
-          </a:ln>
-        </p:spPr>
-        <p:style>
-          <a:lnRef idx="1">
-            <a:schemeClr val="accent1"/>
-          </a:lnRef>
-          <a:fillRef idx="0">
-            <a:schemeClr val="accent1"/>
-          </a:fillRef>
-          <a:effectRef idx="0">
-            <a:schemeClr val="accent1"/>
-          </a:effectRef>
-          <a:fontRef idx="minor">
-            <a:schemeClr val="tx1"/>
-          </a:fontRef>
-        </p:style>
-      </p:cxnSp>
-      <p:cxnSp>
-        <p:nvCxnSpPr>
-          <p:cNvPr id="171" name="直線矢印コネクタ 170">
-            <a:extLst>
-              <a:ext uri="{FF2B5EF4-FFF2-40B4-BE49-F238E27FC236}">
-                <a16:creationId xmlns:a16="http://schemas.microsoft.com/office/drawing/2014/main" id="{93DC7206-0A7C-934F-2898-91C9EDF08AD1}"/>
-              </a:ext>
-            </a:extLst>
-          </p:cNvPr>
-          <p:cNvCxnSpPr>
-            <a:cxnSpLocks/>
-            <a:stCxn id="162" idx="2"/>
-          </p:cNvCxnSpPr>
-          <p:nvPr/>
-        </p:nvCxnSpPr>
-        <p:spPr>
-          <a:xfrm flipH="1">
-            <a:off x="4700832" y="1660335"/>
-            <a:ext cx="476983" cy="268836"/>
-          </a:xfrm>
-          <a:prstGeom prst="straightConnector1">
-            <a:avLst/>
-          </a:prstGeom>
-          <a:ln w="12700">
-            <a:solidFill>
-              <a:schemeClr val="tx1"/>
-            </a:solidFill>
-            <a:tailEnd type="triangle"/>
-          </a:ln>
-        </p:spPr>
-        <p:style>
-          <a:lnRef idx="1">
-            <a:schemeClr val="accent1"/>
-          </a:lnRef>
-          <a:fillRef idx="0">
-            <a:schemeClr val="accent1"/>
-          </a:fillRef>
-          <a:effectRef idx="0">
-            <a:schemeClr val="accent1"/>
-          </a:effectRef>
-          <a:fontRef idx="minor">
-            <a:schemeClr val="tx1"/>
-          </a:fontRef>
-        </p:style>
-      </p:cxnSp>
       <p:grpSp>
         <p:nvGrpSpPr>
           <p:cNvPr id="34" name="グループ化 33">
@@ -5573,7 +3492,7 @@
         </p:nvGrpSpPr>
         <p:grpSpPr>
           <a:xfrm>
-            <a:off x="2291992" y="35255"/>
+            <a:off x="781011" y="46527"/>
             <a:ext cx="1187165" cy="297393"/>
             <a:chOff x="860173" y="1557631"/>
             <a:chExt cx="1030332" cy="384165"/>
@@ -5875,13 +3794,13 @@
           <p:nvPr>
             <p:extLst>
               <p:ext uri="{D42A27DB-BD31-4B8C-83A1-F6EECF244321}">
-                <p14:modId xmlns:p14="http://schemas.microsoft.com/office/powerpoint/2010/main" val="2419505030"/>
+                <p14:modId xmlns:p14="http://schemas.microsoft.com/office/powerpoint/2010/main" val="2485755318"/>
               </p:ext>
             </p:extLst>
           </p:nvPr>
         </p:nvGraphicFramePr>
         <p:xfrm>
-          <a:off x="562036" y="329068"/>
+          <a:off x="335561" y="360659"/>
           <a:ext cx="419974" cy="1102942"/>
         </p:xfrm>
         <a:graphic>
@@ -6297,7 +4216,7 @@
         </p:nvCxnSpPr>
         <p:spPr>
           <a:xfrm flipH="1">
-            <a:off x="3465323" y="462970"/>
+            <a:off x="1862900" y="494563"/>
             <a:ext cx="148246" cy="218853"/>
           </a:xfrm>
           <a:prstGeom prst="straightConnector1">
@@ -6344,8 +4263,8 @@
         </p:nvCxnSpPr>
         <p:spPr>
           <a:xfrm flipH="1">
-            <a:off x="2385010" y="809098"/>
-            <a:ext cx="953032" cy="295197"/>
+            <a:off x="1326147" y="840691"/>
+            <a:ext cx="409472" cy="295197"/>
           </a:xfrm>
           <a:prstGeom prst="straightConnector1">
             <a:avLst/>
@@ -6385,13 +4304,12 @@
           <p:cNvCxnSpPr>
             <a:cxnSpLocks/>
             <a:stCxn id="45" idx="5"/>
-            <a:endCxn id="150" idx="0"/>
           </p:cNvCxnSpPr>
           <p:nvPr/>
         </p:nvCxnSpPr>
         <p:spPr>
           <a:xfrm>
-            <a:off x="3465322" y="809098"/>
+            <a:off x="1862901" y="840691"/>
             <a:ext cx="240125" cy="295197"/>
           </a:xfrm>
           <a:prstGeom prst="straightConnector1">
@@ -6434,7 +4352,7 @@
         </p:nvSpPr>
         <p:spPr>
           <a:xfrm>
-            <a:off x="3311682" y="655458"/>
+            <a:off x="1709259" y="687049"/>
             <a:ext cx="180000" cy="180000"/>
           </a:xfrm>
           <a:prstGeom prst="ellipse">
@@ -6503,7 +4421,7 @@
         </p:nvSpPr>
         <p:spPr>
           <a:xfrm>
-            <a:off x="3862733" y="655861"/>
+            <a:off x="2260310" y="687452"/>
             <a:ext cx="180000" cy="180000"/>
           </a:xfrm>
           <a:prstGeom prst="ellipse">
@@ -6572,7 +4490,7 @@
         </p:nvSpPr>
         <p:spPr>
           <a:xfrm>
-            <a:off x="3587208" y="309325"/>
+            <a:off x="1984785" y="340916"/>
             <a:ext cx="180000" cy="180000"/>
           </a:xfrm>
           <a:prstGeom prst="ellipse">
@@ -6644,7 +4562,7 @@
         </p:nvCxnSpPr>
         <p:spPr>
           <a:xfrm>
-            <a:off x="3677208" y="118074"/>
+            <a:off x="2074785" y="149666"/>
             <a:ext cx="0" cy="191257"/>
           </a:xfrm>
           <a:prstGeom prst="straightConnector1">
@@ -6691,7 +4609,7 @@
         </p:nvCxnSpPr>
         <p:spPr>
           <a:xfrm>
-            <a:off x="3740853" y="462965"/>
+            <a:off x="2138432" y="494556"/>
             <a:ext cx="148245" cy="219256"/>
           </a:xfrm>
           <a:prstGeom prst="straightConnector1">
@@ -6738,7 +4656,7 @@
         </p:nvCxnSpPr>
         <p:spPr>
           <a:xfrm>
-            <a:off x="3491688" y="745464"/>
+            <a:off x="1889267" y="777057"/>
             <a:ext cx="371051" cy="403"/>
           </a:xfrm>
           <a:prstGeom prst="straightConnector1">
@@ -6784,7 +4702,7 @@
         </p:nvCxnSpPr>
         <p:spPr>
           <a:xfrm>
-            <a:off x="4016373" y="809501"/>
+            <a:off x="2413950" y="841092"/>
             <a:ext cx="110246" cy="114056"/>
           </a:xfrm>
           <a:prstGeom prst="straightConnector1">
@@ -6827,7 +4745,7 @@
         </p:nvSpPr>
         <p:spPr>
           <a:xfrm>
-            <a:off x="4124046" y="848188"/>
+            <a:off x="2521623" y="879781"/>
             <a:ext cx="71862" cy="134139"/>
           </a:xfrm>
           <a:prstGeom prst="rect">
@@ -6868,51 +4786,6 @@
           </a:p>
         </p:txBody>
       </p:sp>
-      <p:cxnSp>
-        <p:nvCxnSpPr>
-          <p:cNvPr id="53" name="直線矢印コネクタ 52">
-            <a:extLst>
-              <a:ext uri="{FF2B5EF4-FFF2-40B4-BE49-F238E27FC236}">
-                <a16:creationId xmlns:a16="http://schemas.microsoft.com/office/drawing/2014/main" id="{29446F55-86F3-4267-B0EA-5FD69F2109EA}"/>
-              </a:ext>
-            </a:extLst>
-          </p:cNvPr>
-          <p:cNvCxnSpPr>
-            <a:cxnSpLocks/>
-            <a:endCxn id="45" idx="2"/>
-          </p:cNvCxnSpPr>
-          <p:nvPr/>
-        </p:nvCxnSpPr>
-        <p:spPr>
-          <a:xfrm flipV="1">
-            <a:off x="982010" y="745458"/>
-            <a:ext cx="2329672" cy="16418"/>
-          </a:xfrm>
-          <a:prstGeom prst="straightConnector1">
-            <a:avLst/>
-          </a:prstGeom>
-          <a:ln w="12700">
-            <a:solidFill>
-              <a:schemeClr val="tx1"/>
-            </a:solidFill>
-            <a:tailEnd type="triangle"/>
-          </a:ln>
-        </p:spPr>
-        <p:style>
-          <a:lnRef idx="1">
-            <a:schemeClr val="accent1"/>
-          </a:lnRef>
-          <a:fillRef idx="0">
-            <a:schemeClr val="accent1"/>
-          </a:fillRef>
-          <a:effectRef idx="0">
-            <a:schemeClr val="accent1"/>
-          </a:effectRef>
-          <a:fontRef idx="minor">
-            <a:schemeClr val="tx1"/>
-          </a:fontRef>
-        </p:style>
-      </p:cxnSp>
     </p:spTree>
     <p:extLst>
       <p:ext uri="{BB962C8B-B14F-4D97-AF65-F5344CB8AC3E}">
